--- a/pptx/project.pptx
+++ b/pptx/project.pptx
@@ -1,6 +1,6 @@
 
 <file path=ppt/presentation.xml><?xml version="1.0" encoding="utf-8"?>
-<p:presentation xmlns:a="http://schemas.openxmlformats.org/drawingml/2006/main" xmlns:r="http://schemas.openxmlformats.org/officeDocument/2006/relationships" xmlns:mc="http://schemas.openxmlformats.org/markup-compatibility/2006" xmlns:mv="urn:schemas-microsoft-com:mac:vml" xmlns:p="http://schemas.openxmlformats.org/presentationml/2006/main" xmlns:c="http://schemas.openxmlformats.org/drawingml/2006/chart" xmlns:dgm="http://schemas.openxmlformats.org/drawingml/2006/diagram" xmlns:o="urn:schemas-microsoft-com:office:office" xmlns:v="urn:schemas-microsoft-com:vml" xmlns:pvml="urn:schemas-microsoft-com:office:powerpoint" xmlns:com="http://schemas.openxmlformats.org/drawingml/2006/compatibility" xmlns:p14="http://schemas.microsoft.com/office/powerpoint/2010/main" xmlns:p15="http://schemas.microsoft.com/office/powerpoint/2012/main" xmlns:ahyp="http://schemas.microsoft.com/office/drawing/2018/hyperlinkcolor" autoCompressPictures="0" strictFirstAndLastChars="0" saveSubsetFonts="1">
+<p:presentation xmlns:a="http://schemas.openxmlformats.org/drawingml/2006/main" xmlns:r="http://schemas.openxmlformats.org/officeDocument/2006/relationships" xmlns:mc="http://schemas.openxmlformats.org/markup-compatibility/2006" xmlns:mv="urn:schemas-microsoft-com:mac:vml" xmlns:p="http://schemas.openxmlformats.org/presentationml/2006/main" xmlns:c="http://schemas.openxmlformats.org/drawingml/2006/chart" xmlns:dgm="http://schemas.openxmlformats.org/drawingml/2006/diagram" xmlns:o="urn:schemas-microsoft-com:office:office" xmlns:v="urn:schemas-microsoft-com:vml" xmlns:pvml="urn:schemas-microsoft-com:office:powerpoint" xmlns:com="http://schemas.openxmlformats.org/drawingml/2006/compatibility" xmlns:p14="http://schemas.microsoft.com/office/powerpoint/2010/main" xmlns:p15="http://schemas.microsoft.com/office/powerpoint/2012/main" xmlns:ahyp="http://schemas.microsoft.com/office/drawing/2018/hyperlinkcolor" autoCompressPictures="0" embedTrueTypeFonts="1" strictFirstAndLastChars="0" saveSubsetFonts="1">
   <p:sldMasterIdLst>
     <p:sldMasterId id="2147483659" r:id="rId4"/>
   </p:sldMasterIdLst>
@@ -9,9 +9,21 @@
   </p:notesMasterIdLst>
   <p:sldIdLst>
     <p:sldId id="256" r:id="rId6"/>
+    <p:sldId id="257" r:id="rId7"/>
+    <p:sldId id="258" r:id="rId8"/>
+    <p:sldId id="259" r:id="rId9"/>
   </p:sldIdLst>
   <p:sldSz cy="5143500" cx="9144000"/>
   <p:notesSz cx="6858000" cy="9144000"/>
+  <p:embeddedFontLst>
+    <p:embeddedFont>
+      <p:font typeface="Nunito"/>
+      <p:regular r:id="rId10"/>
+      <p:bold r:id="rId11"/>
+      <p:italic r:id="rId12"/>
+      <p:boldItalic r:id="rId13"/>
+    </p:embeddedFont>
+  </p:embeddedFontLst>
   <p:defaultTextStyle>
     <a:defPPr lvl="0" marR="0" rtl="0" algn="l">
       <a:lnSpc>
@@ -691,7 +703,7 @@
   <p:cSld>
     <p:spTree>
       <p:nvGrpSpPr>
-        <p:cNvPr id="50" name="Shape 50"/>
+        <p:cNvPr id="124" name="Shape 124"/>
         <p:cNvGrpSpPr/>
         <p:nvPr/>
       </p:nvGrpSpPr>
@@ -705,7 +717,7 @@
       </p:grpSpPr>
       <p:sp>
         <p:nvSpPr>
-          <p:cNvPr id="51" name="Google Shape;51;p:notes"/>
+          <p:cNvPr id="125" name="Google Shape;125;p:notes"/>
           <p:cNvSpPr/>
           <p:nvPr>
             <p:ph idx="2" type="sldImg"/>
@@ -740,7 +752,7 @@
       </p:sp>
       <p:sp>
         <p:nvSpPr>
-          <p:cNvPr id="52" name="Google Shape;52;p:notes"/>
+          <p:cNvPr id="126" name="Google Shape;126;p:notes"/>
           <p:cNvSpPr txBox="1"/>
           <p:nvPr>
             <p:ph idx="1" type="body"/>
@@ -785,9 +797,313 @@
 </p:notes>
 </file>
 
+<file path=ppt/notesSlides/notesSlide2.xml><?xml version="1.0" encoding="utf-8"?>
+<p:notes xmlns:a="http://schemas.openxmlformats.org/drawingml/2006/main" xmlns:r="http://schemas.openxmlformats.org/officeDocument/2006/relationships" xmlns:mc="http://schemas.openxmlformats.org/markup-compatibility/2006" xmlns:mv="urn:schemas-microsoft-com:mac:vml" xmlns:p="http://schemas.openxmlformats.org/presentationml/2006/main" xmlns:c="http://schemas.openxmlformats.org/drawingml/2006/chart" xmlns:dgm="http://schemas.openxmlformats.org/drawingml/2006/diagram" xmlns:o="urn:schemas-microsoft-com:office:office" xmlns:v="urn:schemas-microsoft-com:vml" xmlns:pvml="urn:schemas-microsoft-com:office:powerpoint" xmlns:com="http://schemas.openxmlformats.org/drawingml/2006/compatibility" xmlns:p14="http://schemas.microsoft.com/office/powerpoint/2010/main" xmlns:p15="http://schemas.microsoft.com/office/powerpoint/2012/main" xmlns:ahyp="http://schemas.microsoft.com/office/drawing/2018/hyperlinkcolor" showMasterPhAnim="0" showMasterSp="0">
+  <p:cSld>
+    <p:spTree>
+      <p:nvGrpSpPr>
+        <p:cNvPr id="130" name="Shape 130"/>
+        <p:cNvGrpSpPr/>
+        <p:nvPr/>
+      </p:nvGrpSpPr>
+      <p:grpSpPr>
+        <a:xfrm>
+          <a:off x="0" y="0"/>
+          <a:ext cx="0" cy="0"/>
+          <a:chOff x="0" y="0"/>
+          <a:chExt cx="0" cy="0"/>
+        </a:xfrm>
+      </p:grpSpPr>
+      <p:sp>
+        <p:nvSpPr>
+          <p:cNvPr id="131" name="Google Shape;131;gb4d9a67d13_0_119:notes"/>
+          <p:cNvSpPr/>
+          <p:nvPr>
+            <p:ph idx="2" type="sldImg"/>
+          </p:nvPr>
+        </p:nvSpPr>
+        <p:spPr>
+          <a:xfrm>
+            <a:off x="381300" y="685800"/>
+            <a:ext cx="6096000" cy="3429000"/>
+          </a:xfrm>
+          <a:custGeom>
+            <a:rect b="b" l="l" r="r" t="t"/>
+            <a:pathLst>
+              <a:path extrusionOk="0" h="120000" w="120000">
+                <a:moveTo>
+                  <a:pt x="0" y="0"/>
+                </a:moveTo>
+                <a:lnTo>
+                  <a:pt x="120000" y="0"/>
+                </a:lnTo>
+                <a:lnTo>
+                  <a:pt x="120000" y="120000"/>
+                </a:lnTo>
+                <a:lnTo>
+                  <a:pt x="0" y="120000"/>
+                </a:lnTo>
+                <a:close/>
+              </a:path>
+            </a:pathLst>
+          </a:custGeom>
+        </p:spPr>
+      </p:sp>
+      <p:sp>
+        <p:nvSpPr>
+          <p:cNvPr id="132" name="Google Shape;132;gb4d9a67d13_0_119:notes"/>
+          <p:cNvSpPr txBox="1"/>
+          <p:nvPr>
+            <p:ph idx="1" type="body"/>
+          </p:nvPr>
+        </p:nvSpPr>
+        <p:spPr>
+          <a:xfrm>
+            <a:off x="685800" y="4343400"/>
+            <a:ext cx="5486400" cy="4114800"/>
+          </a:xfrm>
+          <a:prstGeom prst="rect">
+            <a:avLst/>
+          </a:prstGeom>
+        </p:spPr>
+        <p:txBody>
+          <a:bodyPr anchorCtr="0" anchor="t" bIns="91425" lIns="91425" spcFirstLastPara="1" rIns="91425" wrap="square" tIns="91425">
+            <a:noAutofit/>
+          </a:bodyPr>
+          <a:lstStyle/>
+          <a:p>
+            <a:pPr indent="0" lvl="0" marL="0" rtl="0" algn="l">
+              <a:spcBef>
+                <a:spcPts val="0"/>
+              </a:spcBef>
+              <a:spcAft>
+                <a:spcPts val="0"/>
+              </a:spcAft>
+              <a:buNone/>
+            </a:pPr>
+            <a:r>
+              <a:t/>
+            </a:r>
+            <a:endParaRPr/>
+          </a:p>
+        </p:txBody>
+      </p:sp>
+    </p:spTree>
+  </p:cSld>
+  <p:clrMapOvr>
+    <a:masterClrMapping/>
+  </p:clrMapOvr>
+</p:notes>
+</file>
+
+<file path=ppt/notesSlides/notesSlide3.xml><?xml version="1.0" encoding="utf-8"?>
+<p:notes xmlns:a="http://schemas.openxmlformats.org/drawingml/2006/main" xmlns:r="http://schemas.openxmlformats.org/officeDocument/2006/relationships" xmlns:mc="http://schemas.openxmlformats.org/markup-compatibility/2006" xmlns:mv="urn:schemas-microsoft-com:mac:vml" xmlns:p="http://schemas.openxmlformats.org/presentationml/2006/main" xmlns:c="http://schemas.openxmlformats.org/drawingml/2006/chart" xmlns:dgm="http://schemas.openxmlformats.org/drawingml/2006/diagram" xmlns:o="urn:schemas-microsoft-com:office:office" xmlns:v="urn:schemas-microsoft-com:vml" xmlns:pvml="urn:schemas-microsoft-com:office:powerpoint" xmlns:com="http://schemas.openxmlformats.org/drawingml/2006/compatibility" xmlns:p14="http://schemas.microsoft.com/office/powerpoint/2010/main" xmlns:p15="http://schemas.microsoft.com/office/powerpoint/2012/main" xmlns:ahyp="http://schemas.microsoft.com/office/drawing/2018/hyperlinkcolor" showMasterPhAnim="0" showMasterSp="0">
+  <p:cSld>
+    <p:spTree>
+      <p:nvGrpSpPr>
+        <p:cNvPr id="137" name="Shape 137"/>
+        <p:cNvGrpSpPr/>
+        <p:nvPr/>
+      </p:nvGrpSpPr>
+      <p:grpSpPr>
+        <a:xfrm>
+          <a:off x="0" y="0"/>
+          <a:ext cx="0" cy="0"/>
+          <a:chOff x="0" y="0"/>
+          <a:chExt cx="0" cy="0"/>
+        </a:xfrm>
+      </p:grpSpPr>
+      <p:sp>
+        <p:nvSpPr>
+          <p:cNvPr id="138" name="Google Shape;138;gb4d9a67d13_0_140:notes"/>
+          <p:cNvSpPr/>
+          <p:nvPr>
+            <p:ph idx="2" type="sldImg"/>
+          </p:nvPr>
+        </p:nvSpPr>
+        <p:spPr>
+          <a:xfrm>
+            <a:off x="381300" y="685800"/>
+            <a:ext cx="6096000" cy="3429000"/>
+          </a:xfrm>
+          <a:custGeom>
+            <a:rect b="b" l="l" r="r" t="t"/>
+            <a:pathLst>
+              <a:path extrusionOk="0" h="120000" w="120000">
+                <a:moveTo>
+                  <a:pt x="0" y="0"/>
+                </a:moveTo>
+                <a:lnTo>
+                  <a:pt x="120000" y="0"/>
+                </a:lnTo>
+                <a:lnTo>
+                  <a:pt x="120000" y="120000"/>
+                </a:lnTo>
+                <a:lnTo>
+                  <a:pt x="0" y="120000"/>
+                </a:lnTo>
+                <a:close/>
+              </a:path>
+            </a:pathLst>
+          </a:custGeom>
+        </p:spPr>
+      </p:sp>
+      <p:sp>
+        <p:nvSpPr>
+          <p:cNvPr id="139" name="Google Shape;139;gb4d9a67d13_0_140:notes"/>
+          <p:cNvSpPr txBox="1"/>
+          <p:nvPr>
+            <p:ph idx="1" type="body"/>
+          </p:nvPr>
+        </p:nvSpPr>
+        <p:spPr>
+          <a:xfrm>
+            <a:off x="685800" y="4343400"/>
+            <a:ext cx="5486400" cy="4114800"/>
+          </a:xfrm>
+          <a:prstGeom prst="rect">
+            <a:avLst/>
+          </a:prstGeom>
+        </p:spPr>
+        <p:txBody>
+          <a:bodyPr anchorCtr="0" anchor="t" bIns="91425" lIns="91425" spcFirstLastPara="1" rIns="91425" wrap="square" tIns="91425">
+            <a:noAutofit/>
+          </a:bodyPr>
+          <a:lstStyle/>
+          <a:p>
+            <a:pPr indent="0" lvl="0" marL="0" rtl="0" algn="l">
+              <a:spcBef>
+                <a:spcPts val="0"/>
+              </a:spcBef>
+              <a:spcAft>
+                <a:spcPts val="0"/>
+              </a:spcAft>
+              <a:buNone/>
+            </a:pPr>
+            <a:r>
+              <a:t/>
+            </a:r>
+            <a:endParaRPr/>
+          </a:p>
+        </p:txBody>
+      </p:sp>
+    </p:spTree>
+  </p:cSld>
+  <p:clrMapOvr>
+    <a:masterClrMapping/>
+  </p:clrMapOvr>
+</p:notes>
+</file>
+
+<file path=ppt/notesSlides/notesSlide4.xml><?xml version="1.0" encoding="utf-8"?>
+<p:notes xmlns:a="http://schemas.openxmlformats.org/drawingml/2006/main" xmlns:r="http://schemas.openxmlformats.org/officeDocument/2006/relationships" xmlns:mc="http://schemas.openxmlformats.org/markup-compatibility/2006" xmlns:mv="urn:schemas-microsoft-com:mac:vml" xmlns:p="http://schemas.openxmlformats.org/presentationml/2006/main" xmlns:c="http://schemas.openxmlformats.org/drawingml/2006/chart" xmlns:dgm="http://schemas.openxmlformats.org/drawingml/2006/diagram" xmlns:o="urn:schemas-microsoft-com:office:office" xmlns:v="urn:schemas-microsoft-com:vml" xmlns:pvml="urn:schemas-microsoft-com:office:powerpoint" xmlns:com="http://schemas.openxmlformats.org/drawingml/2006/compatibility" xmlns:p14="http://schemas.microsoft.com/office/powerpoint/2010/main" xmlns:p15="http://schemas.microsoft.com/office/powerpoint/2012/main" xmlns:ahyp="http://schemas.microsoft.com/office/drawing/2018/hyperlinkcolor" showMasterPhAnim="0" showMasterSp="0">
+  <p:cSld>
+    <p:spTree>
+      <p:nvGrpSpPr>
+        <p:cNvPr id="144" name="Shape 144"/>
+        <p:cNvGrpSpPr/>
+        <p:nvPr/>
+      </p:nvGrpSpPr>
+      <p:grpSpPr>
+        <a:xfrm>
+          <a:off x="0" y="0"/>
+          <a:ext cx="0" cy="0"/>
+          <a:chOff x="0" y="0"/>
+          <a:chExt cx="0" cy="0"/>
+        </a:xfrm>
+      </p:grpSpPr>
+      <p:sp>
+        <p:nvSpPr>
+          <p:cNvPr id="145" name="Google Shape;145;gb4d9a67d13_0_146:notes"/>
+          <p:cNvSpPr/>
+          <p:nvPr>
+            <p:ph idx="2" type="sldImg"/>
+          </p:nvPr>
+        </p:nvSpPr>
+        <p:spPr>
+          <a:xfrm>
+            <a:off x="381300" y="685800"/>
+            <a:ext cx="6096000" cy="3429000"/>
+          </a:xfrm>
+          <a:custGeom>
+            <a:rect b="b" l="l" r="r" t="t"/>
+            <a:pathLst>
+              <a:path extrusionOk="0" h="120000" w="120000">
+                <a:moveTo>
+                  <a:pt x="0" y="0"/>
+                </a:moveTo>
+                <a:lnTo>
+                  <a:pt x="120000" y="0"/>
+                </a:lnTo>
+                <a:lnTo>
+                  <a:pt x="120000" y="120000"/>
+                </a:lnTo>
+                <a:lnTo>
+                  <a:pt x="0" y="120000"/>
+                </a:lnTo>
+                <a:close/>
+              </a:path>
+            </a:pathLst>
+          </a:custGeom>
+        </p:spPr>
+      </p:sp>
+      <p:sp>
+        <p:nvSpPr>
+          <p:cNvPr id="146" name="Google Shape;146;gb4d9a67d13_0_146:notes"/>
+          <p:cNvSpPr txBox="1"/>
+          <p:nvPr>
+            <p:ph idx="1" type="body"/>
+          </p:nvPr>
+        </p:nvSpPr>
+        <p:spPr>
+          <a:xfrm>
+            <a:off x="685800" y="4343400"/>
+            <a:ext cx="5486400" cy="4114800"/>
+          </a:xfrm>
+          <a:prstGeom prst="rect">
+            <a:avLst/>
+          </a:prstGeom>
+        </p:spPr>
+        <p:txBody>
+          <a:bodyPr anchorCtr="0" anchor="t" bIns="91425" lIns="91425" spcFirstLastPara="1" rIns="91425" wrap="square" tIns="91425">
+            <a:noAutofit/>
+          </a:bodyPr>
+          <a:lstStyle/>
+          <a:p>
+            <a:pPr indent="0" lvl="0" marL="0" rtl="0" algn="l">
+              <a:spcBef>
+                <a:spcPts val="0"/>
+              </a:spcBef>
+              <a:spcAft>
+                <a:spcPts val="0"/>
+              </a:spcAft>
+              <a:buNone/>
+            </a:pPr>
+            <a:r>
+              <a:t/>
+            </a:r>
+            <a:endParaRPr/>
+          </a:p>
+        </p:txBody>
+      </p:sp>
+    </p:spTree>
+  </p:cSld>
+  <p:clrMapOvr>
+    <a:masterClrMapping/>
+  </p:clrMapOvr>
+</p:notes>
+</file>
+
 <file path=ppt/slideLayouts/slideLayout1.xml><?xml version="1.0" encoding="utf-8"?>
 <p:sldLayout xmlns:a="http://schemas.openxmlformats.org/drawingml/2006/main" xmlns:r="http://schemas.openxmlformats.org/officeDocument/2006/relationships" xmlns:mc="http://schemas.openxmlformats.org/markup-compatibility/2006" xmlns:mv="urn:schemas-microsoft-com:mac:vml" xmlns:p="http://schemas.openxmlformats.org/presentationml/2006/main" xmlns:c="http://schemas.openxmlformats.org/drawingml/2006/chart" xmlns:dgm="http://schemas.openxmlformats.org/drawingml/2006/diagram" xmlns:o="urn:schemas-microsoft-com:office:office" xmlns:v="urn:schemas-microsoft-com:vml" xmlns:pvml="urn:schemas-microsoft-com:office:powerpoint" xmlns:com="http://schemas.openxmlformats.org/drawingml/2006/compatibility" xmlns:p14="http://schemas.microsoft.com/office/powerpoint/2010/main" xmlns:p15="http://schemas.microsoft.com/office/powerpoint/2012/main" xmlns:ahyp="http://schemas.microsoft.com/office/drawing/2018/hyperlinkcolor" matchingName="Title slide" type="title">
   <p:cSld name="TITLE">
+    <p:bg>
+      <p:bgPr>
+        <a:solidFill>
+          <a:schemeClr val="accent6"/>
+        </a:solidFill>
+      </p:bgPr>
+    </p:bg>
     <p:spTree>
       <p:nvGrpSpPr>
         <p:cNvPr id="9" name="Shape 9"/>
@@ -805,6 +1121,935 @@
       <p:sp>
         <p:nvSpPr>
           <p:cNvPr id="10" name="Google Shape;10;p2"/>
+          <p:cNvSpPr/>
+          <p:nvPr/>
+        </p:nvSpPr>
+        <p:spPr>
+          <a:xfrm>
+            <a:off x="31" y="2824500"/>
+            <a:ext cx="7370400" cy="2319000"/>
+          </a:xfrm>
+          <a:prstGeom prst="rtTriangle">
+            <a:avLst/>
+          </a:prstGeom>
+          <a:solidFill>
+            <a:schemeClr val="accent1"/>
+          </a:solidFill>
+          <a:ln>
+            <a:noFill/>
+          </a:ln>
+        </p:spPr>
+        <p:txBody>
+          <a:bodyPr anchorCtr="0" anchor="ctr" bIns="91425" lIns="91425" spcFirstLastPara="1" rIns="91425" wrap="square" tIns="91425">
+            <a:noAutofit/>
+          </a:bodyPr>
+          <a:lstStyle/>
+          <a:p>
+            <a:pPr indent="0" lvl="0" marL="0" rtl="0" algn="l">
+              <a:spcBef>
+                <a:spcPts val="0"/>
+              </a:spcBef>
+              <a:spcAft>
+                <a:spcPts val="0"/>
+              </a:spcAft>
+              <a:buNone/>
+            </a:pPr>
+            <a:r>
+              <a:t/>
+            </a:r>
+            <a:endParaRPr/>
+          </a:p>
+        </p:txBody>
+      </p:sp>
+      <p:sp>
+        <p:nvSpPr>
+          <p:cNvPr id="11" name="Google Shape;11;p2"/>
+          <p:cNvSpPr/>
+          <p:nvPr/>
+        </p:nvSpPr>
+        <p:spPr>
+          <a:xfrm flipH="1">
+            <a:off x="3582600" y="1550700"/>
+            <a:ext cx="5561400" cy="3592800"/>
+          </a:xfrm>
+          <a:prstGeom prst="rtTriangle">
+            <a:avLst/>
+          </a:prstGeom>
+          <a:solidFill>
+            <a:schemeClr val="accent3"/>
+          </a:solidFill>
+          <a:ln>
+            <a:noFill/>
+          </a:ln>
+        </p:spPr>
+        <p:txBody>
+          <a:bodyPr anchorCtr="0" anchor="ctr" bIns="91425" lIns="91425" spcFirstLastPara="1" rIns="91425" wrap="square" tIns="91425">
+            <a:noAutofit/>
+          </a:bodyPr>
+          <a:lstStyle/>
+          <a:p>
+            <a:pPr indent="0" lvl="0" marL="0" rtl="0" algn="l">
+              <a:spcBef>
+                <a:spcPts val="0"/>
+              </a:spcBef>
+              <a:spcAft>
+                <a:spcPts val="0"/>
+              </a:spcAft>
+              <a:buNone/>
+            </a:pPr>
+            <a:r>
+              <a:t/>
+            </a:r>
+            <a:endParaRPr/>
+          </a:p>
+        </p:txBody>
+      </p:sp>
+      <p:sp>
+        <p:nvSpPr>
+          <p:cNvPr id="12" name="Google Shape;12;p2"/>
+          <p:cNvSpPr/>
+          <p:nvPr/>
+        </p:nvSpPr>
+        <p:spPr>
+          <a:xfrm rot="10800000">
+            <a:off x="5058905" y="0"/>
+            <a:ext cx="4085100" cy="2052600"/>
+          </a:xfrm>
+          <a:prstGeom prst="rtTriangle">
+            <a:avLst/>
+          </a:prstGeom>
+          <a:solidFill>
+            <a:schemeClr val="dk2"/>
+          </a:solidFill>
+          <a:ln>
+            <a:noFill/>
+          </a:ln>
+        </p:spPr>
+        <p:txBody>
+          <a:bodyPr anchorCtr="0" anchor="ctr" bIns="91425" lIns="91425" spcFirstLastPara="1" rIns="91425" wrap="square" tIns="91425">
+            <a:noAutofit/>
+          </a:bodyPr>
+          <a:lstStyle/>
+          <a:p>
+            <a:pPr indent="0" lvl="0" marL="0" rtl="0" algn="l">
+              <a:spcBef>
+                <a:spcPts val="0"/>
+              </a:spcBef>
+              <a:spcAft>
+                <a:spcPts val="0"/>
+              </a:spcAft>
+              <a:buNone/>
+            </a:pPr>
+            <a:r>
+              <a:t/>
+            </a:r>
+            <a:endParaRPr/>
+          </a:p>
+        </p:txBody>
+      </p:sp>
+      <p:sp>
+        <p:nvSpPr>
+          <p:cNvPr id="13" name="Google Shape;13;p2"/>
+          <p:cNvSpPr/>
+          <p:nvPr/>
+        </p:nvSpPr>
+        <p:spPr>
+          <a:xfrm>
+            <a:off x="203275" y="206250"/>
+            <a:ext cx="8737500" cy="4731000"/>
+          </a:xfrm>
+          <a:prstGeom prst="rect">
+            <a:avLst/>
+          </a:prstGeom>
+          <a:solidFill>
+            <a:schemeClr val="dk1"/>
+          </a:solidFill>
+          <a:ln>
+            <a:noFill/>
+          </a:ln>
+          <a:effectLst>
+            <a:outerShdw blurRad="228600" sx="101000" rotWithShape="0" algn="ctr" sy="101000">
+              <a:srgbClr val="000000">
+                <a:alpha val="40000"/>
+              </a:srgbClr>
+            </a:outerShdw>
+          </a:effectLst>
+        </p:spPr>
+        <p:txBody>
+          <a:bodyPr anchorCtr="0" anchor="ctr" bIns="91425" lIns="91425" spcFirstLastPara="1" rIns="91425" wrap="square" tIns="91425">
+            <a:noAutofit/>
+          </a:bodyPr>
+          <a:lstStyle/>
+          <a:p>
+            <a:pPr indent="0" lvl="0" marL="0" rtl="0" algn="l">
+              <a:spcBef>
+                <a:spcPts val="0"/>
+              </a:spcBef>
+              <a:spcAft>
+                <a:spcPts val="0"/>
+              </a:spcAft>
+              <a:buNone/>
+            </a:pPr>
+            <a:r>
+              <a:t/>
+            </a:r>
+            <a:endParaRPr/>
+          </a:p>
+        </p:txBody>
+      </p:sp>
+      <p:grpSp>
+        <p:nvGrpSpPr>
+          <p:cNvPr id="14" name="Google Shape;14;p2"/>
+          <p:cNvGrpSpPr/>
+          <p:nvPr/>
+        </p:nvGrpSpPr>
+        <p:grpSpPr>
+          <a:xfrm>
+            <a:off x="255200" y="592"/>
+            <a:ext cx="2250363" cy="1044300"/>
+            <a:chOff x="255200" y="592"/>
+            <a:chExt cx="2250363" cy="1044300"/>
+          </a:xfrm>
+        </p:grpSpPr>
+        <p:sp>
+          <p:nvSpPr>
+            <p:cNvPr id="15" name="Google Shape;15;p2"/>
+            <p:cNvSpPr/>
+            <p:nvPr/>
+          </p:nvSpPr>
+          <p:spPr>
+            <a:xfrm>
+              <a:off x="764063" y="592"/>
+              <a:ext cx="1741500" cy="1044300"/>
+            </a:xfrm>
+            <a:prstGeom prst="parallelogram">
+              <a:avLst>
+                <a:gd fmla="val 153193" name="adj"/>
+              </a:avLst>
+            </a:prstGeom>
+            <a:solidFill>
+              <a:schemeClr val="dk1"/>
+            </a:solidFill>
+            <a:ln>
+              <a:noFill/>
+            </a:ln>
+          </p:spPr>
+          <p:txBody>
+            <a:bodyPr anchorCtr="0" anchor="ctr" bIns="91425" lIns="91425" spcFirstLastPara="1" rIns="91425" wrap="square" tIns="91425">
+              <a:noAutofit/>
+            </a:bodyPr>
+            <a:lstStyle/>
+            <a:p>
+              <a:pPr indent="0" lvl="0" marL="0" rtl="0" algn="l">
+                <a:spcBef>
+                  <a:spcPts val="0"/>
+                </a:spcBef>
+                <a:spcAft>
+                  <a:spcPts val="0"/>
+                </a:spcAft>
+                <a:buNone/>
+              </a:pPr>
+              <a:r>
+                <a:t/>
+              </a:r>
+              <a:endParaRPr/>
+            </a:p>
+          </p:txBody>
+        </p:sp>
+        <p:sp>
+          <p:nvSpPr>
+            <p:cNvPr id="16" name="Google Shape;16;p2"/>
+            <p:cNvSpPr/>
+            <p:nvPr/>
+          </p:nvSpPr>
+          <p:spPr>
+            <a:xfrm>
+              <a:off x="509632" y="592"/>
+              <a:ext cx="1741500" cy="1044300"/>
+            </a:xfrm>
+            <a:prstGeom prst="parallelogram">
+              <a:avLst>
+                <a:gd fmla="val 153193" name="adj"/>
+              </a:avLst>
+            </a:prstGeom>
+            <a:solidFill>
+              <a:schemeClr val="dk1"/>
+            </a:solidFill>
+            <a:ln>
+              <a:noFill/>
+            </a:ln>
+          </p:spPr>
+          <p:txBody>
+            <a:bodyPr anchorCtr="0" anchor="ctr" bIns="91425" lIns="91425" spcFirstLastPara="1" rIns="91425" wrap="square" tIns="91425">
+              <a:noAutofit/>
+            </a:bodyPr>
+            <a:lstStyle/>
+            <a:p>
+              <a:pPr indent="0" lvl="0" marL="0" rtl="0" algn="l">
+                <a:spcBef>
+                  <a:spcPts val="0"/>
+                </a:spcBef>
+                <a:spcAft>
+                  <a:spcPts val="0"/>
+                </a:spcAft>
+                <a:buNone/>
+              </a:pPr>
+              <a:r>
+                <a:t/>
+              </a:r>
+              <a:endParaRPr/>
+            </a:p>
+          </p:txBody>
+        </p:sp>
+        <p:sp>
+          <p:nvSpPr>
+            <p:cNvPr id="17" name="Google Shape;17;p2"/>
+            <p:cNvSpPr/>
+            <p:nvPr/>
+          </p:nvSpPr>
+          <p:spPr>
+            <a:xfrm>
+              <a:off x="255200" y="592"/>
+              <a:ext cx="1741500" cy="1044300"/>
+            </a:xfrm>
+            <a:prstGeom prst="parallelogram">
+              <a:avLst>
+                <a:gd fmla="val 153193" name="adj"/>
+              </a:avLst>
+            </a:prstGeom>
+            <a:solidFill>
+              <a:schemeClr val="dk1"/>
+            </a:solidFill>
+            <a:ln>
+              <a:noFill/>
+            </a:ln>
+          </p:spPr>
+          <p:txBody>
+            <a:bodyPr anchorCtr="0" anchor="ctr" bIns="91425" lIns="91425" spcFirstLastPara="1" rIns="91425" wrap="square" tIns="91425">
+              <a:noAutofit/>
+            </a:bodyPr>
+            <a:lstStyle/>
+            <a:p>
+              <a:pPr indent="0" lvl="0" marL="0" rtl="0" algn="l">
+                <a:spcBef>
+                  <a:spcPts val="0"/>
+                </a:spcBef>
+                <a:spcAft>
+                  <a:spcPts val="0"/>
+                </a:spcAft>
+                <a:buNone/>
+              </a:pPr>
+              <a:r>
+                <a:t/>
+              </a:r>
+              <a:endParaRPr/>
+            </a:p>
+          </p:txBody>
+        </p:sp>
+      </p:grpSp>
+      <p:grpSp>
+        <p:nvGrpSpPr>
+          <p:cNvPr id="18" name="Google Shape;18;p2"/>
+          <p:cNvGrpSpPr/>
+          <p:nvPr/>
+        </p:nvGrpSpPr>
+        <p:grpSpPr>
+          <a:xfrm>
+            <a:off x="905395" y="592"/>
+            <a:ext cx="2250363" cy="1044300"/>
+            <a:chOff x="905395" y="592"/>
+            <a:chExt cx="2250363" cy="1044300"/>
+          </a:xfrm>
+        </p:grpSpPr>
+        <p:sp>
+          <p:nvSpPr>
+            <p:cNvPr id="19" name="Google Shape;19;p2"/>
+            <p:cNvSpPr/>
+            <p:nvPr/>
+          </p:nvSpPr>
+          <p:spPr>
+            <a:xfrm>
+              <a:off x="1414258" y="592"/>
+              <a:ext cx="1741500" cy="1044300"/>
+            </a:xfrm>
+            <a:prstGeom prst="parallelogram">
+              <a:avLst>
+                <a:gd fmla="val 153193" name="adj"/>
+              </a:avLst>
+            </a:prstGeom>
+            <a:solidFill>
+              <a:schemeClr val="accent6"/>
+            </a:solidFill>
+            <a:ln>
+              <a:noFill/>
+            </a:ln>
+          </p:spPr>
+          <p:txBody>
+            <a:bodyPr anchorCtr="0" anchor="ctr" bIns="91425" lIns="91425" spcFirstLastPara="1" rIns="91425" wrap="square" tIns="91425">
+              <a:noAutofit/>
+            </a:bodyPr>
+            <a:lstStyle/>
+            <a:p>
+              <a:pPr indent="0" lvl="0" marL="0" rtl="0" algn="l">
+                <a:spcBef>
+                  <a:spcPts val="0"/>
+                </a:spcBef>
+                <a:spcAft>
+                  <a:spcPts val="0"/>
+                </a:spcAft>
+                <a:buNone/>
+              </a:pPr>
+              <a:r>
+                <a:t/>
+              </a:r>
+              <a:endParaRPr/>
+            </a:p>
+          </p:txBody>
+        </p:sp>
+        <p:sp>
+          <p:nvSpPr>
+            <p:cNvPr id="20" name="Google Shape;20;p2"/>
+            <p:cNvSpPr/>
+            <p:nvPr/>
+          </p:nvSpPr>
+          <p:spPr>
+            <a:xfrm>
+              <a:off x="1159826" y="592"/>
+              <a:ext cx="1741500" cy="1044300"/>
+            </a:xfrm>
+            <a:prstGeom prst="parallelogram">
+              <a:avLst>
+                <a:gd fmla="val 153193" name="adj"/>
+              </a:avLst>
+            </a:prstGeom>
+            <a:solidFill>
+              <a:schemeClr val="accent6"/>
+            </a:solidFill>
+            <a:ln>
+              <a:noFill/>
+            </a:ln>
+          </p:spPr>
+          <p:txBody>
+            <a:bodyPr anchorCtr="0" anchor="ctr" bIns="91425" lIns="91425" spcFirstLastPara="1" rIns="91425" wrap="square" tIns="91425">
+              <a:noAutofit/>
+            </a:bodyPr>
+            <a:lstStyle/>
+            <a:p>
+              <a:pPr indent="0" lvl="0" marL="0" rtl="0" algn="l">
+                <a:spcBef>
+                  <a:spcPts val="0"/>
+                </a:spcBef>
+                <a:spcAft>
+                  <a:spcPts val="0"/>
+                </a:spcAft>
+                <a:buNone/>
+              </a:pPr>
+              <a:r>
+                <a:t/>
+              </a:r>
+              <a:endParaRPr/>
+            </a:p>
+          </p:txBody>
+        </p:sp>
+        <p:sp>
+          <p:nvSpPr>
+            <p:cNvPr id="21" name="Google Shape;21;p2"/>
+            <p:cNvSpPr/>
+            <p:nvPr/>
+          </p:nvSpPr>
+          <p:spPr>
+            <a:xfrm>
+              <a:off x="905395" y="592"/>
+              <a:ext cx="1741500" cy="1044300"/>
+            </a:xfrm>
+            <a:prstGeom prst="parallelogram">
+              <a:avLst>
+                <a:gd fmla="val 153193" name="adj"/>
+              </a:avLst>
+            </a:prstGeom>
+            <a:solidFill>
+              <a:schemeClr val="accent6"/>
+            </a:solidFill>
+            <a:ln>
+              <a:noFill/>
+            </a:ln>
+          </p:spPr>
+          <p:txBody>
+            <a:bodyPr anchorCtr="0" anchor="ctr" bIns="91425" lIns="91425" spcFirstLastPara="1" rIns="91425" wrap="square" tIns="91425">
+              <a:noAutofit/>
+            </a:bodyPr>
+            <a:lstStyle/>
+            <a:p>
+              <a:pPr indent="0" lvl="0" marL="0" rtl="0" algn="l">
+                <a:spcBef>
+                  <a:spcPts val="0"/>
+                </a:spcBef>
+                <a:spcAft>
+                  <a:spcPts val="0"/>
+                </a:spcAft>
+                <a:buNone/>
+              </a:pPr>
+              <a:r>
+                <a:t/>
+              </a:r>
+              <a:endParaRPr/>
+            </a:p>
+          </p:txBody>
+        </p:sp>
+      </p:grpSp>
+      <p:grpSp>
+        <p:nvGrpSpPr>
+          <p:cNvPr id="22" name="Google Shape;22;p2"/>
+          <p:cNvGrpSpPr/>
+          <p:nvPr/>
+        </p:nvGrpSpPr>
+        <p:grpSpPr>
+          <a:xfrm>
+            <a:off x="7057468" y="5088"/>
+            <a:ext cx="1851282" cy="752108"/>
+            <a:chOff x="6917201" y="0"/>
+            <a:chExt cx="2227777" cy="863400"/>
+          </a:xfrm>
+        </p:grpSpPr>
+        <p:sp>
+          <p:nvSpPr>
+            <p:cNvPr id="23" name="Google Shape;23;p2"/>
+            <p:cNvSpPr/>
+            <p:nvPr/>
+          </p:nvSpPr>
+          <p:spPr>
+            <a:xfrm>
+              <a:off x="7641677" y="0"/>
+              <a:ext cx="1503300" cy="863400"/>
+            </a:xfrm>
+            <a:prstGeom prst="parallelogram">
+              <a:avLst>
+                <a:gd fmla="val 158024" name="adj"/>
+              </a:avLst>
+            </a:prstGeom>
+            <a:solidFill>
+              <a:schemeClr val="dk2"/>
+            </a:solidFill>
+            <a:ln>
+              <a:noFill/>
+            </a:ln>
+          </p:spPr>
+          <p:txBody>
+            <a:bodyPr anchorCtr="0" anchor="ctr" bIns="91425" lIns="91425" spcFirstLastPara="1" rIns="91425" wrap="square" tIns="91425">
+              <a:noAutofit/>
+            </a:bodyPr>
+            <a:lstStyle/>
+            <a:p>
+              <a:pPr indent="0" lvl="0" marL="0" rtl="0" algn="l">
+                <a:spcBef>
+                  <a:spcPts val="0"/>
+                </a:spcBef>
+                <a:spcAft>
+                  <a:spcPts val="0"/>
+                </a:spcAft>
+                <a:buNone/>
+              </a:pPr>
+              <a:r>
+                <a:t/>
+              </a:r>
+              <a:endParaRPr/>
+            </a:p>
+          </p:txBody>
+        </p:sp>
+        <p:sp>
+          <p:nvSpPr>
+            <p:cNvPr id="24" name="Google Shape;24;p2"/>
+            <p:cNvSpPr/>
+            <p:nvPr/>
+          </p:nvSpPr>
+          <p:spPr>
+            <a:xfrm>
+              <a:off x="7279439" y="0"/>
+              <a:ext cx="1503300" cy="863400"/>
+            </a:xfrm>
+            <a:prstGeom prst="parallelogram">
+              <a:avLst>
+                <a:gd fmla="val 158024" name="adj"/>
+              </a:avLst>
+            </a:prstGeom>
+            <a:solidFill>
+              <a:schemeClr val="dk2"/>
+            </a:solidFill>
+            <a:ln>
+              <a:noFill/>
+            </a:ln>
+          </p:spPr>
+          <p:txBody>
+            <a:bodyPr anchorCtr="0" anchor="ctr" bIns="91425" lIns="91425" spcFirstLastPara="1" rIns="91425" wrap="square" tIns="91425">
+              <a:noAutofit/>
+            </a:bodyPr>
+            <a:lstStyle/>
+            <a:p>
+              <a:pPr indent="0" lvl="0" marL="0" rtl="0" algn="l">
+                <a:spcBef>
+                  <a:spcPts val="0"/>
+                </a:spcBef>
+                <a:spcAft>
+                  <a:spcPts val="0"/>
+                </a:spcAft>
+                <a:buNone/>
+              </a:pPr>
+              <a:r>
+                <a:t/>
+              </a:r>
+              <a:endParaRPr/>
+            </a:p>
+          </p:txBody>
+        </p:sp>
+        <p:sp>
+          <p:nvSpPr>
+            <p:cNvPr id="25" name="Google Shape;25;p2"/>
+            <p:cNvSpPr/>
+            <p:nvPr/>
+          </p:nvSpPr>
+          <p:spPr>
+            <a:xfrm>
+              <a:off x="6917201" y="0"/>
+              <a:ext cx="1503300" cy="863400"/>
+            </a:xfrm>
+            <a:prstGeom prst="parallelogram">
+              <a:avLst>
+                <a:gd fmla="val 158024" name="adj"/>
+              </a:avLst>
+            </a:prstGeom>
+            <a:solidFill>
+              <a:schemeClr val="dk2"/>
+            </a:solidFill>
+            <a:ln>
+              <a:noFill/>
+            </a:ln>
+          </p:spPr>
+          <p:txBody>
+            <a:bodyPr anchorCtr="0" anchor="ctr" bIns="91425" lIns="91425" spcFirstLastPara="1" rIns="91425" wrap="square" tIns="91425">
+              <a:noAutofit/>
+            </a:bodyPr>
+            <a:lstStyle/>
+            <a:p>
+              <a:pPr indent="0" lvl="0" marL="0" rtl="0" algn="l">
+                <a:spcBef>
+                  <a:spcPts val="0"/>
+                </a:spcBef>
+                <a:spcAft>
+                  <a:spcPts val="0"/>
+                </a:spcAft>
+                <a:buNone/>
+              </a:pPr>
+              <a:r>
+                <a:t/>
+              </a:r>
+              <a:endParaRPr/>
+            </a:p>
+          </p:txBody>
+        </p:sp>
+      </p:grpSp>
+      <p:grpSp>
+        <p:nvGrpSpPr>
+          <p:cNvPr id="26" name="Google Shape;26;p2"/>
+          <p:cNvGrpSpPr/>
+          <p:nvPr/>
+        </p:nvGrpSpPr>
+        <p:grpSpPr>
+          <a:xfrm>
+            <a:off x="6553032" y="4217852"/>
+            <a:ext cx="2389068" cy="925737"/>
+            <a:chOff x="6917201" y="0"/>
+            <a:chExt cx="2227777" cy="863400"/>
+          </a:xfrm>
+        </p:grpSpPr>
+        <p:sp>
+          <p:nvSpPr>
+            <p:cNvPr id="27" name="Google Shape;27;p2"/>
+            <p:cNvSpPr/>
+            <p:nvPr/>
+          </p:nvSpPr>
+          <p:spPr>
+            <a:xfrm>
+              <a:off x="7641677" y="0"/>
+              <a:ext cx="1503300" cy="863400"/>
+            </a:xfrm>
+            <a:prstGeom prst="parallelogram">
+              <a:avLst>
+                <a:gd fmla="val 158024" name="adj"/>
+              </a:avLst>
+            </a:prstGeom>
+            <a:solidFill>
+              <a:schemeClr val="dk1"/>
+            </a:solidFill>
+            <a:ln>
+              <a:noFill/>
+            </a:ln>
+          </p:spPr>
+          <p:txBody>
+            <a:bodyPr anchorCtr="0" anchor="ctr" bIns="91425" lIns="91425" spcFirstLastPara="1" rIns="91425" wrap="square" tIns="91425">
+              <a:noAutofit/>
+            </a:bodyPr>
+            <a:lstStyle/>
+            <a:p>
+              <a:pPr indent="0" lvl="0" marL="0" rtl="0" algn="l">
+                <a:spcBef>
+                  <a:spcPts val="0"/>
+                </a:spcBef>
+                <a:spcAft>
+                  <a:spcPts val="0"/>
+                </a:spcAft>
+                <a:buNone/>
+              </a:pPr>
+              <a:r>
+                <a:t/>
+              </a:r>
+              <a:endParaRPr/>
+            </a:p>
+          </p:txBody>
+        </p:sp>
+        <p:sp>
+          <p:nvSpPr>
+            <p:cNvPr id="28" name="Google Shape;28;p2"/>
+            <p:cNvSpPr/>
+            <p:nvPr/>
+          </p:nvSpPr>
+          <p:spPr>
+            <a:xfrm>
+              <a:off x="7279439" y="0"/>
+              <a:ext cx="1503300" cy="863400"/>
+            </a:xfrm>
+            <a:prstGeom prst="parallelogram">
+              <a:avLst>
+                <a:gd fmla="val 158024" name="adj"/>
+              </a:avLst>
+            </a:prstGeom>
+            <a:solidFill>
+              <a:schemeClr val="dk1"/>
+            </a:solidFill>
+            <a:ln>
+              <a:noFill/>
+            </a:ln>
+          </p:spPr>
+          <p:txBody>
+            <a:bodyPr anchorCtr="0" anchor="ctr" bIns="91425" lIns="91425" spcFirstLastPara="1" rIns="91425" wrap="square" tIns="91425">
+              <a:noAutofit/>
+            </a:bodyPr>
+            <a:lstStyle/>
+            <a:p>
+              <a:pPr indent="0" lvl="0" marL="0" rtl="0" algn="l">
+                <a:spcBef>
+                  <a:spcPts val="0"/>
+                </a:spcBef>
+                <a:spcAft>
+                  <a:spcPts val="0"/>
+                </a:spcAft>
+                <a:buNone/>
+              </a:pPr>
+              <a:r>
+                <a:t/>
+              </a:r>
+              <a:endParaRPr/>
+            </a:p>
+          </p:txBody>
+        </p:sp>
+        <p:sp>
+          <p:nvSpPr>
+            <p:cNvPr id="29" name="Google Shape;29;p2"/>
+            <p:cNvSpPr/>
+            <p:nvPr/>
+          </p:nvSpPr>
+          <p:spPr>
+            <a:xfrm>
+              <a:off x="6917201" y="0"/>
+              <a:ext cx="1503300" cy="863400"/>
+            </a:xfrm>
+            <a:prstGeom prst="parallelogram">
+              <a:avLst>
+                <a:gd fmla="val 158024" name="adj"/>
+              </a:avLst>
+            </a:prstGeom>
+            <a:solidFill>
+              <a:schemeClr val="dk1"/>
+            </a:solidFill>
+            <a:ln>
+              <a:noFill/>
+            </a:ln>
+          </p:spPr>
+          <p:txBody>
+            <a:bodyPr anchorCtr="0" anchor="ctr" bIns="91425" lIns="91425" spcFirstLastPara="1" rIns="91425" wrap="square" tIns="91425">
+              <a:noAutofit/>
+            </a:bodyPr>
+            <a:lstStyle/>
+            <a:p>
+              <a:pPr indent="0" lvl="0" marL="0" rtl="0" algn="l">
+                <a:spcBef>
+                  <a:spcPts val="0"/>
+                </a:spcBef>
+                <a:spcAft>
+                  <a:spcPts val="0"/>
+                </a:spcAft>
+                <a:buNone/>
+              </a:pPr>
+              <a:r>
+                <a:t/>
+              </a:r>
+              <a:endParaRPr/>
+            </a:p>
+          </p:txBody>
+        </p:sp>
+      </p:grpSp>
+      <p:grpSp>
+        <p:nvGrpSpPr>
+          <p:cNvPr id="30" name="Google Shape;30;p2"/>
+          <p:cNvGrpSpPr/>
+          <p:nvPr/>
+        </p:nvGrpSpPr>
+        <p:grpSpPr>
+          <a:xfrm>
+            <a:off x="199149" y="4055652"/>
+            <a:ext cx="2795414" cy="1083308"/>
+            <a:chOff x="6917201" y="0"/>
+            <a:chExt cx="2227777" cy="863400"/>
+          </a:xfrm>
+        </p:grpSpPr>
+        <p:sp>
+          <p:nvSpPr>
+            <p:cNvPr id="31" name="Google Shape;31;p2"/>
+            <p:cNvSpPr/>
+            <p:nvPr/>
+          </p:nvSpPr>
+          <p:spPr>
+            <a:xfrm>
+              <a:off x="7641677" y="0"/>
+              <a:ext cx="1503300" cy="863400"/>
+            </a:xfrm>
+            <a:prstGeom prst="parallelogram">
+              <a:avLst>
+                <a:gd fmla="val 158024" name="adj"/>
+              </a:avLst>
+            </a:prstGeom>
+            <a:solidFill>
+              <a:schemeClr val="accent1"/>
+            </a:solidFill>
+            <a:ln>
+              <a:noFill/>
+            </a:ln>
+          </p:spPr>
+          <p:txBody>
+            <a:bodyPr anchorCtr="0" anchor="ctr" bIns="91425" lIns="91425" spcFirstLastPara="1" rIns="91425" wrap="square" tIns="91425">
+              <a:noAutofit/>
+            </a:bodyPr>
+            <a:lstStyle/>
+            <a:p>
+              <a:pPr indent="0" lvl="0" marL="0" rtl="0" algn="l">
+                <a:spcBef>
+                  <a:spcPts val="0"/>
+                </a:spcBef>
+                <a:spcAft>
+                  <a:spcPts val="0"/>
+                </a:spcAft>
+                <a:buNone/>
+              </a:pPr>
+              <a:r>
+                <a:t/>
+              </a:r>
+              <a:endParaRPr/>
+            </a:p>
+          </p:txBody>
+        </p:sp>
+        <p:sp>
+          <p:nvSpPr>
+            <p:cNvPr id="32" name="Google Shape;32;p2"/>
+            <p:cNvSpPr/>
+            <p:nvPr/>
+          </p:nvSpPr>
+          <p:spPr>
+            <a:xfrm>
+              <a:off x="7279439" y="0"/>
+              <a:ext cx="1503300" cy="863400"/>
+            </a:xfrm>
+            <a:prstGeom prst="parallelogram">
+              <a:avLst>
+                <a:gd fmla="val 158024" name="adj"/>
+              </a:avLst>
+            </a:prstGeom>
+            <a:solidFill>
+              <a:schemeClr val="accent1"/>
+            </a:solidFill>
+            <a:ln>
+              <a:noFill/>
+            </a:ln>
+          </p:spPr>
+          <p:txBody>
+            <a:bodyPr anchorCtr="0" anchor="ctr" bIns="91425" lIns="91425" spcFirstLastPara="1" rIns="91425" wrap="square" tIns="91425">
+              <a:noAutofit/>
+            </a:bodyPr>
+            <a:lstStyle/>
+            <a:p>
+              <a:pPr indent="0" lvl="0" marL="0" rtl="0" algn="l">
+                <a:spcBef>
+                  <a:spcPts val="0"/>
+                </a:spcBef>
+                <a:spcAft>
+                  <a:spcPts val="0"/>
+                </a:spcAft>
+                <a:buNone/>
+              </a:pPr>
+              <a:r>
+                <a:t/>
+              </a:r>
+              <a:endParaRPr/>
+            </a:p>
+          </p:txBody>
+        </p:sp>
+        <p:sp>
+          <p:nvSpPr>
+            <p:cNvPr id="33" name="Google Shape;33;p2"/>
+            <p:cNvSpPr/>
+            <p:nvPr/>
+          </p:nvSpPr>
+          <p:spPr>
+            <a:xfrm>
+              <a:off x="6917201" y="0"/>
+              <a:ext cx="1503300" cy="863400"/>
+            </a:xfrm>
+            <a:prstGeom prst="parallelogram">
+              <a:avLst>
+                <a:gd fmla="val 158024" name="adj"/>
+              </a:avLst>
+            </a:prstGeom>
+            <a:solidFill>
+              <a:schemeClr val="accent1"/>
+            </a:solidFill>
+            <a:ln>
+              <a:noFill/>
+            </a:ln>
+          </p:spPr>
+          <p:txBody>
+            <a:bodyPr anchorCtr="0" anchor="ctr" bIns="91425" lIns="91425" spcFirstLastPara="1" rIns="91425" wrap="square" tIns="91425">
+              <a:noAutofit/>
+            </a:bodyPr>
+            <a:lstStyle/>
+            <a:p>
+              <a:pPr indent="0" lvl="0" marL="0" rtl="0" algn="l">
+                <a:spcBef>
+                  <a:spcPts val="0"/>
+                </a:spcBef>
+                <a:spcAft>
+                  <a:spcPts val="0"/>
+                </a:spcAft>
+                <a:buNone/>
+              </a:pPr>
+              <a:r>
+                <a:t/>
+              </a:r>
+              <a:endParaRPr/>
+            </a:p>
+          </p:txBody>
+        </p:sp>
+      </p:grpSp>
+      <p:sp>
+        <p:nvSpPr>
+          <p:cNvPr id="34" name="Google Shape;34;p2"/>
           <p:cNvSpPr txBox="1"/>
           <p:nvPr>
             <p:ph type="ctrTitle"/>
@@ -812,15 +2057,15 @@
         </p:nvSpPr>
         <p:spPr>
           <a:xfrm>
-            <a:off x="311708" y="744575"/>
-            <a:ext cx="8520600" cy="2052600"/>
+            <a:off x="1858703" y="1822833"/>
+            <a:ext cx="5361300" cy="1448100"/>
           </a:xfrm>
           <a:prstGeom prst="rect">
             <a:avLst/>
           </a:prstGeom>
         </p:spPr>
         <p:txBody>
-          <a:bodyPr anchorCtr="0" anchor="b" bIns="91425" lIns="91425" spcFirstLastPara="1" rIns="91425" wrap="square" tIns="91425">
+          <a:bodyPr anchorCtr="0" anchor="ctr" bIns="91425" lIns="91425" spcFirstLastPara="1" rIns="91425" wrap="square" tIns="91425">
             <a:noAutofit/>
           </a:bodyPr>
           <a:lstStyle>
@@ -831,9 +2076,9 @@
               <a:spcAft>
                 <a:spcPts val="0"/>
               </a:spcAft>
-              <a:buSzPts val="5200"/>
-              <a:buNone/>
-              <a:defRPr sz="5200"/>
+              <a:buSzPts val="3800"/>
+              <a:buNone/>
+              <a:defRPr sz="3800"/>
             </a:lvl1pPr>
             <a:lvl2pPr lvl="1" algn="ctr">
               <a:spcBef>
@@ -842,9 +2087,9 @@
               <a:spcAft>
                 <a:spcPts val="0"/>
               </a:spcAft>
-              <a:buSzPts val="5200"/>
-              <a:buNone/>
-              <a:defRPr sz="5200"/>
+              <a:buSzPts val="3800"/>
+              <a:buNone/>
+              <a:defRPr sz="3800"/>
             </a:lvl2pPr>
             <a:lvl3pPr lvl="2" algn="ctr">
               <a:spcBef>
@@ -853,9 +2098,9 @@
               <a:spcAft>
                 <a:spcPts val="0"/>
               </a:spcAft>
-              <a:buSzPts val="5200"/>
-              <a:buNone/>
-              <a:defRPr sz="5200"/>
+              <a:buSzPts val="3800"/>
+              <a:buNone/>
+              <a:defRPr sz="3800"/>
             </a:lvl3pPr>
             <a:lvl4pPr lvl="3" algn="ctr">
               <a:spcBef>
@@ -864,9 +2109,9 @@
               <a:spcAft>
                 <a:spcPts val="0"/>
               </a:spcAft>
-              <a:buSzPts val="5200"/>
-              <a:buNone/>
-              <a:defRPr sz="5200"/>
+              <a:buSzPts val="3800"/>
+              <a:buNone/>
+              <a:defRPr sz="3800"/>
             </a:lvl4pPr>
             <a:lvl5pPr lvl="4" algn="ctr">
               <a:spcBef>
@@ -875,9 +2120,9 @@
               <a:spcAft>
                 <a:spcPts val="0"/>
               </a:spcAft>
-              <a:buSzPts val="5200"/>
-              <a:buNone/>
-              <a:defRPr sz="5200"/>
+              <a:buSzPts val="3800"/>
+              <a:buNone/>
+              <a:defRPr sz="3800"/>
             </a:lvl5pPr>
             <a:lvl6pPr lvl="5" algn="ctr">
               <a:spcBef>
@@ -886,9 +2131,9 @@
               <a:spcAft>
                 <a:spcPts val="0"/>
               </a:spcAft>
-              <a:buSzPts val="5200"/>
-              <a:buNone/>
-              <a:defRPr sz="5200"/>
+              <a:buSzPts val="3800"/>
+              <a:buNone/>
+              <a:defRPr sz="3800"/>
             </a:lvl6pPr>
             <a:lvl7pPr lvl="6" algn="ctr">
               <a:spcBef>
@@ -897,9 +2142,9 @@
               <a:spcAft>
                 <a:spcPts val="0"/>
               </a:spcAft>
-              <a:buSzPts val="5200"/>
-              <a:buNone/>
-              <a:defRPr sz="5200"/>
+              <a:buSzPts val="3800"/>
+              <a:buNone/>
+              <a:defRPr sz="3800"/>
             </a:lvl7pPr>
             <a:lvl8pPr lvl="7" algn="ctr">
               <a:spcBef>
@@ -908,9 +2153,9 @@
               <a:spcAft>
                 <a:spcPts val="0"/>
               </a:spcAft>
-              <a:buSzPts val="5200"/>
-              <a:buNone/>
-              <a:defRPr sz="5200"/>
+              <a:buSzPts val="3800"/>
+              <a:buNone/>
+              <a:defRPr sz="3800"/>
             </a:lvl8pPr>
             <a:lvl9pPr lvl="8" algn="ctr">
               <a:spcBef>
@@ -919,9 +2164,9 @@
               <a:spcAft>
                 <a:spcPts val="0"/>
               </a:spcAft>
-              <a:buSzPts val="5200"/>
-              <a:buNone/>
-              <a:defRPr sz="5200"/>
+              <a:buSzPts val="3800"/>
+              <a:buNone/>
+              <a:defRPr sz="3800"/>
             </a:lvl9pPr>
           </a:lstStyle>
           <a:p/>
@@ -929,7 +2174,7 @@
       </p:sp>
       <p:sp>
         <p:nvSpPr>
-          <p:cNvPr id="11" name="Google Shape;11;p2"/>
+          <p:cNvPr id="35" name="Google Shape;35;p2"/>
           <p:cNvSpPr txBox="1"/>
           <p:nvPr>
             <p:ph idx="1" type="subTitle"/>
@@ -937,8 +2182,8 @@
         </p:nvSpPr>
         <p:spPr>
           <a:xfrm>
-            <a:off x="311700" y="2834125"/>
-            <a:ext cx="8520600" cy="792600"/>
+            <a:off x="1858700" y="3413158"/>
+            <a:ext cx="5361300" cy="522600"/>
           </a:xfrm>
           <a:prstGeom prst="rect">
             <a:avLst/>
@@ -959,9 +2204,16 @@
               <a:spcAft>
                 <a:spcPts val="0"/>
               </a:spcAft>
-              <a:buSzPts val="2800"/>
-              <a:buNone/>
-              <a:defRPr sz="2800"/>
+              <a:buClr>
+                <a:schemeClr val="lt1"/>
+              </a:buClr>
+              <a:buSzPts val="1600"/>
+              <a:buNone/>
+              <a:defRPr sz="1600">
+                <a:solidFill>
+                  <a:schemeClr val="lt1"/>
+                </a:solidFill>
+              </a:defRPr>
             </a:lvl1pPr>
             <a:lvl2pPr lvl="1" algn="ctr">
               <a:lnSpc>
@@ -973,9 +2225,16 @@
               <a:spcAft>
                 <a:spcPts val="0"/>
               </a:spcAft>
-              <a:buSzPts val="2800"/>
-              <a:buNone/>
-              <a:defRPr sz="2800"/>
+              <a:buClr>
+                <a:schemeClr val="lt1"/>
+              </a:buClr>
+              <a:buSzPts val="1600"/>
+              <a:buNone/>
+              <a:defRPr sz="1600">
+                <a:solidFill>
+                  <a:schemeClr val="lt1"/>
+                </a:solidFill>
+              </a:defRPr>
             </a:lvl2pPr>
             <a:lvl3pPr lvl="2" algn="ctr">
               <a:lnSpc>
@@ -987,9 +2246,16 @@
               <a:spcAft>
                 <a:spcPts val="0"/>
               </a:spcAft>
-              <a:buSzPts val="2800"/>
-              <a:buNone/>
-              <a:defRPr sz="2800"/>
+              <a:buClr>
+                <a:schemeClr val="lt1"/>
+              </a:buClr>
+              <a:buSzPts val="1600"/>
+              <a:buNone/>
+              <a:defRPr sz="1600">
+                <a:solidFill>
+                  <a:schemeClr val="lt1"/>
+                </a:solidFill>
+              </a:defRPr>
             </a:lvl3pPr>
             <a:lvl4pPr lvl="3" algn="ctr">
               <a:lnSpc>
@@ -1001,9 +2267,16 @@
               <a:spcAft>
                 <a:spcPts val="0"/>
               </a:spcAft>
-              <a:buSzPts val="2800"/>
-              <a:buNone/>
-              <a:defRPr sz="2800"/>
+              <a:buClr>
+                <a:schemeClr val="lt1"/>
+              </a:buClr>
+              <a:buSzPts val="1600"/>
+              <a:buNone/>
+              <a:defRPr sz="1600">
+                <a:solidFill>
+                  <a:schemeClr val="lt1"/>
+                </a:solidFill>
+              </a:defRPr>
             </a:lvl4pPr>
             <a:lvl5pPr lvl="4" algn="ctr">
               <a:lnSpc>
@@ -1015,9 +2288,16 @@
               <a:spcAft>
                 <a:spcPts val="0"/>
               </a:spcAft>
-              <a:buSzPts val="2800"/>
-              <a:buNone/>
-              <a:defRPr sz="2800"/>
+              <a:buClr>
+                <a:schemeClr val="lt1"/>
+              </a:buClr>
+              <a:buSzPts val="1600"/>
+              <a:buNone/>
+              <a:defRPr sz="1600">
+                <a:solidFill>
+                  <a:schemeClr val="lt1"/>
+                </a:solidFill>
+              </a:defRPr>
             </a:lvl5pPr>
             <a:lvl6pPr lvl="5" algn="ctr">
               <a:lnSpc>
@@ -1029,9 +2309,16 @@
               <a:spcAft>
                 <a:spcPts val="0"/>
               </a:spcAft>
-              <a:buSzPts val="2800"/>
-              <a:buNone/>
-              <a:defRPr sz="2800"/>
+              <a:buClr>
+                <a:schemeClr val="lt1"/>
+              </a:buClr>
+              <a:buSzPts val="1600"/>
+              <a:buNone/>
+              <a:defRPr sz="1600">
+                <a:solidFill>
+                  <a:schemeClr val="lt1"/>
+                </a:solidFill>
+              </a:defRPr>
             </a:lvl6pPr>
             <a:lvl7pPr lvl="6" algn="ctr">
               <a:lnSpc>
@@ -1043,9 +2330,16 @@
               <a:spcAft>
                 <a:spcPts val="0"/>
               </a:spcAft>
-              <a:buSzPts val="2800"/>
-              <a:buNone/>
-              <a:defRPr sz="2800"/>
+              <a:buClr>
+                <a:schemeClr val="lt1"/>
+              </a:buClr>
+              <a:buSzPts val="1600"/>
+              <a:buNone/>
+              <a:defRPr sz="1600">
+                <a:solidFill>
+                  <a:schemeClr val="lt1"/>
+                </a:solidFill>
+              </a:defRPr>
             </a:lvl7pPr>
             <a:lvl8pPr lvl="7" algn="ctr">
               <a:lnSpc>
@@ -1057,9 +2351,16 @@
               <a:spcAft>
                 <a:spcPts val="0"/>
               </a:spcAft>
-              <a:buSzPts val="2800"/>
-              <a:buNone/>
-              <a:defRPr sz="2800"/>
+              <a:buClr>
+                <a:schemeClr val="lt1"/>
+              </a:buClr>
+              <a:buSzPts val="1600"/>
+              <a:buNone/>
+              <a:defRPr sz="1600">
+                <a:solidFill>
+                  <a:schemeClr val="lt1"/>
+                </a:solidFill>
+              </a:defRPr>
             </a:lvl8pPr>
             <a:lvl9pPr lvl="8" algn="ctr">
               <a:lnSpc>
@@ -1071,9 +2372,16 @@
               <a:spcAft>
                 <a:spcPts val="0"/>
               </a:spcAft>
-              <a:buSzPts val="2800"/>
-              <a:buNone/>
-              <a:defRPr sz="2800"/>
+              <a:buClr>
+                <a:schemeClr val="lt1"/>
+              </a:buClr>
+              <a:buSzPts val="1600"/>
+              <a:buNone/>
+              <a:defRPr sz="1600">
+                <a:solidFill>
+                  <a:schemeClr val="lt1"/>
+                </a:solidFill>
+              </a:defRPr>
             </a:lvl9pPr>
           </a:lstStyle>
           <a:p/>
@@ -1081,7 +2389,7 @@
       </p:sp>
       <p:sp>
         <p:nvSpPr>
-          <p:cNvPr id="12" name="Google Shape;12;p2"/>
+          <p:cNvPr id="36" name="Google Shape;36;p2"/>
           <p:cNvSpPr txBox="1"/>
           <p:nvPr>
             <p:ph idx="12" type="sldNum"/>
@@ -1089,7 +2397,7 @@
         </p:nvSpPr>
         <p:spPr>
           <a:xfrm>
-            <a:off x="8472458" y="4663217"/>
+            <a:off x="8390734" y="4543668"/>
             <a:ext cx="548700" cy="393600"/>
           </a:xfrm>
           <a:prstGeom prst="rect">
@@ -1167,9 +2475,16 @@
 <file path=ppt/slideLayouts/slideLayout10.xml><?xml version="1.0" encoding="utf-8"?>
 <p:sldLayout xmlns:a="http://schemas.openxmlformats.org/drawingml/2006/main" xmlns:r="http://schemas.openxmlformats.org/officeDocument/2006/relationships" xmlns:mc="http://schemas.openxmlformats.org/markup-compatibility/2006" xmlns:mv="urn:schemas-microsoft-com:mac:vml" xmlns:p="http://schemas.openxmlformats.org/presentationml/2006/main" xmlns:c="http://schemas.openxmlformats.org/drawingml/2006/chart" xmlns:dgm="http://schemas.openxmlformats.org/drawingml/2006/diagram" xmlns:o="urn:schemas-microsoft-com:office:office" xmlns:v="urn:schemas-microsoft-com:vml" xmlns:pvml="urn:schemas-microsoft-com:office:powerpoint" xmlns:com="http://schemas.openxmlformats.org/drawingml/2006/compatibility" xmlns:p14="http://schemas.microsoft.com/office/powerpoint/2010/main" xmlns:p15="http://schemas.microsoft.com/office/powerpoint/2012/main" xmlns:ahyp="http://schemas.microsoft.com/office/drawing/2018/hyperlinkcolor" matchingName="Big number">
   <p:cSld name="BIG_NUMBER">
+    <p:bg>
+      <p:bgPr>
+        <a:solidFill>
+          <a:schemeClr val="accent3"/>
+        </a:solidFill>
+      </p:bgPr>
+    </p:bg>
     <p:spTree>
       <p:nvGrpSpPr>
-        <p:cNvPr id="44" name="Shape 44"/>
+        <p:cNvPr id="109" name="Shape 109"/>
         <p:cNvGrpSpPr/>
         <p:nvPr/>
       </p:nvGrpSpPr>
@@ -1183,7 +2498,350 @@
       </p:grpSpPr>
       <p:sp>
         <p:nvSpPr>
-          <p:cNvPr id="45" name="Google Shape;45;p11"/>
+          <p:cNvPr id="110" name="Google Shape;110;p11"/>
+          <p:cNvSpPr/>
+          <p:nvPr/>
+        </p:nvSpPr>
+        <p:spPr>
+          <a:xfrm flipH="1">
+            <a:off x="5569200" y="2834075"/>
+            <a:ext cx="3574800" cy="2309400"/>
+          </a:xfrm>
+          <a:prstGeom prst="rtTriangle">
+            <a:avLst/>
+          </a:prstGeom>
+          <a:solidFill>
+            <a:schemeClr val="dk1"/>
+          </a:solidFill>
+          <a:ln>
+            <a:noFill/>
+          </a:ln>
+        </p:spPr>
+        <p:txBody>
+          <a:bodyPr anchorCtr="0" anchor="ctr" bIns="91425" lIns="91425" spcFirstLastPara="1" rIns="91425" wrap="square" tIns="91425">
+            <a:noAutofit/>
+          </a:bodyPr>
+          <a:lstStyle/>
+          <a:p>
+            <a:pPr indent="0" lvl="0" marL="0" rtl="0" algn="l">
+              <a:spcBef>
+                <a:spcPts val="0"/>
+              </a:spcBef>
+              <a:spcAft>
+                <a:spcPts val="0"/>
+              </a:spcAft>
+              <a:buNone/>
+            </a:pPr>
+            <a:r>
+              <a:t/>
+            </a:r>
+            <a:endParaRPr/>
+          </a:p>
+        </p:txBody>
+      </p:sp>
+      <p:grpSp>
+        <p:nvGrpSpPr>
+          <p:cNvPr id="111" name="Google Shape;111;p11"/>
+          <p:cNvGrpSpPr/>
+          <p:nvPr/>
+        </p:nvGrpSpPr>
+        <p:grpSpPr>
+          <a:xfrm>
+            <a:off x="5959222" y="4119576"/>
+            <a:ext cx="2520952" cy="1024165"/>
+            <a:chOff x="6917201" y="0"/>
+            <a:chExt cx="2227777" cy="863400"/>
+          </a:xfrm>
+        </p:grpSpPr>
+        <p:sp>
+          <p:nvSpPr>
+            <p:cNvPr id="112" name="Google Shape;112;p11"/>
+            <p:cNvSpPr/>
+            <p:nvPr/>
+          </p:nvSpPr>
+          <p:spPr>
+            <a:xfrm>
+              <a:off x="7641677" y="0"/>
+              <a:ext cx="1503300" cy="863400"/>
+            </a:xfrm>
+            <a:prstGeom prst="parallelogram">
+              <a:avLst>
+                <a:gd fmla="val 158024" name="adj"/>
+              </a:avLst>
+            </a:prstGeom>
+            <a:solidFill>
+              <a:schemeClr val="accent3"/>
+            </a:solidFill>
+            <a:ln>
+              <a:noFill/>
+            </a:ln>
+          </p:spPr>
+          <p:txBody>
+            <a:bodyPr anchorCtr="0" anchor="ctr" bIns="91425" lIns="91425" spcFirstLastPara="1" rIns="91425" wrap="square" tIns="91425">
+              <a:noAutofit/>
+            </a:bodyPr>
+            <a:lstStyle/>
+            <a:p>
+              <a:pPr indent="0" lvl="0" marL="0" rtl="0" algn="l">
+                <a:spcBef>
+                  <a:spcPts val="0"/>
+                </a:spcBef>
+                <a:spcAft>
+                  <a:spcPts val="0"/>
+                </a:spcAft>
+                <a:buNone/>
+              </a:pPr>
+              <a:r>
+                <a:t/>
+              </a:r>
+              <a:endParaRPr/>
+            </a:p>
+          </p:txBody>
+        </p:sp>
+        <p:sp>
+          <p:nvSpPr>
+            <p:cNvPr id="113" name="Google Shape;113;p11"/>
+            <p:cNvSpPr/>
+            <p:nvPr/>
+          </p:nvSpPr>
+          <p:spPr>
+            <a:xfrm>
+              <a:off x="7279439" y="0"/>
+              <a:ext cx="1503300" cy="863400"/>
+            </a:xfrm>
+            <a:prstGeom prst="parallelogram">
+              <a:avLst>
+                <a:gd fmla="val 158024" name="adj"/>
+              </a:avLst>
+            </a:prstGeom>
+            <a:solidFill>
+              <a:schemeClr val="accent3"/>
+            </a:solidFill>
+            <a:ln>
+              <a:noFill/>
+            </a:ln>
+          </p:spPr>
+          <p:txBody>
+            <a:bodyPr anchorCtr="0" anchor="ctr" bIns="91425" lIns="91425" spcFirstLastPara="1" rIns="91425" wrap="square" tIns="91425">
+              <a:noAutofit/>
+            </a:bodyPr>
+            <a:lstStyle/>
+            <a:p>
+              <a:pPr indent="0" lvl="0" marL="0" rtl="0" algn="l">
+                <a:spcBef>
+                  <a:spcPts val="0"/>
+                </a:spcBef>
+                <a:spcAft>
+                  <a:spcPts val="0"/>
+                </a:spcAft>
+                <a:buNone/>
+              </a:pPr>
+              <a:r>
+                <a:t/>
+              </a:r>
+              <a:endParaRPr/>
+            </a:p>
+          </p:txBody>
+        </p:sp>
+        <p:sp>
+          <p:nvSpPr>
+            <p:cNvPr id="114" name="Google Shape;114;p11"/>
+            <p:cNvSpPr/>
+            <p:nvPr/>
+          </p:nvSpPr>
+          <p:spPr>
+            <a:xfrm>
+              <a:off x="6917201" y="0"/>
+              <a:ext cx="1503300" cy="863400"/>
+            </a:xfrm>
+            <a:prstGeom prst="parallelogram">
+              <a:avLst>
+                <a:gd fmla="val 158024" name="adj"/>
+              </a:avLst>
+            </a:prstGeom>
+            <a:solidFill>
+              <a:schemeClr val="accent3"/>
+            </a:solidFill>
+            <a:ln>
+              <a:noFill/>
+            </a:ln>
+          </p:spPr>
+          <p:txBody>
+            <a:bodyPr anchorCtr="0" anchor="ctr" bIns="91425" lIns="91425" spcFirstLastPara="1" rIns="91425" wrap="square" tIns="91425">
+              <a:noAutofit/>
+            </a:bodyPr>
+            <a:lstStyle/>
+            <a:p>
+              <a:pPr indent="0" lvl="0" marL="0" rtl="0" algn="l">
+                <a:spcBef>
+                  <a:spcPts val="0"/>
+                </a:spcBef>
+                <a:spcAft>
+                  <a:spcPts val="0"/>
+                </a:spcAft>
+                <a:buNone/>
+              </a:pPr>
+              <a:r>
+                <a:t/>
+              </a:r>
+              <a:endParaRPr/>
+            </a:p>
+          </p:txBody>
+        </p:sp>
+      </p:grpSp>
+      <p:grpSp>
+        <p:nvGrpSpPr>
+          <p:cNvPr id="115" name="Google Shape;115;p11"/>
+          <p:cNvGrpSpPr/>
+          <p:nvPr/>
+        </p:nvGrpSpPr>
+        <p:grpSpPr>
+          <a:xfrm>
+            <a:off x="199149" y="2"/>
+            <a:ext cx="2795414" cy="1083308"/>
+            <a:chOff x="6917201" y="0"/>
+            <a:chExt cx="2227777" cy="863400"/>
+          </a:xfrm>
+        </p:grpSpPr>
+        <p:sp>
+          <p:nvSpPr>
+            <p:cNvPr id="116" name="Google Shape;116;p11"/>
+            <p:cNvSpPr/>
+            <p:nvPr/>
+          </p:nvSpPr>
+          <p:spPr>
+            <a:xfrm>
+              <a:off x="7641677" y="0"/>
+              <a:ext cx="1503300" cy="863400"/>
+            </a:xfrm>
+            <a:prstGeom prst="parallelogram">
+              <a:avLst>
+                <a:gd fmla="val 158024" name="adj"/>
+              </a:avLst>
+            </a:prstGeom>
+            <a:solidFill>
+              <a:schemeClr val="dk2"/>
+            </a:solidFill>
+            <a:ln>
+              <a:noFill/>
+            </a:ln>
+          </p:spPr>
+          <p:txBody>
+            <a:bodyPr anchorCtr="0" anchor="ctr" bIns="91425" lIns="91425" spcFirstLastPara="1" rIns="91425" wrap="square" tIns="91425">
+              <a:noAutofit/>
+            </a:bodyPr>
+            <a:lstStyle/>
+            <a:p>
+              <a:pPr indent="0" lvl="0" marL="0" rtl="0" algn="l">
+                <a:spcBef>
+                  <a:spcPts val="0"/>
+                </a:spcBef>
+                <a:spcAft>
+                  <a:spcPts val="0"/>
+                </a:spcAft>
+                <a:buNone/>
+              </a:pPr>
+              <a:r>
+                <a:t/>
+              </a:r>
+              <a:endParaRPr/>
+            </a:p>
+          </p:txBody>
+        </p:sp>
+        <p:sp>
+          <p:nvSpPr>
+            <p:cNvPr id="117" name="Google Shape;117;p11"/>
+            <p:cNvSpPr/>
+            <p:nvPr/>
+          </p:nvSpPr>
+          <p:spPr>
+            <a:xfrm>
+              <a:off x="7279439" y="0"/>
+              <a:ext cx="1503300" cy="863400"/>
+            </a:xfrm>
+            <a:prstGeom prst="parallelogram">
+              <a:avLst>
+                <a:gd fmla="val 158024" name="adj"/>
+              </a:avLst>
+            </a:prstGeom>
+            <a:solidFill>
+              <a:schemeClr val="dk2"/>
+            </a:solidFill>
+            <a:ln>
+              <a:noFill/>
+            </a:ln>
+          </p:spPr>
+          <p:txBody>
+            <a:bodyPr anchorCtr="0" anchor="ctr" bIns="91425" lIns="91425" spcFirstLastPara="1" rIns="91425" wrap="square" tIns="91425">
+              <a:noAutofit/>
+            </a:bodyPr>
+            <a:lstStyle/>
+            <a:p>
+              <a:pPr indent="0" lvl="0" marL="0" rtl="0" algn="l">
+                <a:spcBef>
+                  <a:spcPts val="0"/>
+                </a:spcBef>
+                <a:spcAft>
+                  <a:spcPts val="0"/>
+                </a:spcAft>
+                <a:buNone/>
+              </a:pPr>
+              <a:r>
+                <a:t/>
+              </a:r>
+              <a:endParaRPr/>
+            </a:p>
+          </p:txBody>
+        </p:sp>
+        <p:sp>
+          <p:nvSpPr>
+            <p:cNvPr id="118" name="Google Shape;118;p11"/>
+            <p:cNvSpPr/>
+            <p:nvPr/>
+          </p:nvSpPr>
+          <p:spPr>
+            <a:xfrm>
+              <a:off x="6917201" y="0"/>
+              <a:ext cx="1503300" cy="863400"/>
+            </a:xfrm>
+            <a:prstGeom prst="parallelogram">
+              <a:avLst>
+                <a:gd fmla="val 158024" name="adj"/>
+              </a:avLst>
+            </a:prstGeom>
+            <a:solidFill>
+              <a:schemeClr val="dk2"/>
+            </a:solidFill>
+            <a:ln>
+              <a:noFill/>
+            </a:ln>
+          </p:spPr>
+          <p:txBody>
+            <a:bodyPr anchorCtr="0" anchor="ctr" bIns="91425" lIns="91425" spcFirstLastPara="1" rIns="91425" wrap="square" tIns="91425">
+              <a:noAutofit/>
+            </a:bodyPr>
+            <a:lstStyle/>
+            <a:p>
+              <a:pPr indent="0" lvl="0" marL="0" rtl="0" algn="l">
+                <a:spcBef>
+                  <a:spcPts val="0"/>
+                </a:spcBef>
+                <a:spcAft>
+                  <a:spcPts val="0"/>
+                </a:spcAft>
+                <a:buNone/>
+              </a:pPr>
+              <a:r>
+                <a:t/>
+              </a:r>
+              <a:endParaRPr/>
+            </a:p>
+          </p:txBody>
+        </p:sp>
+      </p:grpSp>
+      <p:sp>
+        <p:nvSpPr>
+          <p:cNvPr id="119" name="Google Shape;119;p11"/>
           <p:cNvSpPr txBox="1"/>
           <p:nvPr>
             <p:ph hasCustomPrompt="1" type="title"/>
@@ -1191,15 +2849,15 @@
         </p:nvSpPr>
         <p:spPr>
           <a:xfrm>
-            <a:off x="311700" y="1106125"/>
-            <a:ext cx="8520600" cy="1963500"/>
+            <a:off x="1385850" y="1383850"/>
+            <a:ext cx="6372300" cy="1379700"/>
           </a:xfrm>
           <a:prstGeom prst="rect">
             <a:avLst/>
           </a:prstGeom>
         </p:spPr>
         <p:txBody>
-          <a:bodyPr anchorCtr="0" anchor="b" bIns="91425" lIns="91425" spcFirstLastPara="1" rIns="91425" wrap="square" tIns="91425">
+          <a:bodyPr anchorCtr="0" anchor="ctr" bIns="91425" lIns="91425" spcFirstLastPara="1" rIns="91425" wrap="square" tIns="91425">
             <a:noAutofit/>
           </a:bodyPr>
           <a:lstStyle>
@@ -1210,9 +2868,16 @@
               <a:spcAft>
                 <a:spcPts val="0"/>
               </a:spcAft>
-              <a:buSzPts val="12000"/>
-              <a:buNone/>
-              <a:defRPr sz="12000"/>
+              <a:buClr>
+                <a:schemeClr val="dk2"/>
+              </a:buClr>
+              <a:buSzPts val="8600"/>
+              <a:buNone/>
+              <a:defRPr sz="8600">
+                <a:solidFill>
+                  <a:schemeClr val="dk2"/>
+                </a:solidFill>
+              </a:defRPr>
             </a:lvl1pPr>
             <a:lvl2pPr lvl="1" algn="ctr">
               <a:spcBef>
@@ -1221,9 +2886,16 @@
               <a:spcAft>
                 <a:spcPts val="0"/>
               </a:spcAft>
-              <a:buSzPts val="12000"/>
-              <a:buNone/>
-              <a:defRPr sz="12000"/>
+              <a:buClr>
+                <a:schemeClr val="dk2"/>
+              </a:buClr>
+              <a:buSzPts val="8600"/>
+              <a:buNone/>
+              <a:defRPr sz="8600">
+                <a:solidFill>
+                  <a:schemeClr val="dk2"/>
+                </a:solidFill>
+              </a:defRPr>
             </a:lvl2pPr>
             <a:lvl3pPr lvl="2" algn="ctr">
               <a:spcBef>
@@ -1232,9 +2904,16 @@
               <a:spcAft>
                 <a:spcPts val="0"/>
               </a:spcAft>
-              <a:buSzPts val="12000"/>
-              <a:buNone/>
-              <a:defRPr sz="12000"/>
+              <a:buClr>
+                <a:schemeClr val="dk2"/>
+              </a:buClr>
+              <a:buSzPts val="8600"/>
+              <a:buNone/>
+              <a:defRPr sz="8600">
+                <a:solidFill>
+                  <a:schemeClr val="dk2"/>
+                </a:solidFill>
+              </a:defRPr>
             </a:lvl3pPr>
             <a:lvl4pPr lvl="3" algn="ctr">
               <a:spcBef>
@@ -1243,9 +2922,16 @@
               <a:spcAft>
                 <a:spcPts val="0"/>
               </a:spcAft>
-              <a:buSzPts val="12000"/>
-              <a:buNone/>
-              <a:defRPr sz="12000"/>
+              <a:buClr>
+                <a:schemeClr val="dk2"/>
+              </a:buClr>
+              <a:buSzPts val="8600"/>
+              <a:buNone/>
+              <a:defRPr sz="8600">
+                <a:solidFill>
+                  <a:schemeClr val="dk2"/>
+                </a:solidFill>
+              </a:defRPr>
             </a:lvl4pPr>
             <a:lvl5pPr lvl="4" algn="ctr">
               <a:spcBef>
@@ -1254,9 +2940,16 @@
               <a:spcAft>
                 <a:spcPts val="0"/>
               </a:spcAft>
-              <a:buSzPts val="12000"/>
-              <a:buNone/>
-              <a:defRPr sz="12000"/>
+              <a:buClr>
+                <a:schemeClr val="dk2"/>
+              </a:buClr>
+              <a:buSzPts val="8600"/>
+              <a:buNone/>
+              <a:defRPr sz="8600">
+                <a:solidFill>
+                  <a:schemeClr val="dk2"/>
+                </a:solidFill>
+              </a:defRPr>
             </a:lvl5pPr>
             <a:lvl6pPr lvl="5" algn="ctr">
               <a:spcBef>
@@ -1265,9 +2958,16 @@
               <a:spcAft>
                 <a:spcPts val="0"/>
               </a:spcAft>
-              <a:buSzPts val="12000"/>
-              <a:buNone/>
-              <a:defRPr sz="12000"/>
+              <a:buClr>
+                <a:schemeClr val="dk2"/>
+              </a:buClr>
+              <a:buSzPts val="8600"/>
+              <a:buNone/>
+              <a:defRPr sz="8600">
+                <a:solidFill>
+                  <a:schemeClr val="dk2"/>
+                </a:solidFill>
+              </a:defRPr>
             </a:lvl6pPr>
             <a:lvl7pPr lvl="6" algn="ctr">
               <a:spcBef>
@@ -1276,9 +2976,16 @@
               <a:spcAft>
                 <a:spcPts val="0"/>
               </a:spcAft>
-              <a:buSzPts val="12000"/>
-              <a:buNone/>
-              <a:defRPr sz="12000"/>
+              <a:buClr>
+                <a:schemeClr val="dk2"/>
+              </a:buClr>
+              <a:buSzPts val="8600"/>
+              <a:buNone/>
+              <a:defRPr sz="8600">
+                <a:solidFill>
+                  <a:schemeClr val="dk2"/>
+                </a:solidFill>
+              </a:defRPr>
             </a:lvl7pPr>
             <a:lvl8pPr lvl="7" algn="ctr">
               <a:spcBef>
@@ -1287,9 +2994,16 @@
               <a:spcAft>
                 <a:spcPts val="0"/>
               </a:spcAft>
-              <a:buSzPts val="12000"/>
-              <a:buNone/>
-              <a:defRPr sz="12000"/>
+              <a:buClr>
+                <a:schemeClr val="dk2"/>
+              </a:buClr>
+              <a:buSzPts val="8600"/>
+              <a:buNone/>
+              <a:defRPr sz="8600">
+                <a:solidFill>
+                  <a:schemeClr val="dk2"/>
+                </a:solidFill>
+              </a:defRPr>
             </a:lvl8pPr>
             <a:lvl9pPr lvl="8" algn="ctr">
               <a:spcBef>
@@ -1298,9 +3012,16 @@
               <a:spcAft>
                 <a:spcPts val="0"/>
               </a:spcAft>
-              <a:buSzPts val="12000"/>
-              <a:buNone/>
-              <a:defRPr sz="12000"/>
+              <a:buClr>
+                <a:schemeClr val="dk2"/>
+              </a:buClr>
+              <a:buSzPts val="8600"/>
+              <a:buNone/>
+              <a:defRPr sz="8600">
+                <a:solidFill>
+                  <a:schemeClr val="dk2"/>
+                </a:solidFill>
+              </a:defRPr>
             </a:lvl9pPr>
           </a:lstStyle>
           <a:p>
@@ -1312,7 +3033,7 @@
       </p:sp>
       <p:sp>
         <p:nvSpPr>
-          <p:cNvPr id="46" name="Google Shape;46;p11"/>
+          <p:cNvPr id="120" name="Google Shape;120;p11"/>
           <p:cNvSpPr txBox="1"/>
           <p:nvPr>
             <p:ph idx="1" type="body"/>
@@ -1320,8 +3041,8 @@
         </p:nvSpPr>
         <p:spPr>
           <a:xfrm>
-            <a:off x="311700" y="3152225"/>
-            <a:ext cx="8520600" cy="1300800"/>
+            <a:off x="1385850" y="2863850"/>
+            <a:ext cx="6372300" cy="641100"/>
           </a:xfrm>
           <a:prstGeom prst="rect">
             <a:avLst/>
@@ -1332,102 +3053,102 @@
             <a:noAutofit/>
           </a:bodyPr>
           <a:lstStyle>
-            <a:lvl1pPr indent="-342900" lvl="0" marL="457200" algn="ctr">
-              <a:spcBef>
-                <a:spcPts val="0"/>
-              </a:spcBef>
-              <a:spcAft>
-                <a:spcPts val="0"/>
-              </a:spcAft>
-              <a:buSzPts val="1800"/>
+            <a:lvl1pPr indent="-311150" lvl="0" marL="457200" algn="ctr">
+              <a:spcBef>
+                <a:spcPts val="0"/>
+              </a:spcBef>
+              <a:spcAft>
+                <a:spcPts val="0"/>
+              </a:spcAft>
+              <a:buSzPts val="1300"/>
               <a:buChar char="●"/>
               <a:defRPr/>
             </a:lvl1pPr>
-            <a:lvl2pPr indent="-317500" lvl="1" marL="914400" algn="ctr">
+            <a:lvl2pPr indent="-298450" lvl="1" marL="914400" algn="ctr">
               <a:spcBef>
                 <a:spcPts val="1600"/>
               </a:spcBef>
               <a:spcAft>
                 <a:spcPts val="0"/>
               </a:spcAft>
-              <a:buSzPts val="1400"/>
+              <a:buSzPts val="1100"/>
               <a:buChar char="○"/>
               <a:defRPr/>
             </a:lvl2pPr>
-            <a:lvl3pPr indent="-317500" lvl="2" marL="1371600" algn="ctr">
+            <a:lvl3pPr indent="-298450" lvl="2" marL="1371600" algn="ctr">
               <a:spcBef>
                 <a:spcPts val="1600"/>
               </a:spcBef>
               <a:spcAft>
                 <a:spcPts val="0"/>
               </a:spcAft>
-              <a:buSzPts val="1400"/>
+              <a:buSzPts val="1100"/>
               <a:buChar char="■"/>
               <a:defRPr/>
             </a:lvl3pPr>
-            <a:lvl4pPr indent="-317500" lvl="3" marL="1828800" algn="ctr">
+            <a:lvl4pPr indent="-298450" lvl="3" marL="1828800" algn="ctr">
               <a:spcBef>
                 <a:spcPts val="1600"/>
               </a:spcBef>
               <a:spcAft>
                 <a:spcPts val="0"/>
               </a:spcAft>
-              <a:buSzPts val="1400"/>
+              <a:buSzPts val="1100"/>
               <a:buChar char="●"/>
               <a:defRPr/>
             </a:lvl4pPr>
-            <a:lvl5pPr indent="-317500" lvl="4" marL="2286000" algn="ctr">
+            <a:lvl5pPr indent="-298450" lvl="4" marL="2286000" algn="ctr">
               <a:spcBef>
                 <a:spcPts val="1600"/>
               </a:spcBef>
               <a:spcAft>
                 <a:spcPts val="0"/>
               </a:spcAft>
-              <a:buSzPts val="1400"/>
+              <a:buSzPts val="1100"/>
               <a:buChar char="○"/>
               <a:defRPr/>
             </a:lvl5pPr>
-            <a:lvl6pPr indent="-317500" lvl="5" marL="2743200" algn="ctr">
+            <a:lvl6pPr indent="-298450" lvl="5" marL="2743200" algn="ctr">
               <a:spcBef>
                 <a:spcPts val="1600"/>
               </a:spcBef>
               <a:spcAft>
                 <a:spcPts val="0"/>
               </a:spcAft>
-              <a:buSzPts val="1400"/>
+              <a:buSzPts val="1100"/>
               <a:buChar char="■"/>
               <a:defRPr/>
             </a:lvl6pPr>
-            <a:lvl7pPr indent="-317500" lvl="6" marL="3200400" algn="ctr">
+            <a:lvl7pPr indent="-298450" lvl="6" marL="3200400" algn="ctr">
               <a:spcBef>
                 <a:spcPts val="1600"/>
               </a:spcBef>
               <a:spcAft>
                 <a:spcPts val="0"/>
               </a:spcAft>
-              <a:buSzPts val="1400"/>
+              <a:buSzPts val="1100"/>
               <a:buChar char="●"/>
               <a:defRPr/>
             </a:lvl7pPr>
-            <a:lvl8pPr indent="-317500" lvl="7" marL="3657600" algn="ctr">
+            <a:lvl8pPr indent="-298450" lvl="7" marL="3657600" algn="ctr">
               <a:spcBef>
                 <a:spcPts val="1600"/>
               </a:spcBef>
               <a:spcAft>
                 <a:spcPts val="0"/>
               </a:spcAft>
-              <a:buSzPts val="1400"/>
+              <a:buSzPts val="1100"/>
               <a:buChar char="○"/>
               <a:defRPr/>
             </a:lvl8pPr>
-            <a:lvl9pPr indent="-317500" lvl="8" marL="4114800" algn="ctr">
+            <a:lvl9pPr indent="-298450" lvl="8" marL="4114800" algn="ctr">
               <a:spcBef>
                 <a:spcPts val="1600"/>
               </a:spcBef>
               <a:spcAft>
                 <a:spcPts val="1600"/>
               </a:spcAft>
-              <a:buSzPts val="1400"/>
+              <a:buSzPts val="1100"/>
               <a:buChar char="■"/>
               <a:defRPr/>
             </a:lvl9pPr>
@@ -1437,7 +3158,7 @@
       </p:sp>
       <p:sp>
         <p:nvSpPr>
-          <p:cNvPr id="47" name="Google Shape;47;p11"/>
+          <p:cNvPr id="121" name="Google Shape;121;p11"/>
           <p:cNvSpPr txBox="1"/>
           <p:nvPr>
             <p:ph idx="12" type="sldNum"/>
@@ -1445,7 +3166,7 @@
         </p:nvSpPr>
         <p:spPr>
           <a:xfrm>
-            <a:off x="8472458" y="4663217"/>
+            <a:off x="8390734" y="4543668"/>
             <a:ext cx="548700" cy="393600"/>
           </a:xfrm>
           <a:prstGeom prst="rect">
@@ -1525,7 +3246,7 @@
   <p:cSld name="BLANK">
     <p:spTree>
       <p:nvGrpSpPr>
-        <p:cNvPr id="48" name="Shape 48"/>
+        <p:cNvPr id="122" name="Shape 122"/>
         <p:cNvGrpSpPr/>
         <p:nvPr/>
       </p:nvGrpSpPr>
@@ -1539,7 +3260,7 @@
       </p:grpSpPr>
       <p:sp>
         <p:nvSpPr>
-          <p:cNvPr id="49" name="Google Shape;49;p12"/>
+          <p:cNvPr id="123" name="Google Shape;123;p12"/>
           <p:cNvSpPr txBox="1"/>
           <p:nvPr>
             <p:ph idx="12" type="sldNum"/>
@@ -1547,7 +3268,7 @@
         </p:nvSpPr>
         <p:spPr>
           <a:xfrm>
-            <a:off x="8472458" y="4663217"/>
+            <a:off x="8390734" y="4543668"/>
             <a:ext cx="548700" cy="393600"/>
           </a:xfrm>
           <a:prstGeom prst="rect">
@@ -1625,9 +3346,16 @@
 <file path=ppt/slideLayouts/slideLayout2.xml><?xml version="1.0" encoding="utf-8"?>
 <p:sldLayout xmlns:a="http://schemas.openxmlformats.org/drawingml/2006/main" xmlns:r="http://schemas.openxmlformats.org/officeDocument/2006/relationships" xmlns:mc="http://schemas.openxmlformats.org/markup-compatibility/2006" xmlns:mv="urn:schemas-microsoft-com:mac:vml" xmlns:p="http://schemas.openxmlformats.org/presentationml/2006/main" xmlns:c="http://schemas.openxmlformats.org/drawingml/2006/chart" xmlns:dgm="http://schemas.openxmlformats.org/drawingml/2006/diagram" xmlns:o="urn:schemas-microsoft-com:office:office" xmlns:v="urn:schemas-microsoft-com:vml" xmlns:pvml="urn:schemas-microsoft-com:office:powerpoint" xmlns:com="http://schemas.openxmlformats.org/drawingml/2006/compatibility" xmlns:p14="http://schemas.microsoft.com/office/powerpoint/2010/main" xmlns:p15="http://schemas.microsoft.com/office/powerpoint/2012/main" xmlns:ahyp="http://schemas.microsoft.com/office/drawing/2018/hyperlinkcolor" matchingName="Section header" type="secHead">
   <p:cSld name="SECTION_HEADER">
+    <p:bg>
+      <p:bgPr>
+        <a:solidFill>
+          <a:schemeClr val="accent3"/>
+        </a:solidFill>
+      </p:bgPr>
+    </p:bg>
     <p:spTree>
       <p:nvGrpSpPr>
-        <p:cNvPr id="13" name="Shape 13"/>
+        <p:cNvPr id="37" name="Shape 37"/>
         <p:cNvGrpSpPr/>
         <p:nvPr/>
       </p:nvGrpSpPr>
@@ -1641,7 +3369,350 @@
       </p:grpSpPr>
       <p:sp>
         <p:nvSpPr>
-          <p:cNvPr id="14" name="Google Shape;14;p3"/>
+          <p:cNvPr id="38" name="Google Shape;38;p3"/>
+          <p:cNvSpPr/>
+          <p:nvPr/>
+        </p:nvSpPr>
+        <p:spPr>
+          <a:xfrm flipH="1">
+            <a:off x="4757100" y="2309400"/>
+            <a:ext cx="4386900" cy="2834100"/>
+          </a:xfrm>
+          <a:prstGeom prst="rtTriangle">
+            <a:avLst/>
+          </a:prstGeom>
+          <a:solidFill>
+            <a:schemeClr val="dk1"/>
+          </a:solidFill>
+          <a:ln>
+            <a:noFill/>
+          </a:ln>
+        </p:spPr>
+        <p:txBody>
+          <a:bodyPr anchorCtr="0" anchor="ctr" bIns="91425" lIns="91425" spcFirstLastPara="1" rIns="91425" wrap="square" tIns="91425">
+            <a:noAutofit/>
+          </a:bodyPr>
+          <a:lstStyle/>
+          <a:p>
+            <a:pPr indent="0" lvl="0" marL="0" rtl="0" algn="l">
+              <a:spcBef>
+                <a:spcPts val="0"/>
+              </a:spcBef>
+              <a:spcAft>
+                <a:spcPts val="0"/>
+              </a:spcAft>
+              <a:buNone/>
+            </a:pPr>
+            <a:r>
+              <a:t/>
+            </a:r>
+            <a:endParaRPr/>
+          </a:p>
+        </p:txBody>
+      </p:sp>
+      <p:grpSp>
+        <p:nvGrpSpPr>
+          <p:cNvPr id="39" name="Google Shape;39;p3"/>
+          <p:cNvGrpSpPr/>
+          <p:nvPr/>
+        </p:nvGrpSpPr>
+        <p:grpSpPr>
+          <a:xfrm>
+            <a:off x="5594191" y="3961115"/>
+            <a:ext cx="2910145" cy="1182340"/>
+            <a:chOff x="6917201" y="0"/>
+            <a:chExt cx="2227777" cy="863400"/>
+          </a:xfrm>
+        </p:grpSpPr>
+        <p:sp>
+          <p:nvSpPr>
+            <p:cNvPr id="40" name="Google Shape;40;p3"/>
+            <p:cNvSpPr/>
+            <p:nvPr/>
+          </p:nvSpPr>
+          <p:spPr>
+            <a:xfrm>
+              <a:off x="7641677" y="0"/>
+              <a:ext cx="1503300" cy="863400"/>
+            </a:xfrm>
+            <a:prstGeom prst="parallelogram">
+              <a:avLst>
+                <a:gd fmla="val 158024" name="adj"/>
+              </a:avLst>
+            </a:prstGeom>
+            <a:solidFill>
+              <a:schemeClr val="accent3"/>
+            </a:solidFill>
+            <a:ln>
+              <a:noFill/>
+            </a:ln>
+          </p:spPr>
+          <p:txBody>
+            <a:bodyPr anchorCtr="0" anchor="ctr" bIns="91425" lIns="91425" spcFirstLastPara="1" rIns="91425" wrap="square" tIns="91425">
+              <a:noAutofit/>
+            </a:bodyPr>
+            <a:lstStyle/>
+            <a:p>
+              <a:pPr indent="0" lvl="0" marL="0" rtl="0" algn="l">
+                <a:spcBef>
+                  <a:spcPts val="0"/>
+                </a:spcBef>
+                <a:spcAft>
+                  <a:spcPts val="0"/>
+                </a:spcAft>
+                <a:buNone/>
+              </a:pPr>
+              <a:r>
+                <a:t/>
+              </a:r>
+              <a:endParaRPr/>
+            </a:p>
+          </p:txBody>
+        </p:sp>
+        <p:sp>
+          <p:nvSpPr>
+            <p:cNvPr id="41" name="Google Shape;41;p3"/>
+            <p:cNvSpPr/>
+            <p:nvPr/>
+          </p:nvSpPr>
+          <p:spPr>
+            <a:xfrm>
+              <a:off x="7279439" y="0"/>
+              <a:ext cx="1503300" cy="863400"/>
+            </a:xfrm>
+            <a:prstGeom prst="parallelogram">
+              <a:avLst>
+                <a:gd fmla="val 158024" name="adj"/>
+              </a:avLst>
+            </a:prstGeom>
+            <a:solidFill>
+              <a:schemeClr val="accent3"/>
+            </a:solidFill>
+            <a:ln>
+              <a:noFill/>
+            </a:ln>
+          </p:spPr>
+          <p:txBody>
+            <a:bodyPr anchorCtr="0" anchor="ctr" bIns="91425" lIns="91425" spcFirstLastPara="1" rIns="91425" wrap="square" tIns="91425">
+              <a:noAutofit/>
+            </a:bodyPr>
+            <a:lstStyle/>
+            <a:p>
+              <a:pPr indent="0" lvl="0" marL="0" rtl="0" algn="l">
+                <a:spcBef>
+                  <a:spcPts val="0"/>
+                </a:spcBef>
+                <a:spcAft>
+                  <a:spcPts val="0"/>
+                </a:spcAft>
+                <a:buNone/>
+              </a:pPr>
+              <a:r>
+                <a:t/>
+              </a:r>
+              <a:endParaRPr/>
+            </a:p>
+          </p:txBody>
+        </p:sp>
+        <p:sp>
+          <p:nvSpPr>
+            <p:cNvPr id="42" name="Google Shape;42;p3"/>
+            <p:cNvSpPr/>
+            <p:nvPr/>
+          </p:nvSpPr>
+          <p:spPr>
+            <a:xfrm>
+              <a:off x="6917201" y="0"/>
+              <a:ext cx="1503300" cy="863400"/>
+            </a:xfrm>
+            <a:prstGeom prst="parallelogram">
+              <a:avLst>
+                <a:gd fmla="val 158024" name="adj"/>
+              </a:avLst>
+            </a:prstGeom>
+            <a:solidFill>
+              <a:schemeClr val="accent3"/>
+            </a:solidFill>
+            <a:ln>
+              <a:noFill/>
+            </a:ln>
+          </p:spPr>
+          <p:txBody>
+            <a:bodyPr anchorCtr="0" anchor="ctr" bIns="91425" lIns="91425" spcFirstLastPara="1" rIns="91425" wrap="square" tIns="91425">
+              <a:noAutofit/>
+            </a:bodyPr>
+            <a:lstStyle/>
+            <a:p>
+              <a:pPr indent="0" lvl="0" marL="0" rtl="0" algn="l">
+                <a:spcBef>
+                  <a:spcPts val="0"/>
+                </a:spcBef>
+                <a:spcAft>
+                  <a:spcPts val="0"/>
+                </a:spcAft>
+                <a:buNone/>
+              </a:pPr>
+              <a:r>
+                <a:t/>
+              </a:r>
+              <a:endParaRPr/>
+            </a:p>
+          </p:txBody>
+        </p:sp>
+      </p:grpSp>
+      <p:grpSp>
+        <p:nvGrpSpPr>
+          <p:cNvPr id="43" name="Google Shape;43;p3"/>
+          <p:cNvGrpSpPr/>
+          <p:nvPr/>
+        </p:nvGrpSpPr>
+        <p:grpSpPr>
+          <a:xfrm>
+            <a:off x="199149" y="2"/>
+            <a:ext cx="2795414" cy="1083308"/>
+            <a:chOff x="6917201" y="0"/>
+            <a:chExt cx="2227777" cy="863400"/>
+          </a:xfrm>
+        </p:grpSpPr>
+        <p:sp>
+          <p:nvSpPr>
+            <p:cNvPr id="44" name="Google Shape;44;p3"/>
+            <p:cNvSpPr/>
+            <p:nvPr/>
+          </p:nvSpPr>
+          <p:spPr>
+            <a:xfrm>
+              <a:off x="7641677" y="0"/>
+              <a:ext cx="1503300" cy="863400"/>
+            </a:xfrm>
+            <a:prstGeom prst="parallelogram">
+              <a:avLst>
+                <a:gd fmla="val 158024" name="adj"/>
+              </a:avLst>
+            </a:prstGeom>
+            <a:solidFill>
+              <a:schemeClr val="dk2"/>
+            </a:solidFill>
+            <a:ln>
+              <a:noFill/>
+            </a:ln>
+          </p:spPr>
+          <p:txBody>
+            <a:bodyPr anchorCtr="0" anchor="ctr" bIns="91425" lIns="91425" spcFirstLastPara="1" rIns="91425" wrap="square" tIns="91425">
+              <a:noAutofit/>
+            </a:bodyPr>
+            <a:lstStyle/>
+            <a:p>
+              <a:pPr indent="0" lvl="0" marL="0" rtl="0" algn="l">
+                <a:spcBef>
+                  <a:spcPts val="0"/>
+                </a:spcBef>
+                <a:spcAft>
+                  <a:spcPts val="0"/>
+                </a:spcAft>
+                <a:buNone/>
+              </a:pPr>
+              <a:r>
+                <a:t/>
+              </a:r>
+              <a:endParaRPr/>
+            </a:p>
+          </p:txBody>
+        </p:sp>
+        <p:sp>
+          <p:nvSpPr>
+            <p:cNvPr id="45" name="Google Shape;45;p3"/>
+            <p:cNvSpPr/>
+            <p:nvPr/>
+          </p:nvSpPr>
+          <p:spPr>
+            <a:xfrm>
+              <a:off x="7279439" y="0"/>
+              <a:ext cx="1503300" cy="863400"/>
+            </a:xfrm>
+            <a:prstGeom prst="parallelogram">
+              <a:avLst>
+                <a:gd fmla="val 158024" name="adj"/>
+              </a:avLst>
+            </a:prstGeom>
+            <a:solidFill>
+              <a:schemeClr val="dk2"/>
+            </a:solidFill>
+            <a:ln>
+              <a:noFill/>
+            </a:ln>
+          </p:spPr>
+          <p:txBody>
+            <a:bodyPr anchorCtr="0" anchor="ctr" bIns="91425" lIns="91425" spcFirstLastPara="1" rIns="91425" wrap="square" tIns="91425">
+              <a:noAutofit/>
+            </a:bodyPr>
+            <a:lstStyle/>
+            <a:p>
+              <a:pPr indent="0" lvl="0" marL="0" rtl="0" algn="l">
+                <a:spcBef>
+                  <a:spcPts val="0"/>
+                </a:spcBef>
+                <a:spcAft>
+                  <a:spcPts val="0"/>
+                </a:spcAft>
+                <a:buNone/>
+              </a:pPr>
+              <a:r>
+                <a:t/>
+              </a:r>
+              <a:endParaRPr/>
+            </a:p>
+          </p:txBody>
+        </p:sp>
+        <p:sp>
+          <p:nvSpPr>
+            <p:cNvPr id="46" name="Google Shape;46;p3"/>
+            <p:cNvSpPr/>
+            <p:nvPr/>
+          </p:nvSpPr>
+          <p:spPr>
+            <a:xfrm>
+              <a:off x="6917201" y="0"/>
+              <a:ext cx="1503300" cy="863400"/>
+            </a:xfrm>
+            <a:prstGeom prst="parallelogram">
+              <a:avLst>
+                <a:gd fmla="val 158024" name="adj"/>
+              </a:avLst>
+            </a:prstGeom>
+            <a:solidFill>
+              <a:schemeClr val="dk2"/>
+            </a:solidFill>
+            <a:ln>
+              <a:noFill/>
+            </a:ln>
+          </p:spPr>
+          <p:txBody>
+            <a:bodyPr anchorCtr="0" anchor="ctr" bIns="91425" lIns="91425" spcFirstLastPara="1" rIns="91425" wrap="square" tIns="91425">
+              <a:noAutofit/>
+            </a:bodyPr>
+            <a:lstStyle/>
+            <a:p>
+              <a:pPr indent="0" lvl="0" marL="0" rtl="0" algn="l">
+                <a:spcBef>
+                  <a:spcPts val="0"/>
+                </a:spcBef>
+                <a:spcAft>
+                  <a:spcPts val="0"/>
+                </a:spcAft>
+                <a:buNone/>
+              </a:pPr>
+              <a:r>
+                <a:t/>
+              </a:r>
+              <a:endParaRPr/>
+            </a:p>
+          </p:txBody>
+        </p:sp>
+      </p:grpSp>
+      <p:sp>
+        <p:nvSpPr>
+          <p:cNvPr id="47" name="Google Shape;47;p3"/>
           <p:cNvSpPr txBox="1"/>
           <p:nvPr>
             <p:ph type="title"/>
@@ -1649,8 +3720,8 @@
         </p:nvSpPr>
         <p:spPr>
           <a:xfrm>
-            <a:off x="311700" y="2150850"/>
-            <a:ext cx="8520600" cy="841800"/>
+            <a:off x="1888684" y="1746100"/>
+            <a:ext cx="5377500" cy="1646100"/>
           </a:xfrm>
           <a:prstGeom prst="rect">
             <a:avLst/>
@@ -1668,9 +3739,16 @@
               <a:spcAft>
                 <a:spcPts val="0"/>
               </a:spcAft>
-              <a:buSzPts val="3600"/>
-              <a:buNone/>
-              <a:defRPr sz="3600"/>
+              <a:buClr>
+                <a:schemeClr val="dk2"/>
+              </a:buClr>
+              <a:buSzPts val="3200"/>
+              <a:buNone/>
+              <a:defRPr sz="3200">
+                <a:solidFill>
+                  <a:schemeClr val="dk2"/>
+                </a:solidFill>
+              </a:defRPr>
             </a:lvl1pPr>
             <a:lvl2pPr lvl="1" algn="ctr">
               <a:spcBef>
@@ -1679,9 +3757,16 @@
               <a:spcAft>
                 <a:spcPts val="0"/>
               </a:spcAft>
-              <a:buSzPts val="3600"/>
-              <a:buNone/>
-              <a:defRPr sz="3600"/>
+              <a:buClr>
+                <a:schemeClr val="dk2"/>
+              </a:buClr>
+              <a:buSzPts val="3200"/>
+              <a:buNone/>
+              <a:defRPr sz="3200">
+                <a:solidFill>
+                  <a:schemeClr val="dk2"/>
+                </a:solidFill>
+              </a:defRPr>
             </a:lvl2pPr>
             <a:lvl3pPr lvl="2" algn="ctr">
               <a:spcBef>
@@ -1690,9 +3775,16 @@
               <a:spcAft>
                 <a:spcPts val="0"/>
               </a:spcAft>
-              <a:buSzPts val="3600"/>
-              <a:buNone/>
-              <a:defRPr sz="3600"/>
+              <a:buClr>
+                <a:schemeClr val="dk2"/>
+              </a:buClr>
+              <a:buSzPts val="3200"/>
+              <a:buNone/>
+              <a:defRPr sz="3200">
+                <a:solidFill>
+                  <a:schemeClr val="dk2"/>
+                </a:solidFill>
+              </a:defRPr>
             </a:lvl3pPr>
             <a:lvl4pPr lvl="3" algn="ctr">
               <a:spcBef>
@@ -1701,9 +3793,16 @@
               <a:spcAft>
                 <a:spcPts val="0"/>
               </a:spcAft>
-              <a:buSzPts val="3600"/>
-              <a:buNone/>
-              <a:defRPr sz="3600"/>
+              <a:buClr>
+                <a:schemeClr val="dk2"/>
+              </a:buClr>
+              <a:buSzPts val="3200"/>
+              <a:buNone/>
+              <a:defRPr sz="3200">
+                <a:solidFill>
+                  <a:schemeClr val="dk2"/>
+                </a:solidFill>
+              </a:defRPr>
             </a:lvl4pPr>
             <a:lvl5pPr lvl="4" algn="ctr">
               <a:spcBef>
@@ -1712,9 +3811,16 @@
               <a:spcAft>
                 <a:spcPts val="0"/>
               </a:spcAft>
-              <a:buSzPts val="3600"/>
-              <a:buNone/>
-              <a:defRPr sz="3600"/>
+              <a:buClr>
+                <a:schemeClr val="dk2"/>
+              </a:buClr>
+              <a:buSzPts val="3200"/>
+              <a:buNone/>
+              <a:defRPr sz="3200">
+                <a:solidFill>
+                  <a:schemeClr val="dk2"/>
+                </a:solidFill>
+              </a:defRPr>
             </a:lvl5pPr>
             <a:lvl6pPr lvl="5" algn="ctr">
               <a:spcBef>
@@ -1723,9 +3829,16 @@
               <a:spcAft>
                 <a:spcPts val="0"/>
               </a:spcAft>
-              <a:buSzPts val="3600"/>
-              <a:buNone/>
-              <a:defRPr sz="3600"/>
+              <a:buClr>
+                <a:schemeClr val="dk2"/>
+              </a:buClr>
+              <a:buSzPts val="3200"/>
+              <a:buNone/>
+              <a:defRPr sz="3200">
+                <a:solidFill>
+                  <a:schemeClr val="dk2"/>
+                </a:solidFill>
+              </a:defRPr>
             </a:lvl6pPr>
             <a:lvl7pPr lvl="6" algn="ctr">
               <a:spcBef>
@@ -1734,9 +3847,16 @@
               <a:spcAft>
                 <a:spcPts val="0"/>
               </a:spcAft>
-              <a:buSzPts val="3600"/>
-              <a:buNone/>
-              <a:defRPr sz="3600"/>
+              <a:buClr>
+                <a:schemeClr val="dk2"/>
+              </a:buClr>
+              <a:buSzPts val="3200"/>
+              <a:buNone/>
+              <a:defRPr sz="3200">
+                <a:solidFill>
+                  <a:schemeClr val="dk2"/>
+                </a:solidFill>
+              </a:defRPr>
             </a:lvl7pPr>
             <a:lvl8pPr lvl="7" algn="ctr">
               <a:spcBef>
@@ -1745,9 +3865,16 @@
               <a:spcAft>
                 <a:spcPts val="0"/>
               </a:spcAft>
-              <a:buSzPts val="3600"/>
-              <a:buNone/>
-              <a:defRPr sz="3600"/>
+              <a:buClr>
+                <a:schemeClr val="dk2"/>
+              </a:buClr>
+              <a:buSzPts val="3200"/>
+              <a:buNone/>
+              <a:defRPr sz="3200">
+                <a:solidFill>
+                  <a:schemeClr val="dk2"/>
+                </a:solidFill>
+              </a:defRPr>
             </a:lvl8pPr>
             <a:lvl9pPr lvl="8" algn="ctr">
               <a:spcBef>
@@ -1756,9 +3883,16 @@
               <a:spcAft>
                 <a:spcPts val="0"/>
               </a:spcAft>
-              <a:buSzPts val="3600"/>
-              <a:buNone/>
-              <a:defRPr sz="3600"/>
+              <a:buClr>
+                <a:schemeClr val="dk2"/>
+              </a:buClr>
+              <a:buSzPts val="3200"/>
+              <a:buNone/>
+              <a:defRPr sz="3200">
+                <a:solidFill>
+                  <a:schemeClr val="dk2"/>
+                </a:solidFill>
+              </a:defRPr>
             </a:lvl9pPr>
           </a:lstStyle>
           <a:p/>
@@ -1766,7 +3900,7 @@
       </p:sp>
       <p:sp>
         <p:nvSpPr>
-          <p:cNvPr id="15" name="Google Shape;15;p3"/>
+          <p:cNvPr id="48" name="Google Shape;48;p3"/>
           <p:cNvSpPr txBox="1"/>
           <p:nvPr>
             <p:ph idx="12" type="sldNum"/>
@@ -1774,7 +3908,7 @@
         </p:nvSpPr>
         <p:spPr>
           <a:xfrm>
-            <a:off x="8472458" y="4663217"/>
+            <a:off x="8390734" y="4543668"/>
             <a:ext cx="548700" cy="393600"/>
           </a:xfrm>
           <a:prstGeom prst="rect">
@@ -1852,9 +3986,16 @@
 <file path=ppt/slideLayouts/slideLayout3.xml><?xml version="1.0" encoding="utf-8"?>
 <p:sldLayout xmlns:a="http://schemas.openxmlformats.org/drawingml/2006/main" xmlns:r="http://schemas.openxmlformats.org/officeDocument/2006/relationships" xmlns:mc="http://schemas.openxmlformats.org/markup-compatibility/2006" xmlns:mv="urn:schemas-microsoft-com:mac:vml" xmlns:p="http://schemas.openxmlformats.org/presentationml/2006/main" xmlns:c="http://schemas.openxmlformats.org/drawingml/2006/chart" xmlns:dgm="http://schemas.openxmlformats.org/drawingml/2006/diagram" xmlns:o="urn:schemas-microsoft-com:office:office" xmlns:v="urn:schemas-microsoft-com:vml" xmlns:pvml="urn:schemas-microsoft-com:office:powerpoint" xmlns:com="http://schemas.openxmlformats.org/drawingml/2006/compatibility" xmlns:p14="http://schemas.microsoft.com/office/powerpoint/2010/main" xmlns:p15="http://schemas.microsoft.com/office/powerpoint/2012/main" xmlns:ahyp="http://schemas.microsoft.com/office/drawing/2018/hyperlinkcolor" matchingName="Title and body" type="tx">
   <p:cSld name="TITLE_AND_BODY">
+    <p:bg>
+      <p:bgPr>
+        <a:solidFill>
+          <a:schemeClr val="dk2"/>
+        </a:solidFill>
+      </p:bgPr>
+    </p:bg>
     <p:spTree>
       <p:nvGrpSpPr>
-        <p:cNvPr id="16" name="Shape 16"/>
+        <p:cNvPr id="49" name="Shape 49"/>
         <p:cNvGrpSpPr/>
         <p:nvPr/>
       </p:nvGrpSpPr>
@@ -1868,7 +4009,143 @@
       </p:grpSpPr>
       <p:sp>
         <p:nvSpPr>
-          <p:cNvPr id="17" name="Google Shape;17;p4"/>
+          <p:cNvPr id="50" name="Google Shape;50;p4"/>
+          <p:cNvSpPr/>
+          <p:nvPr/>
+        </p:nvSpPr>
+        <p:spPr>
+          <a:xfrm flipH="1">
+            <a:off x="3582600" y="1550700"/>
+            <a:ext cx="5561400" cy="3592800"/>
+          </a:xfrm>
+          <a:prstGeom prst="rtTriangle">
+            <a:avLst/>
+          </a:prstGeom>
+          <a:solidFill>
+            <a:schemeClr val="lt2"/>
+          </a:solidFill>
+          <a:ln>
+            <a:noFill/>
+          </a:ln>
+        </p:spPr>
+        <p:txBody>
+          <a:bodyPr anchorCtr="0" anchor="ctr" bIns="91425" lIns="91425" spcFirstLastPara="1" rIns="91425" wrap="square" tIns="91425">
+            <a:noAutofit/>
+          </a:bodyPr>
+          <a:lstStyle/>
+          <a:p>
+            <a:pPr indent="0" lvl="0" marL="0" rtl="0" algn="l">
+              <a:spcBef>
+                <a:spcPts val="0"/>
+              </a:spcBef>
+              <a:spcAft>
+                <a:spcPts val="0"/>
+              </a:spcAft>
+              <a:buNone/>
+            </a:pPr>
+            <a:r>
+              <a:t/>
+            </a:r>
+            <a:endParaRPr/>
+          </a:p>
+        </p:txBody>
+      </p:sp>
+      <p:sp>
+        <p:nvSpPr>
+          <p:cNvPr id="51" name="Google Shape;51;p4"/>
+          <p:cNvSpPr/>
+          <p:nvPr/>
+        </p:nvSpPr>
+        <p:spPr>
+          <a:xfrm>
+            <a:off x="31" y="2824500"/>
+            <a:ext cx="7370400" cy="2319000"/>
+          </a:xfrm>
+          <a:prstGeom prst="rtTriangle">
+            <a:avLst/>
+          </a:prstGeom>
+          <a:solidFill>
+            <a:schemeClr val="accent3"/>
+          </a:solidFill>
+          <a:ln>
+            <a:noFill/>
+          </a:ln>
+        </p:spPr>
+        <p:txBody>
+          <a:bodyPr anchorCtr="0" anchor="ctr" bIns="91425" lIns="91425" spcFirstLastPara="1" rIns="91425" wrap="square" tIns="91425">
+            <a:noAutofit/>
+          </a:bodyPr>
+          <a:lstStyle/>
+          <a:p>
+            <a:pPr indent="0" lvl="0" marL="0" rtl="0" algn="l">
+              <a:spcBef>
+                <a:spcPts val="0"/>
+              </a:spcBef>
+              <a:spcAft>
+                <a:spcPts val="0"/>
+              </a:spcAft>
+              <a:buNone/>
+            </a:pPr>
+            <a:r>
+              <a:t/>
+            </a:r>
+            <a:endParaRPr/>
+          </a:p>
+        </p:txBody>
+      </p:sp>
+      <p:sp>
+        <p:nvSpPr>
+          <p:cNvPr id="52" name="Google Shape;52;p4"/>
+          <p:cNvSpPr/>
+          <p:nvPr/>
+        </p:nvSpPr>
+        <p:spPr>
+          <a:xfrm>
+            <a:off x="203225" y="206250"/>
+            <a:ext cx="8737500" cy="4731000"/>
+          </a:xfrm>
+          <a:prstGeom prst="rect">
+            <a:avLst/>
+          </a:prstGeom>
+          <a:solidFill>
+            <a:schemeClr val="dk1"/>
+          </a:solidFill>
+          <a:ln>
+            <a:noFill/>
+          </a:ln>
+          <a:effectLst>
+            <a:outerShdw blurRad="228600" sx="101000" rotWithShape="0" algn="ctr" sy="101000">
+              <a:srgbClr val="000000">
+                <a:alpha val="40000"/>
+              </a:srgbClr>
+            </a:outerShdw>
+          </a:effectLst>
+        </p:spPr>
+        <p:txBody>
+          <a:bodyPr anchorCtr="0" anchor="ctr" bIns="91425" lIns="91425" spcFirstLastPara="1" rIns="91425" wrap="square" tIns="91425">
+            <a:noAutofit/>
+          </a:bodyPr>
+          <a:lstStyle/>
+          <a:p>
+            <a:pPr indent="0" lvl="0" marL="0" rtl="0" algn="l">
+              <a:spcBef>
+                <a:spcPts val="0"/>
+              </a:spcBef>
+              <a:spcAft>
+                <a:spcPts val="0"/>
+              </a:spcAft>
+              <a:buNone/>
+            </a:pPr>
+            <a:r>
+              <a:t/>
+            </a:r>
+            <a:endParaRPr/>
+          </a:p>
+        </p:txBody>
+      </p:sp>
+      <p:sp>
+        <p:nvSpPr>
+          <p:cNvPr id="53" name="Google Shape;53;p4"/>
           <p:cNvSpPr txBox="1"/>
           <p:nvPr>
             <p:ph type="title"/>
@@ -1876,8 +4153,8 @@
         </p:nvSpPr>
         <p:spPr>
           <a:xfrm>
-            <a:off x="311700" y="445025"/>
-            <a:ext cx="8520600" cy="572700"/>
+            <a:off x="819150" y="845600"/>
+            <a:ext cx="7505700" cy="954600"/>
           </a:xfrm>
           <a:prstGeom prst="rect">
             <a:avLst/>
@@ -1895,9 +4172,9 @@
               <a:spcAft>
                 <a:spcPts val="0"/>
               </a:spcAft>
-              <a:buSzPts val="2800"/>
-              <a:buNone/>
-              <a:defRPr/>
+              <a:buSzPts val="3000"/>
+              <a:buNone/>
+              <a:defRPr sz="3000"/>
             </a:lvl1pPr>
             <a:lvl2pPr lvl="1">
               <a:spcBef>
@@ -1906,9 +4183,9 @@
               <a:spcAft>
                 <a:spcPts val="0"/>
               </a:spcAft>
-              <a:buSzPts val="2800"/>
-              <a:buNone/>
-              <a:defRPr/>
+              <a:buSzPts val="3000"/>
+              <a:buNone/>
+              <a:defRPr sz="3000"/>
             </a:lvl2pPr>
             <a:lvl3pPr lvl="2">
               <a:spcBef>
@@ -1917,9 +4194,9 @@
               <a:spcAft>
                 <a:spcPts val="0"/>
               </a:spcAft>
-              <a:buSzPts val="2800"/>
-              <a:buNone/>
-              <a:defRPr/>
+              <a:buSzPts val="3000"/>
+              <a:buNone/>
+              <a:defRPr sz="3000"/>
             </a:lvl3pPr>
             <a:lvl4pPr lvl="3">
               <a:spcBef>
@@ -1928,9 +4205,9 @@
               <a:spcAft>
                 <a:spcPts val="0"/>
               </a:spcAft>
-              <a:buSzPts val="2800"/>
-              <a:buNone/>
-              <a:defRPr/>
+              <a:buSzPts val="3000"/>
+              <a:buNone/>
+              <a:defRPr sz="3000"/>
             </a:lvl4pPr>
             <a:lvl5pPr lvl="4">
               <a:spcBef>
@@ -1939,9 +4216,9 @@
               <a:spcAft>
                 <a:spcPts val="0"/>
               </a:spcAft>
-              <a:buSzPts val="2800"/>
-              <a:buNone/>
-              <a:defRPr/>
+              <a:buSzPts val="3000"/>
+              <a:buNone/>
+              <a:defRPr sz="3000"/>
             </a:lvl5pPr>
             <a:lvl6pPr lvl="5">
               <a:spcBef>
@@ -1950,9 +4227,9 @@
               <a:spcAft>
                 <a:spcPts val="0"/>
               </a:spcAft>
-              <a:buSzPts val="2800"/>
-              <a:buNone/>
-              <a:defRPr/>
+              <a:buSzPts val="3000"/>
+              <a:buNone/>
+              <a:defRPr sz="3000"/>
             </a:lvl6pPr>
             <a:lvl7pPr lvl="6">
               <a:spcBef>
@@ -1961,9 +4238,9 @@
               <a:spcAft>
                 <a:spcPts val="0"/>
               </a:spcAft>
-              <a:buSzPts val="2800"/>
-              <a:buNone/>
-              <a:defRPr/>
+              <a:buSzPts val="3000"/>
+              <a:buNone/>
+              <a:defRPr sz="3000"/>
             </a:lvl7pPr>
             <a:lvl8pPr lvl="7">
               <a:spcBef>
@@ -1972,9 +4249,9 @@
               <a:spcAft>
                 <a:spcPts val="0"/>
               </a:spcAft>
-              <a:buSzPts val="2800"/>
-              <a:buNone/>
-              <a:defRPr/>
+              <a:buSzPts val="3000"/>
+              <a:buNone/>
+              <a:defRPr sz="3000"/>
             </a:lvl8pPr>
             <a:lvl9pPr lvl="8">
               <a:spcBef>
@@ -1983,9 +4260,9 @@
               <a:spcAft>
                 <a:spcPts val="0"/>
               </a:spcAft>
-              <a:buSzPts val="2800"/>
-              <a:buNone/>
-              <a:defRPr/>
+              <a:buSzPts val="3000"/>
+              <a:buNone/>
+              <a:defRPr sz="3000"/>
             </a:lvl9pPr>
           </a:lstStyle>
           <a:p/>
@@ -1993,7 +4270,7 @@
       </p:sp>
       <p:sp>
         <p:nvSpPr>
-          <p:cNvPr id="18" name="Google Shape;18;p4"/>
+          <p:cNvPr id="54" name="Google Shape;54;p4"/>
           <p:cNvSpPr txBox="1"/>
           <p:nvPr>
             <p:ph idx="1" type="body"/>
@@ -2001,8 +4278,8 @@
         </p:nvSpPr>
         <p:spPr>
           <a:xfrm>
-            <a:off x="311700" y="1152475"/>
-            <a:ext cx="8520600" cy="3416400"/>
+            <a:off x="819150" y="1990725"/>
+            <a:ext cx="7505700" cy="2448000"/>
           </a:xfrm>
           <a:prstGeom prst="rect">
             <a:avLst/>
@@ -2013,102 +4290,102 @@
             <a:noAutofit/>
           </a:bodyPr>
           <a:lstStyle>
-            <a:lvl1pPr indent="-342900" lvl="0" marL="457200">
-              <a:spcBef>
-                <a:spcPts val="0"/>
-              </a:spcBef>
-              <a:spcAft>
-                <a:spcPts val="0"/>
-              </a:spcAft>
-              <a:buSzPts val="1800"/>
+            <a:lvl1pPr indent="-311150" lvl="0" marL="457200">
+              <a:spcBef>
+                <a:spcPts val="0"/>
+              </a:spcBef>
+              <a:spcAft>
+                <a:spcPts val="0"/>
+              </a:spcAft>
+              <a:buSzPts val="1300"/>
               <a:buChar char="●"/>
               <a:defRPr/>
             </a:lvl1pPr>
-            <a:lvl2pPr indent="-317500" lvl="1" marL="914400">
+            <a:lvl2pPr indent="-298450" lvl="1" marL="914400">
               <a:spcBef>
                 <a:spcPts val="1600"/>
               </a:spcBef>
               <a:spcAft>
                 <a:spcPts val="0"/>
               </a:spcAft>
-              <a:buSzPts val="1400"/>
+              <a:buSzPts val="1100"/>
               <a:buChar char="○"/>
               <a:defRPr/>
             </a:lvl2pPr>
-            <a:lvl3pPr indent="-317500" lvl="2" marL="1371600">
+            <a:lvl3pPr indent="-298450" lvl="2" marL="1371600">
               <a:spcBef>
                 <a:spcPts val="1600"/>
               </a:spcBef>
               <a:spcAft>
                 <a:spcPts val="0"/>
               </a:spcAft>
-              <a:buSzPts val="1400"/>
+              <a:buSzPts val="1100"/>
               <a:buChar char="■"/>
               <a:defRPr/>
             </a:lvl3pPr>
-            <a:lvl4pPr indent="-317500" lvl="3" marL="1828800">
+            <a:lvl4pPr indent="-298450" lvl="3" marL="1828800">
               <a:spcBef>
                 <a:spcPts val="1600"/>
               </a:spcBef>
               <a:spcAft>
                 <a:spcPts val="0"/>
               </a:spcAft>
-              <a:buSzPts val="1400"/>
+              <a:buSzPts val="1100"/>
               <a:buChar char="●"/>
               <a:defRPr/>
             </a:lvl4pPr>
-            <a:lvl5pPr indent="-317500" lvl="4" marL="2286000">
+            <a:lvl5pPr indent="-298450" lvl="4" marL="2286000">
               <a:spcBef>
                 <a:spcPts val="1600"/>
               </a:spcBef>
               <a:spcAft>
                 <a:spcPts val="0"/>
               </a:spcAft>
-              <a:buSzPts val="1400"/>
+              <a:buSzPts val="1100"/>
               <a:buChar char="○"/>
               <a:defRPr/>
             </a:lvl5pPr>
-            <a:lvl6pPr indent="-317500" lvl="5" marL="2743200">
+            <a:lvl6pPr indent="-298450" lvl="5" marL="2743200">
               <a:spcBef>
                 <a:spcPts val="1600"/>
               </a:spcBef>
               <a:spcAft>
                 <a:spcPts val="0"/>
               </a:spcAft>
-              <a:buSzPts val="1400"/>
+              <a:buSzPts val="1100"/>
               <a:buChar char="■"/>
               <a:defRPr/>
             </a:lvl6pPr>
-            <a:lvl7pPr indent="-317500" lvl="6" marL="3200400">
+            <a:lvl7pPr indent="-298450" lvl="6" marL="3200400">
               <a:spcBef>
                 <a:spcPts val="1600"/>
               </a:spcBef>
               <a:spcAft>
                 <a:spcPts val="0"/>
               </a:spcAft>
-              <a:buSzPts val="1400"/>
+              <a:buSzPts val="1100"/>
               <a:buChar char="●"/>
               <a:defRPr/>
             </a:lvl7pPr>
-            <a:lvl8pPr indent="-317500" lvl="7" marL="3657600">
+            <a:lvl8pPr indent="-298450" lvl="7" marL="3657600">
               <a:spcBef>
                 <a:spcPts val="1600"/>
               </a:spcBef>
               <a:spcAft>
                 <a:spcPts val="0"/>
               </a:spcAft>
-              <a:buSzPts val="1400"/>
+              <a:buSzPts val="1100"/>
               <a:buChar char="○"/>
               <a:defRPr/>
             </a:lvl8pPr>
-            <a:lvl9pPr indent="-317500" lvl="8" marL="4114800">
+            <a:lvl9pPr indent="-298450" lvl="8" marL="4114800">
               <a:spcBef>
                 <a:spcPts val="1600"/>
               </a:spcBef>
               <a:spcAft>
                 <a:spcPts val="1600"/>
               </a:spcAft>
-              <a:buSzPts val="1400"/>
+              <a:buSzPts val="1100"/>
               <a:buChar char="■"/>
               <a:defRPr/>
             </a:lvl9pPr>
@@ -2118,7 +4395,7 @@
       </p:sp>
       <p:sp>
         <p:nvSpPr>
-          <p:cNvPr id="19" name="Google Shape;19;p4"/>
+          <p:cNvPr id="55" name="Google Shape;55;p4"/>
           <p:cNvSpPr txBox="1"/>
           <p:nvPr>
             <p:ph idx="12" type="sldNum"/>
@@ -2126,7 +4403,7 @@
         </p:nvSpPr>
         <p:spPr>
           <a:xfrm>
-            <a:off x="8472458" y="4663217"/>
+            <a:off x="8390734" y="4543668"/>
             <a:ext cx="548700" cy="393600"/>
           </a:xfrm>
           <a:prstGeom prst="rect">
@@ -2204,9 +4481,16 @@
 <file path=ppt/slideLayouts/slideLayout4.xml><?xml version="1.0" encoding="utf-8"?>
 <p:sldLayout xmlns:a="http://schemas.openxmlformats.org/drawingml/2006/main" xmlns:r="http://schemas.openxmlformats.org/officeDocument/2006/relationships" xmlns:mc="http://schemas.openxmlformats.org/markup-compatibility/2006" xmlns:mv="urn:schemas-microsoft-com:mac:vml" xmlns:p="http://schemas.openxmlformats.org/presentationml/2006/main" xmlns:c="http://schemas.openxmlformats.org/drawingml/2006/chart" xmlns:dgm="http://schemas.openxmlformats.org/drawingml/2006/diagram" xmlns:o="urn:schemas-microsoft-com:office:office" xmlns:v="urn:schemas-microsoft-com:vml" xmlns:pvml="urn:schemas-microsoft-com:office:powerpoint" xmlns:com="http://schemas.openxmlformats.org/drawingml/2006/compatibility" xmlns:p14="http://schemas.microsoft.com/office/powerpoint/2010/main" xmlns:p15="http://schemas.microsoft.com/office/powerpoint/2012/main" xmlns:ahyp="http://schemas.microsoft.com/office/drawing/2018/hyperlinkcolor" matchingName="Title and two columns" type="twoColTx">
   <p:cSld name="TITLE_AND_TWO_COLUMNS">
+    <p:bg>
+      <p:bgPr>
+        <a:solidFill>
+          <a:schemeClr val="dk2"/>
+        </a:solidFill>
+      </p:bgPr>
+    </p:bg>
     <p:spTree>
       <p:nvGrpSpPr>
-        <p:cNvPr id="20" name="Shape 20"/>
+        <p:cNvPr id="56" name="Shape 56"/>
         <p:cNvGrpSpPr/>
         <p:nvPr/>
       </p:nvGrpSpPr>
@@ -2220,7 +4504,143 @@
       </p:grpSpPr>
       <p:sp>
         <p:nvSpPr>
-          <p:cNvPr id="21" name="Google Shape;21;p5"/>
+          <p:cNvPr id="57" name="Google Shape;57;p5"/>
+          <p:cNvSpPr/>
+          <p:nvPr/>
+        </p:nvSpPr>
+        <p:spPr>
+          <a:xfrm flipH="1">
+            <a:off x="3582600" y="1550700"/>
+            <a:ext cx="5561400" cy="3592800"/>
+          </a:xfrm>
+          <a:prstGeom prst="rtTriangle">
+            <a:avLst/>
+          </a:prstGeom>
+          <a:solidFill>
+            <a:schemeClr val="lt2"/>
+          </a:solidFill>
+          <a:ln>
+            <a:noFill/>
+          </a:ln>
+        </p:spPr>
+        <p:txBody>
+          <a:bodyPr anchorCtr="0" anchor="ctr" bIns="91425" lIns="91425" spcFirstLastPara="1" rIns="91425" wrap="square" tIns="91425">
+            <a:noAutofit/>
+          </a:bodyPr>
+          <a:lstStyle/>
+          <a:p>
+            <a:pPr indent="0" lvl="0" marL="0" rtl="0" algn="l">
+              <a:spcBef>
+                <a:spcPts val="0"/>
+              </a:spcBef>
+              <a:spcAft>
+                <a:spcPts val="0"/>
+              </a:spcAft>
+              <a:buNone/>
+            </a:pPr>
+            <a:r>
+              <a:t/>
+            </a:r>
+            <a:endParaRPr/>
+          </a:p>
+        </p:txBody>
+      </p:sp>
+      <p:sp>
+        <p:nvSpPr>
+          <p:cNvPr id="58" name="Google Shape;58;p5"/>
+          <p:cNvSpPr/>
+          <p:nvPr/>
+        </p:nvSpPr>
+        <p:spPr>
+          <a:xfrm>
+            <a:off x="31" y="2824500"/>
+            <a:ext cx="7370400" cy="2319000"/>
+          </a:xfrm>
+          <a:prstGeom prst="rtTriangle">
+            <a:avLst/>
+          </a:prstGeom>
+          <a:solidFill>
+            <a:schemeClr val="accent3"/>
+          </a:solidFill>
+          <a:ln>
+            <a:noFill/>
+          </a:ln>
+        </p:spPr>
+        <p:txBody>
+          <a:bodyPr anchorCtr="0" anchor="ctr" bIns="91425" lIns="91425" spcFirstLastPara="1" rIns="91425" wrap="square" tIns="91425">
+            <a:noAutofit/>
+          </a:bodyPr>
+          <a:lstStyle/>
+          <a:p>
+            <a:pPr indent="0" lvl="0" marL="0" rtl="0" algn="l">
+              <a:spcBef>
+                <a:spcPts val="0"/>
+              </a:spcBef>
+              <a:spcAft>
+                <a:spcPts val="0"/>
+              </a:spcAft>
+              <a:buNone/>
+            </a:pPr>
+            <a:r>
+              <a:t/>
+            </a:r>
+            <a:endParaRPr/>
+          </a:p>
+        </p:txBody>
+      </p:sp>
+      <p:sp>
+        <p:nvSpPr>
+          <p:cNvPr id="59" name="Google Shape;59;p5"/>
+          <p:cNvSpPr/>
+          <p:nvPr/>
+        </p:nvSpPr>
+        <p:spPr>
+          <a:xfrm>
+            <a:off x="203225" y="206250"/>
+            <a:ext cx="8737500" cy="4731000"/>
+          </a:xfrm>
+          <a:prstGeom prst="rect">
+            <a:avLst/>
+          </a:prstGeom>
+          <a:solidFill>
+            <a:schemeClr val="dk1"/>
+          </a:solidFill>
+          <a:ln>
+            <a:noFill/>
+          </a:ln>
+          <a:effectLst>
+            <a:outerShdw blurRad="228600" sx="101000" rotWithShape="0" algn="ctr" sy="101000">
+              <a:srgbClr val="000000">
+                <a:alpha val="40000"/>
+              </a:srgbClr>
+            </a:outerShdw>
+          </a:effectLst>
+        </p:spPr>
+        <p:txBody>
+          <a:bodyPr anchorCtr="0" anchor="ctr" bIns="91425" lIns="91425" spcFirstLastPara="1" rIns="91425" wrap="square" tIns="91425">
+            <a:noAutofit/>
+          </a:bodyPr>
+          <a:lstStyle/>
+          <a:p>
+            <a:pPr indent="0" lvl="0" marL="0" rtl="0" algn="l">
+              <a:spcBef>
+                <a:spcPts val="0"/>
+              </a:spcBef>
+              <a:spcAft>
+                <a:spcPts val="0"/>
+              </a:spcAft>
+              <a:buNone/>
+            </a:pPr>
+            <a:r>
+              <a:t/>
+            </a:r>
+            <a:endParaRPr/>
+          </a:p>
+        </p:txBody>
+      </p:sp>
+      <p:sp>
+        <p:nvSpPr>
+          <p:cNvPr id="60" name="Google Shape;60;p5"/>
           <p:cNvSpPr txBox="1"/>
           <p:nvPr>
             <p:ph type="title"/>
@@ -2228,8 +4648,8 @@
         </p:nvSpPr>
         <p:spPr>
           <a:xfrm>
-            <a:off x="311700" y="445025"/>
-            <a:ext cx="8520600" cy="572700"/>
+            <a:off x="819150" y="845600"/>
+            <a:ext cx="7505700" cy="954600"/>
           </a:xfrm>
           <a:prstGeom prst="rect">
             <a:avLst/>
@@ -2247,9 +4667,9 @@
               <a:spcAft>
                 <a:spcPts val="0"/>
               </a:spcAft>
-              <a:buSzPts val="2800"/>
-              <a:buNone/>
-              <a:defRPr/>
+              <a:buSzPts val="3000"/>
+              <a:buNone/>
+              <a:defRPr sz="3000"/>
             </a:lvl1pPr>
             <a:lvl2pPr lvl="1">
               <a:spcBef>
@@ -2258,9 +4678,9 @@
               <a:spcAft>
                 <a:spcPts val="0"/>
               </a:spcAft>
-              <a:buSzPts val="2800"/>
-              <a:buNone/>
-              <a:defRPr/>
+              <a:buSzPts val="3000"/>
+              <a:buNone/>
+              <a:defRPr sz="3000"/>
             </a:lvl2pPr>
             <a:lvl3pPr lvl="2">
               <a:spcBef>
@@ -2269,9 +4689,9 @@
               <a:spcAft>
                 <a:spcPts val="0"/>
               </a:spcAft>
-              <a:buSzPts val="2800"/>
-              <a:buNone/>
-              <a:defRPr/>
+              <a:buSzPts val="3000"/>
+              <a:buNone/>
+              <a:defRPr sz="3000"/>
             </a:lvl3pPr>
             <a:lvl4pPr lvl="3">
               <a:spcBef>
@@ -2280,9 +4700,9 @@
               <a:spcAft>
                 <a:spcPts val="0"/>
               </a:spcAft>
-              <a:buSzPts val="2800"/>
-              <a:buNone/>
-              <a:defRPr/>
+              <a:buSzPts val="3000"/>
+              <a:buNone/>
+              <a:defRPr sz="3000"/>
             </a:lvl4pPr>
             <a:lvl5pPr lvl="4">
               <a:spcBef>
@@ -2291,9 +4711,9 @@
               <a:spcAft>
                 <a:spcPts val="0"/>
               </a:spcAft>
-              <a:buSzPts val="2800"/>
-              <a:buNone/>
-              <a:defRPr/>
+              <a:buSzPts val="3000"/>
+              <a:buNone/>
+              <a:defRPr sz="3000"/>
             </a:lvl5pPr>
             <a:lvl6pPr lvl="5">
               <a:spcBef>
@@ -2302,9 +4722,9 @@
               <a:spcAft>
                 <a:spcPts val="0"/>
               </a:spcAft>
-              <a:buSzPts val="2800"/>
-              <a:buNone/>
-              <a:defRPr/>
+              <a:buSzPts val="3000"/>
+              <a:buNone/>
+              <a:defRPr sz="3000"/>
             </a:lvl6pPr>
             <a:lvl7pPr lvl="6">
               <a:spcBef>
@@ -2313,9 +4733,9 @@
               <a:spcAft>
                 <a:spcPts val="0"/>
               </a:spcAft>
-              <a:buSzPts val="2800"/>
-              <a:buNone/>
-              <a:defRPr/>
+              <a:buSzPts val="3000"/>
+              <a:buNone/>
+              <a:defRPr sz="3000"/>
             </a:lvl7pPr>
             <a:lvl8pPr lvl="7">
               <a:spcBef>
@@ -2324,9 +4744,9 @@
               <a:spcAft>
                 <a:spcPts val="0"/>
               </a:spcAft>
-              <a:buSzPts val="2800"/>
-              <a:buNone/>
-              <a:defRPr/>
+              <a:buSzPts val="3000"/>
+              <a:buNone/>
+              <a:defRPr sz="3000"/>
             </a:lvl8pPr>
             <a:lvl9pPr lvl="8">
               <a:spcBef>
@@ -2335,9 +4755,9 @@
               <a:spcAft>
                 <a:spcPts val="0"/>
               </a:spcAft>
-              <a:buSzPts val="2800"/>
-              <a:buNone/>
-              <a:defRPr/>
+              <a:buSzPts val="3000"/>
+              <a:buNone/>
+              <a:defRPr sz="3000"/>
             </a:lvl9pPr>
           </a:lstStyle>
           <a:p/>
@@ -2345,7 +4765,7 @@
       </p:sp>
       <p:sp>
         <p:nvSpPr>
-          <p:cNvPr id="22" name="Google Shape;22;p5"/>
+          <p:cNvPr id="61" name="Google Shape;61;p5"/>
           <p:cNvSpPr txBox="1"/>
           <p:nvPr>
             <p:ph idx="1" type="body"/>
@@ -2353,8 +4773,8 @@
         </p:nvSpPr>
         <p:spPr>
           <a:xfrm>
-            <a:off x="311700" y="1152475"/>
-            <a:ext cx="3999900" cy="3416400"/>
+            <a:off x="819150" y="1990725"/>
+            <a:ext cx="3686100" cy="2448000"/>
           </a:xfrm>
           <a:prstGeom prst="rect">
             <a:avLst/>
@@ -2365,104 +4785,104 @@
             <a:noAutofit/>
           </a:bodyPr>
           <a:lstStyle>
-            <a:lvl1pPr indent="-317500" lvl="0" marL="457200">
-              <a:spcBef>
-                <a:spcPts val="0"/>
-              </a:spcBef>
-              <a:spcAft>
-                <a:spcPts val="0"/>
-              </a:spcAft>
-              <a:buSzPts val="1400"/>
+            <a:lvl1pPr indent="-311150" lvl="0" marL="457200">
+              <a:spcBef>
+                <a:spcPts val="0"/>
+              </a:spcBef>
+              <a:spcAft>
+                <a:spcPts val="0"/>
+              </a:spcAft>
+              <a:buSzPts val="1300"/>
               <a:buChar char="●"/>
-              <a:defRPr sz="1400"/>
+              <a:defRPr/>
             </a:lvl1pPr>
-            <a:lvl2pPr indent="-304800" lvl="1" marL="914400">
+            <a:lvl2pPr indent="-298450" lvl="1" marL="914400">
               <a:spcBef>
                 <a:spcPts val="1600"/>
               </a:spcBef>
               <a:spcAft>
                 <a:spcPts val="0"/>
               </a:spcAft>
-              <a:buSzPts val="1200"/>
+              <a:buSzPts val="1100"/>
               <a:buChar char="○"/>
-              <a:defRPr sz="1200"/>
+              <a:defRPr/>
             </a:lvl2pPr>
-            <a:lvl3pPr indent="-304800" lvl="2" marL="1371600">
+            <a:lvl3pPr indent="-298450" lvl="2" marL="1371600">
               <a:spcBef>
                 <a:spcPts val="1600"/>
               </a:spcBef>
               <a:spcAft>
                 <a:spcPts val="0"/>
               </a:spcAft>
-              <a:buSzPts val="1200"/>
+              <a:buSzPts val="1100"/>
               <a:buChar char="■"/>
-              <a:defRPr sz="1200"/>
+              <a:defRPr/>
             </a:lvl3pPr>
-            <a:lvl4pPr indent="-304800" lvl="3" marL="1828800">
+            <a:lvl4pPr indent="-298450" lvl="3" marL="1828800">
               <a:spcBef>
                 <a:spcPts val="1600"/>
               </a:spcBef>
               <a:spcAft>
                 <a:spcPts val="0"/>
               </a:spcAft>
-              <a:buSzPts val="1200"/>
+              <a:buSzPts val="1100"/>
               <a:buChar char="●"/>
-              <a:defRPr sz="1200"/>
+              <a:defRPr/>
             </a:lvl4pPr>
-            <a:lvl5pPr indent="-304800" lvl="4" marL="2286000">
+            <a:lvl5pPr indent="-298450" lvl="4" marL="2286000">
               <a:spcBef>
                 <a:spcPts val="1600"/>
               </a:spcBef>
               <a:spcAft>
                 <a:spcPts val="0"/>
               </a:spcAft>
-              <a:buSzPts val="1200"/>
+              <a:buSzPts val="1100"/>
               <a:buChar char="○"/>
-              <a:defRPr sz="1200"/>
+              <a:defRPr/>
             </a:lvl5pPr>
-            <a:lvl6pPr indent="-304800" lvl="5" marL="2743200">
+            <a:lvl6pPr indent="-298450" lvl="5" marL="2743200">
               <a:spcBef>
                 <a:spcPts val="1600"/>
               </a:spcBef>
               <a:spcAft>
                 <a:spcPts val="0"/>
               </a:spcAft>
-              <a:buSzPts val="1200"/>
+              <a:buSzPts val="1100"/>
               <a:buChar char="■"/>
-              <a:defRPr sz="1200"/>
+              <a:defRPr/>
             </a:lvl6pPr>
-            <a:lvl7pPr indent="-304800" lvl="6" marL="3200400">
+            <a:lvl7pPr indent="-298450" lvl="6" marL="3200400">
               <a:spcBef>
                 <a:spcPts val="1600"/>
               </a:spcBef>
               <a:spcAft>
                 <a:spcPts val="0"/>
               </a:spcAft>
-              <a:buSzPts val="1200"/>
+              <a:buSzPts val="1100"/>
               <a:buChar char="●"/>
-              <a:defRPr sz="1200"/>
+              <a:defRPr/>
             </a:lvl7pPr>
-            <a:lvl8pPr indent="-304800" lvl="7" marL="3657600">
+            <a:lvl8pPr indent="-298450" lvl="7" marL="3657600">
               <a:spcBef>
                 <a:spcPts val="1600"/>
               </a:spcBef>
               <a:spcAft>
                 <a:spcPts val="0"/>
               </a:spcAft>
-              <a:buSzPts val="1200"/>
+              <a:buSzPts val="1100"/>
               <a:buChar char="○"/>
-              <a:defRPr sz="1200"/>
+              <a:defRPr/>
             </a:lvl8pPr>
-            <a:lvl9pPr indent="-304800" lvl="8" marL="4114800">
+            <a:lvl9pPr indent="-298450" lvl="8" marL="4114800">
               <a:spcBef>
                 <a:spcPts val="1600"/>
               </a:spcBef>
               <a:spcAft>
                 <a:spcPts val="1600"/>
               </a:spcAft>
-              <a:buSzPts val="1200"/>
+              <a:buSzPts val="1100"/>
               <a:buChar char="■"/>
-              <a:defRPr sz="1200"/>
+              <a:defRPr/>
             </a:lvl9pPr>
           </a:lstStyle>
           <a:p/>
@@ -2470,7 +4890,7 @@
       </p:sp>
       <p:sp>
         <p:nvSpPr>
-          <p:cNvPr id="23" name="Google Shape;23;p5"/>
+          <p:cNvPr id="62" name="Google Shape;62;p5"/>
           <p:cNvSpPr txBox="1"/>
           <p:nvPr>
             <p:ph idx="2" type="body"/>
@@ -2478,8 +4898,8 @@
         </p:nvSpPr>
         <p:spPr>
           <a:xfrm>
-            <a:off x="4832400" y="1152475"/>
-            <a:ext cx="3999900" cy="3416400"/>
+            <a:off x="4638675" y="1990725"/>
+            <a:ext cx="3686100" cy="2448000"/>
           </a:xfrm>
           <a:prstGeom prst="rect">
             <a:avLst/>
@@ -2490,104 +4910,104 @@
             <a:noAutofit/>
           </a:bodyPr>
           <a:lstStyle>
-            <a:lvl1pPr indent="-317500" lvl="0" marL="457200">
-              <a:spcBef>
-                <a:spcPts val="0"/>
-              </a:spcBef>
-              <a:spcAft>
-                <a:spcPts val="0"/>
-              </a:spcAft>
-              <a:buSzPts val="1400"/>
+            <a:lvl1pPr indent="-311150" lvl="0" marL="457200">
+              <a:spcBef>
+                <a:spcPts val="0"/>
+              </a:spcBef>
+              <a:spcAft>
+                <a:spcPts val="0"/>
+              </a:spcAft>
+              <a:buSzPts val="1300"/>
               <a:buChar char="●"/>
-              <a:defRPr sz="1400"/>
+              <a:defRPr/>
             </a:lvl1pPr>
-            <a:lvl2pPr indent="-304800" lvl="1" marL="914400">
+            <a:lvl2pPr indent="-298450" lvl="1" marL="914400">
               <a:spcBef>
                 <a:spcPts val="1600"/>
               </a:spcBef>
               <a:spcAft>
                 <a:spcPts val="0"/>
               </a:spcAft>
-              <a:buSzPts val="1200"/>
+              <a:buSzPts val="1100"/>
               <a:buChar char="○"/>
-              <a:defRPr sz="1200"/>
+              <a:defRPr/>
             </a:lvl2pPr>
-            <a:lvl3pPr indent="-304800" lvl="2" marL="1371600">
+            <a:lvl3pPr indent="-298450" lvl="2" marL="1371600">
               <a:spcBef>
                 <a:spcPts val="1600"/>
               </a:spcBef>
               <a:spcAft>
                 <a:spcPts val="0"/>
               </a:spcAft>
-              <a:buSzPts val="1200"/>
+              <a:buSzPts val="1100"/>
               <a:buChar char="■"/>
-              <a:defRPr sz="1200"/>
+              <a:defRPr/>
             </a:lvl3pPr>
-            <a:lvl4pPr indent="-304800" lvl="3" marL="1828800">
+            <a:lvl4pPr indent="-298450" lvl="3" marL="1828800">
               <a:spcBef>
                 <a:spcPts val="1600"/>
               </a:spcBef>
               <a:spcAft>
                 <a:spcPts val="0"/>
               </a:spcAft>
-              <a:buSzPts val="1200"/>
+              <a:buSzPts val="1100"/>
               <a:buChar char="●"/>
-              <a:defRPr sz="1200"/>
+              <a:defRPr/>
             </a:lvl4pPr>
-            <a:lvl5pPr indent="-304800" lvl="4" marL="2286000">
+            <a:lvl5pPr indent="-298450" lvl="4" marL="2286000">
               <a:spcBef>
                 <a:spcPts val="1600"/>
               </a:spcBef>
               <a:spcAft>
                 <a:spcPts val="0"/>
               </a:spcAft>
-              <a:buSzPts val="1200"/>
+              <a:buSzPts val="1100"/>
               <a:buChar char="○"/>
-              <a:defRPr sz="1200"/>
+              <a:defRPr/>
             </a:lvl5pPr>
-            <a:lvl6pPr indent="-304800" lvl="5" marL="2743200">
+            <a:lvl6pPr indent="-298450" lvl="5" marL="2743200">
               <a:spcBef>
                 <a:spcPts val="1600"/>
               </a:spcBef>
               <a:spcAft>
                 <a:spcPts val="0"/>
               </a:spcAft>
-              <a:buSzPts val="1200"/>
+              <a:buSzPts val="1100"/>
               <a:buChar char="■"/>
-              <a:defRPr sz="1200"/>
+              <a:defRPr/>
             </a:lvl6pPr>
-            <a:lvl7pPr indent="-304800" lvl="6" marL="3200400">
+            <a:lvl7pPr indent="-298450" lvl="6" marL="3200400">
               <a:spcBef>
                 <a:spcPts val="1600"/>
               </a:spcBef>
               <a:spcAft>
                 <a:spcPts val="0"/>
               </a:spcAft>
-              <a:buSzPts val="1200"/>
+              <a:buSzPts val="1100"/>
               <a:buChar char="●"/>
-              <a:defRPr sz="1200"/>
+              <a:defRPr/>
             </a:lvl7pPr>
-            <a:lvl8pPr indent="-304800" lvl="7" marL="3657600">
+            <a:lvl8pPr indent="-298450" lvl="7" marL="3657600">
               <a:spcBef>
                 <a:spcPts val="1600"/>
               </a:spcBef>
               <a:spcAft>
                 <a:spcPts val="0"/>
               </a:spcAft>
-              <a:buSzPts val="1200"/>
+              <a:buSzPts val="1100"/>
               <a:buChar char="○"/>
-              <a:defRPr sz="1200"/>
+              <a:defRPr/>
             </a:lvl8pPr>
-            <a:lvl9pPr indent="-304800" lvl="8" marL="4114800">
+            <a:lvl9pPr indent="-298450" lvl="8" marL="4114800">
               <a:spcBef>
                 <a:spcPts val="1600"/>
               </a:spcBef>
               <a:spcAft>
                 <a:spcPts val="1600"/>
               </a:spcAft>
-              <a:buSzPts val="1200"/>
+              <a:buSzPts val="1100"/>
               <a:buChar char="■"/>
-              <a:defRPr sz="1200"/>
+              <a:defRPr/>
             </a:lvl9pPr>
           </a:lstStyle>
           <a:p/>
@@ -2595,7 +5015,7 @@
       </p:sp>
       <p:sp>
         <p:nvSpPr>
-          <p:cNvPr id="24" name="Google Shape;24;p5"/>
+          <p:cNvPr id="63" name="Google Shape;63;p5"/>
           <p:cNvSpPr txBox="1"/>
           <p:nvPr>
             <p:ph idx="12" type="sldNum"/>
@@ -2603,7 +5023,7 @@
         </p:nvSpPr>
         <p:spPr>
           <a:xfrm>
-            <a:off x="8472458" y="4663217"/>
+            <a:off x="8390734" y="4543668"/>
             <a:ext cx="548700" cy="393600"/>
           </a:xfrm>
           <a:prstGeom prst="rect">
@@ -2681,9 +5101,16 @@
 <file path=ppt/slideLayouts/slideLayout5.xml><?xml version="1.0" encoding="utf-8"?>
 <p:sldLayout xmlns:a="http://schemas.openxmlformats.org/drawingml/2006/main" xmlns:r="http://schemas.openxmlformats.org/officeDocument/2006/relationships" xmlns:mc="http://schemas.openxmlformats.org/markup-compatibility/2006" xmlns:mv="urn:schemas-microsoft-com:mac:vml" xmlns:p="http://schemas.openxmlformats.org/presentationml/2006/main" xmlns:c="http://schemas.openxmlformats.org/drawingml/2006/chart" xmlns:dgm="http://schemas.openxmlformats.org/drawingml/2006/diagram" xmlns:o="urn:schemas-microsoft-com:office:office" xmlns:v="urn:schemas-microsoft-com:vml" xmlns:pvml="urn:schemas-microsoft-com:office:powerpoint" xmlns:com="http://schemas.openxmlformats.org/drawingml/2006/compatibility" xmlns:p14="http://schemas.microsoft.com/office/powerpoint/2010/main" xmlns:p15="http://schemas.microsoft.com/office/powerpoint/2012/main" xmlns:ahyp="http://schemas.microsoft.com/office/drawing/2018/hyperlinkcolor" matchingName="Title only" type="titleOnly">
   <p:cSld name="TITLE_ONLY">
+    <p:bg>
+      <p:bgPr>
+        <a:solidFill>
+          <a:schemeClr val="dk2"/>
+        </a:solidFill>
+      </p:bgPr>
+    </p:bg>
     <p:spTree>
       <p:nvGrpSpPr>
-        <p:cNvPr id="25" name="Shape 25"/>
+        <p:cNvPr id="64" name="Shape 64"/>
         <p:cNvGrpSpPr/>
         <p:nvPr/>
       </p:nvGrpSpPr>
@@ -2697,7 +5124,143 @@
       </p:grpSpPr>
       <p:sp>
         <p:nvSpPr>
-          <p:cNvPr id="26" name="Google Shape;26;p6"/>
+          <p:cNvPr id="65" name="Google Shape;65;p6"/>
+          <p:cNvSpPr/>
+          <p:nvPr/>
+        </p:nvSpPr>
+        <p:spPr>
+          <a:xfrm flipH="1">
+            <a:off x="3582600" y="1550700"/>
+            <a:ext cx="5561400" cy="3592800"/>
+          </a:xfrm>
+          <a:prstGeom prst="rtTriangle">
+            <a:avLst/>
+          </a:prstGeom>
+          <a:solidFill>
+            <a:schemeClr val="lt2"/>
+          </a:solidFill>
+          <a:ln>
+            <a:noFill/>
+          </a:ln>
+        </p:spPr>
+        <p:txBody>
+          <a:bodyPr anchorCtr="0" anchor="ctr" bIns="91425" lIns="91425" spcFirstLastPara="1" rIns="91425" wrap="square" tIns="91425">
+            <a:noAutofit/>
+          </a:bodyPr>
+          <a:lstStyle/>
+          <a:p>
+            <a:pPr indent="0" lvl="0" marL="0" rtl="0" algn="l">
+              <a:spcBef>
+                <a:spcPts val="0"/>
+              </a:spcBef>
+              <a:spcAft>
+                <a:spcPts val="0"/>
+              </a:spcAft>
+              <a:buNone/>
+            </a:pPr>
+            <a:r>
+              <a:t/>
+            </a:r>
+            <a:endParaRPr/>
+          </a:p>
+        </p:txBody>
+      </p:sp>
+      <p:sp>
+        <p:nvSpPr>
+          <p:cNvPr id="66" name="Google Shape;66;p6"/>
+          <p:cNvSpPr/>
+          <p:nvPr/>
+        </p:nvSpPr>
+        <p:spPr>
+          <a:xfrm>
+            <a:off x="31" y="2824500"/>
+            <a:ext cx="7370400" cy="2319000"/>
+          </a:xfrm>
+          <a:prstGeom prst="rtTriangle">
+            <a:avLst/>
+          </a:prstGeom>
+          <a:solidFill>
+            <a:schemeClr val="accent3"/>
+          </a:solidFill>
+          <a:ln>
+            <a:noFill/>
+          </a:ln>
+        </p:spPr>
+        <p:txBody>
+          <a:bodyPr anchorCtr="0" anchor="ctr" bIns="91425" lIns="91425" spcFirstLastPara="1" rIns="91425" wrap="square" tIns="91425">
+            <a:noAutofit/>
+          </a:bodyPr>
+          <a:lstStyle/>
+          <a:p>
+            <a:pPr indent="0" lvl="0" marL="0" rtl="0" algn="l">
+              <a:spcBef>
+                <a:spcPts val="0"/>
+              </a:spcBef>
+              <a:spcAft>
+                <a:spcPts val="0"/>
+              </a:spcAft>
+              <a:buNone/>
+            </a:pPr>
+            <a:r>
+              <a:t/>
+            </a:r>
+            <a:endParaRPr/>
+          </a:p>
+        </p:txBody>
+      </p:sp>
+      <p:sp>
+        <p:nvSpPr>
+          <p:cNvPr id="67" name="Google Shape;67;p6"/>
+          <p:cNvSpPr/>
+          <p:nvPr/>
+        </p:nvSpPr>
+        <p:spPr>
+          <a:xfrm>
+            <a:off x="203225" y="206250"/>
+            <a:ext cx="8737500" cy="4731000"/>
+          </a:xfrm>
+          <a:prstGeom prst="rect">
+            <a:avLst/>
+          </a:prstGeom>
+          <a:solidFill>
+            <a:schemeClr val="dk1"/>
+          </a:solidFill>
+          <a:ln>
+            <a:noFill/>
+          </a:ln>
+          <a:effectLst>
+            <a:outerShdw blurRad="228600" sx="101000" rotWithShape="0" algn="ctr" sy="101000">
+              <a:srgbClr val="000000">
+                <a:alpha val="40000"/>
+              </a:srgbClr>
+            </a:outerShdw>
+          </a:effectLst>
+        </p:spPr>
+        <p:txBody>
+          <a:bodyPr anchorCtr="0" anchor="ctr" bIns="91425" lIns="91425" spcFirstLastPara="1" rIns="91425" wrap="square" tIns="91425">
+            <a:noAutofit/>
+          </a:bodyPr>
+          <a:lstStyle/>
+          <a:p>
+            <a:pPr indent="0" lvl="0" marL="0" rtl="0" algn="l">
+              <a:spcBef>
+                <a:spcPts val="0"/>
+              </a:spcBef>
+              <a:spcAft>
+                <a:spcPts val="0"/>
+              </a:spcAft>
+              <a:buNone/>
+            </a:pPr>
+            <a:r>
+              <a:t/>
+            </a:r>
+            <a:endParaRPr/>
+          </a:p>
+        </p:txBody>
+      </p:sp>
+      <p:sp>
+        <p:nvSpPr>
+          <p:cNvPr id="68" name="Google Shape;68;p6"/>
           <p:cNvSpPr txBox="1"/>
           <p:nvPr>
             <p:ph type="title"/>
@@ -2705,8 +5268,8 @@
         </p:nvSpPr>
         <p:spPr>
           <a:xfrm>
-            <a:off x="311700" y="445025"/>
-            <a:ext cx="8520600" cy="572700"/>
+            <a:off x="819150" y="845600"/>
+            <a:ext cx="7505700" cy="954600"/>
           </a:xfrm>
           <a:prstGeom prst="rect">
             <a:avLst/>
@@ -2724,9 +5287,9 @@
               <a:spcAft>
                 <a:spcPts val="0"/>
               </a:spcAft>
-              <a:buSzPts val="2800"/>
-              <a:buNone/>
-              <a:defRPr/>
+              <a:buSzPts val="3000"/>
+              <a:buNone/>
+              <a:defRPr sz="3000"/>
             </a:lvl1pPr>
             <a:lvl2pPr lvl="1">
               <a:spcBef>
@@ -2735,9 +5298,9 @@
               <a:spcAft>
                 <a:spcPts val="0"/>
               </a:spcAft>
-              <a:buSzPts val="2800"/>
-              <a:buNone/>
-              <a:defRPr/>
+              <a:buSzPts val="3000"/>
+              <a:buNone/>
+              <a:defRPr sz="3000"/>
             </a:lvl2pPr>
             <a:lvl3pPr lvl="2">
               <a:spcBef>
@@ -2746,9 +5309,9 @@
               <a:spcAft>
                 <a:spcPts val="0"/>
               </a:spcAft>
-              <a:buSzPts val="2800"/>
-              <a:buNone/>
-              <a:defRPr/>
+              <a:buSzPts val="3000"/>
+              <a:buNone/>
+              <a:defRPr sz="3000"/>
             </a:lvl3pPr>
             <a:lvl4pPr lvl="3">
               <a:spcBef>
@@ -2757,9 +5320,9 @@
               <a:spcAft>
                 <a:spcPts val="0"/>
               </a:spcAft>
-              <a:buSzPts val="2800"/>
-              <a:buNone/>
-              <a:defRPr/>
+              <a:buSzPts val="3000"/>
+              <a:buNone/>
+              <a:defRPr sz="3000"/>
             </a:lvl4pPr>
             <a:lvl5pPr lvl="4">
               <a:spcBef>
@@ -2768,9 +5331,9 @@
               <a:spcAft>
                 <a:spcPts val="0"/>
               </a:spcAft>
-              <a:buSzPts val="2800"/>
-              <a:buNone/>
-              <a:defRPr/>
+              <a:buSzPts val="3000"/>
+              <a:buNone/>
+              <a:defRPr sz="3000"/>
             </a:lvl5pPr>
             <a:lvl6pPr lvl="5">
               <a:spcBef>
@@ -2779,9 +5342,9 @@
               <a:spcAft>
                 <a:spcPts val="0"/>
               </a:spcAft>
-              <a:buSzPts val="2800"/>
-              <a:buNone/>
-              <a:defRPr/>
+              <a:buSzPts val="3000"/>
+              <a:buNone/>
+              <a:defRPr sz="3000"/>
             </a:lvl6pPr>
             <a:lvl7pPr lvl="6">
               <a:spcBef>
@@ -2790,9 +5353,9 @@
               <a:spcAft>
                 <a:spcPts val="0"/>
               </a:spcAft>
-              <a:buSzPts val="2800"/>
-              <a:buNone/>
-              <a:defRPr/>
+              <a:buSzPts val="3000"/>
+              <a:buNone/>
+              <a:defRPr sz="3000"/>
             </a:lvl7pPr>
             <a:lvl8pPr lvl="7">
               <a:spcBef>
@@ -2801,9 +5364,9 @@
               <a:spcAft>
                 <a:spcPts val="0"/>
               </a:spcAft>
-              <a:buSzPts val="2800"/>
-              <a:buNone/>
-              <a:defRPr/>
+              <a:buSzPts val="3000"/>
+              <a:buNone/>
+              <a:defRPr sz="3000"/>
             </a:lvl8pPr>
             <a:lvl9pPr lvl="8">
               <a:spcBef>
@@ -2812,9 +5375,9 @@
               <a:spcAft>
                 <a:spcPts val="0"/>
               </a:spcAft>
-              <a:buSzPts val="2800"/>
-              <a:buNone/>
-              <a:defRPr/>
+              <a:buSzPts val="3000"/>
+              <a:buNone/>
+              <a:defRPr sz="3000"/>
             </a:lvl9pPr>
           </a:lstStyle>
           <a:p/>
@@ -2822,7 +5385,7 @@
       </p:sp>
       <p:sp>
         <p:nvSpPr>
-          <p:cNvPr id="27" name="Google Shape;27;p6"/>
+          <p:cNvPr id="69" name="Google Shape;69;p6"/>
           <p:cNvSpPr txBox="1"/>
           <p:nvPr>
             <p:ph idx="12" type="sldNum"/>
@@ -2830,7 +5393,7 @@
         </p:nvSpPr>
         <p:spPr>
           <a:xfrm>
-            <a:off x="8472458" y="4663217"/>
+            <a:off x="8390734" y="4543668"/>
             <a:ext cx="548700" cy="393600"/>
           </a:xfrm>
           <a:prstGeom prst="rect">
@@ -2908,9 +5471,16 @@
 <file path=ppt/slideLayouts/slideLayout6.xml><?xml version="1.0" encoding="utf-8"?>
 <p:sldLayout xmlns:a="http://schemas.openxmlformats.org/drawingml/2006/main" xmlns:r="http://schemas.openxmlformats.org/officeDocument/2006/relationships" xmlns:mc="http://schemas.openxmlformats.org/markup-compatibility/2006" xmlns:mv="urn:schemas-microsoft-com:mac:vml" xmlns:p="http://schemas.openxmlformats.org/presentationml/2006/main" xmlns:c="http://schemas.openxmlformats.org/drawingml/2006/chart" xmlns:dgm="http://schemas.openxmlformats.org/drawingml/2006/diagram" xmlns:o="urn:schemas-microsoft-com:office:office" xmlns:v="urn:schemas-microsoft-com:vml" xmlns:pvml="urn:schemas-microsoft-com:office:powerpoint" xmlns:com="http://schemas.openxmlformats.org/drawingml/2006/compatibility" xmlns:p14="http://schemas.microsoft.com/office/powerpoint/2010/main" xmlns:p15="http://schemas.microsoft.com/office/powerpoint/2012/main" xmlns:ahyp="http://schemas.microsoft.com/office/drawing/2018/hyperlinkcolor" matchingName="One column text">
   <p:cSld name="ONE_COLUMN_TEXT">
+    <p:bg>
+      <p:bgPr>
+        <a:solidFill>
+          <a:schemeClr val="accent3"/>
+        </a:solidFill>
+      </p:bgPr>
+    </p:bg>
     <p:spTree>
       <p:nvGrpSpPr>
-        <p:cNvPr id="28" name="Shape 28"/>
+        <p:cNvPr id="70" name="Shape 70"/>
         <p:cNvGrpSpPr/>
         <p:nvPr/>
       </p:nvGrpSpPr>
@@ -2924,7 +5494,143 @@
       </p:grpSpPr>
       <p:sp>
         <p:nvSpPr>
-          <p:cNvPr id="29" name="Google Shape;29;p7"/>
+          <p:cNvPr id="71" name="Google Shape;71;p7"/>
+          <p:cNvSpPr/>
+          <p:nvPr/>
+        </p:nvSpPr>
+        <p:spPr>
+          <a:xfrm flipH="1">
+            <a:off x="3582600" y="1550700"/>
+            <a:ext cx="5561400" cy="3592800"/>
+          </a:xfrm>
+          <a:prstGeom prst="rtTriangle">
+            <a:avLst/>
+          </a:prstGeom>
+          <a:solidFill>
+            <a:schemeClr val="lt2"/>
+          </a:solidFill>
+          <a:ln>
+            <a:noFill/>
+          </a:ln>
+        </p:spPr>
+        <p:txBody>
+          <a:bodyPr anchorCtr="0" anchor="ctr" bIns="91425" lIns="91425" spcFirstLastPara="1" rIns="91425" wrap="square" tIns="91425">
+            <a:noAutofit/>
+          </a:bodyPr>
+          <a:lstStyle/>
+          <a:p>
+            <a:pPr indent="0" lvl="0" marL="0" rtl="0" algn="l">
+              <a:spcBef>
+                <a:spcPts val="0"/>
+              </a:spcBef>
+              <a:spcAft>
+                <a:spcPts val="0"/>
+              </a:spcAft>
+              <a:buNone/>
+            </a:pPr>
+            <a:r>
+              <a:t/>
+            </a:r>
+            <a:endParaRPr/>
+          </a:p>
+        </p:txBody>
+      </p:sp>
+      <p:sp>
+        <p:nvSpPr>
+          <p:cNvPr id="72" name="Google Shape;72;p7"/>
+          <p:cNvSpPr/>
+          <p:nvPr/>
+        </p:nvSpPr>
+        <p:spPr>
+          <a:xfrm>
+            <a:off x="31" y="2824500"/>
+            <a:ext cx="7370400" cy="2319000"/>
+          </a:xfrm>
+          <a:prstGeom prst="rtTriangle">
+            <a:avLst/>
+          </a:prstGeom>
+          <a:solidFill>
+            <a:schemeClr val="dk2"/>
+          </a:solidFill>
+          <a:ln>
+            <a:noFill/>
+          </a:ln>
+        </p:spPr>
+        <p:txBody>
+          <a:bodyPr anchorCtr="0" anchor="ctr" bIns="91425" lIns="91425" spcFirstLastPara="1" rIns="91425" wrap="square" tIns="91425">
+            <a:noAutofit/>
+          </a:bodyPr>
+          <a:lstStyle/>
+          <a:p>
+            <a:pPr indent="0" lvl="0" marL="0" rtl="0" algn="l">
+              <a:spcBef>
+                <a:spcPts val="0"/>
+              </a:spcBef>
+              <a:spcAft>
+                <a:spcPts val="0"/>
+              </a:spcAft>
+              <a:buNone/>
+            </a:pPr>
+            <a:r>
+              <a:t/>
+            </a:r>
+            <a:endParaRPr/>
+          </a:p>
+        </p:txBody>
+      </p:sp>
+      <p:sp>
+        <p:nvSpPr>
+          <p:cNvPr id="73" name="Google Shape;73;p7"/>
+          <p:cNvSpPr/>
+          <p:nvPr/>
+        </p:nvSpPr>
+        <p:spPr>
+          <a:xfrm>
+            <a:off x="203225" y="206250"/>
+            <a:ext cx="8737500" cy="4731000"/>
+          </a:xfrm>
+          <a:prstGeom prst="rect">
+            <a:avLst/>
+          </a:prstGeom>
+          <a:solidFill>
+            <a:schemeClr val="dk1"/>
+          </a:solidFill>
+          <a:ln>
+            <a:noFill/>
+          </a:ln>
+          <a:effectLst>
+            <a:outerShdw blurRad="228600" sx="101000" rotWithShape="0" algn="ctr" sy="101000">
+              <a:srgbClr val="000000">
+                <a:alpha val="40000"/>
+              </a:srgbClr>
+            </a:outerShdw>
+          </a:effectLst>
+        </p:spPr>
+        <p:txBody>
+          <a:bodyPr anchorCtr="0" anchor="ctr" bIns="91425" lIns="91425" spcFirstLastPara="1" rIns="91425" wrap="square" tIns="91425">
+            <a:noAutofit/>
+          </a:bodyPr>
+          <a:lstStyle/>
+          <a:p>
+            <a:pPr indent="0" lvl="0" marL="0" rtl="0" algn="l">
+              <a:spcBef>
+                <a:spcPts val="0"/>
+              </a:spcBef>
+              <a:spcAft>
+                <a:spcPts val="0"/>
+              </a:spcAft>
+              <a:buNone/>
+            </a:pPr>
+            <a:r>
+              <a:t/>
+            </a:r>
+            <a:endParaRPr/>
+          </a:p>
+        </p:txBody>
+      </p:sp>
+      <p:sp>
+        <p:nvSpPr>
+          <p:cNvPr id="74" name="Google Shape;74;p7"/>
           <p:cNvSpPr txBox="1"/>
           <p:nvPr>
             <p:ph type="title"/>
@@ -2932,133 +5638,8 @@
         </p:nvSpPr>
         <p:spPr>
           <a:xfrm>
-            <a:off x="311700" y="555600"/>
-            <a:ext cx="2808000" cy="755700"/>
-          </a:xfrm>
-          <a:prstGeom prst="rect">
-            <a:avLst/>
-          </a:prstGeom>
-        </p:spPr>
-        <p:txBody>
-          <a:bodyPr anchorCtr="0" anchor="b" bIns="91425" lIns="91425" spcFirstLastPara="1" rIns="91425" wrap="square" tIns="91425">
-            <a:noAutofit/>
-          </a:bodyPr>
-          <a:lstStyle>
-            <a:lvl1pPr lvl="0">
-              <a:spcBef>
-                <a:spcPts val="0"/>
-              </a:spcBef>
-              <a:spcAft>
-                <a:spcPts val="0"/>
-              </a:spcAft>
-              <a:buSzPts val="2400"/>
-              <a:buNone/>
-              <a:defRPr sz="2400"/>
-            </a:lvl1pPr>
-            <a:lvl2pPr lvl="1">
-              <a:spcBef>
-                <a:spcPts val="0"/>
-              </a:spcBef>
-              <a:spcAft>
-                <a:spcPts val="0"/>
-              </a:spcAft>
-              <a:buSzPts val="2400"/>
-              <a:buNone/>
-              <a:defRPr sz="2400"/>
-            </a:lvl2pPr>
-            <a:lvl3pPr lvl="2">
-              <a:spcBef>
-                <a:spcPts val="0"/>
-              </a:spcBef>
-              <a:spcAft>
-                <a:spcPts val="0"/>
-              </a:spcAft>
-              <a:buSzPts val="2400"/>
-              <a:buNone/>
-              <a:defRPr sz="2400"/>
-            </a:lvl3pPr>
-            <a:lvl4pPr lvl="3">
-              <a:spcBef>
-                <a:spcPts val="0"/>
-              </a:spcBef>
-              <a:spcAft>
-                <a:spcPts val="0"/>
-              </a:spcAft>
-              <a:buSzPts val="2400"/>
-              <a:buNone/>
-              <a:defRPr sz="2400"/>
-            </a:lvl4pPr>
-            <a:lvl5pPr lvl="4">
-              <a:spcBef>
-                <a:spcPts val="0"/>
-              </a:spcBef>
-              <a:spcAft>
-                <a:spcPts val="0"/>
-              </a:spcAft>
-              <a:buSzPts val="2400"/>
-              <a:buNone/>
-              <a:defRPr sz="2400"/>
-            </a:lvl5pPr>
-            <a:lvl6pPr lvl="5">
-              <a:spcBef>
-                <a:spcPts val="0"/>
-              </a:spcBef>
-              <a:spcAft>
-                <a:spcPts val="0"/>
-              </a:spcAft>
-              <a:buSzPts val="2400"/>
-              <a:buNone/>
-              <a:defRPr sz="2400"/>
-            </a:lvl6pPr>
-            <a:lvl7pPr lvl="6">
-              <a:spcBef>
-                <a:spcPts val="0"/>
-              </a:spcBef>
-              <a:spcAft>
-                <a:spcPts val="0"/>
-              </a:spcAft>
-              <a:buSzPts val="2400"/>
-              <a:buNone/>
-              <a:defRPr sz="2400"/>
-            </a:lvl7pPr>
-            <a:lvl8pPr lvl="7">
-              <a:spcBef>
-                <a:spcPts val="0"/>
-              </a:spcBef>
-              <a:spcAft>
-                <a:spcPts val="0"/>
-              </a:spcAft>
-              <a:buSzPts val="2400"/>
-              <a:buNone/>
-              <a:defRPr sz="2400"/>
-            </a:lvl8pPr>
-            <a:lvl9pPr lvl="8">
-              <a:spcBef>
-                <a:spcPts val="0"/>
-              </a:spcBef>
-              <a:spcAft>
-                <a:spcPts val="0"/>
-              </a:spcAft>
-              <a:buSzPts val="2400"/>
-              <a:buNone/>
-              <a:defRPr sz="2400"/>
-            </a:lvl9pPr>
-          </a:lstStyle>
-          <a:p/>
-        </p:txBody>
-      </p:sp>
-      <p:sp>
-        <p:nvSpPr>
-          <p:cNvPr id="30" name="Google Shape;30;p7"/>
-          <p:cNvSpPr txBox="1"/>
-          <p:nvPr>
-            <p:ph idx="1" type="body"/>
-          </p:nvPr>
-        </p:nvSpPr>
-        <p:spPr>
-          <a:xfrm>
-            <a:off x="311700" y="1389600"/>
-            <a:ext cx="2808000" cy="3179400"/>
+            <a:off x="819150" y="845600"/>
+            <a:ext cx="3709200" cy="1383000"/>
           </a:xfrm>
           <a:prstGeom prst="rect">
             <a:avLst/>
@@ -3069,104 +5650,104 @@
             <a:noAutofit/>
           </a:bodyPr>
           <a:lstStyle>
-            <a:lvl1pPr indent="-304800" lvl="0" marL="457200">
-              <a:spcBef>
-                <a:spcPts val="0"/>
-              </a:spcBef>
-              <a:spcAft>
-                <a:spcPts val="0"/>
-              </a:spcAft>
-              <a:buSzPts val="1200"/>
-              <a:buChar char="●"/>
-              <a:defRPr sz="1200"/>
+            <a:lvl1pPr lvl="0">
+              <a:spcBef>
+                <a:spcPts val="0"/>
+              </a:spcBef>
+              <a:spcAft>
+                <a:spcPts val="0"/>
+              </a:spcAft>
+              <a:buSzPts val="3000"/>
+              <a:buNone/>
+              <a:defRPr sz="3000"/>
             </a:lvl1pPr>
-            <a:lvl2pPr indent="-304800" lvl="1" marL="914400">
-              <a:spcBef>
-                <a:spcPts val="1600"/>
-              </a:spcBef>
-              <a:spcAft>
-                <a:spcPts val="0"/>
-              </a:spcAft>
-              <a:buSzPts val="1200"/>
-              <a:buChar char="○"/>
-              <a:defRPr sz="1200"/>
+            <a:lvl2pPr lvl="1">
+              <a:spcBef>
+                <a:spcPts val="0"/>
+              </a:spcBef>
+              <a:spcAft>
+                <a:spcPts val="0"/>
+              </a:spcAft>
+              <a:buSzPts val="3000"/>
+              <a:buNone/>
+              <a:defRPr sz="3000"/>
             </a:lvl2pPr>
-            <a:lvl3pPr indent="-304800" lvl="2" marL="1371600">
-              <a:spcBef>
-                <a:spcPts val="1600"/>
-              </a:spcBef>
-              <a:spcAft>
-                <a:spcPts val="0"/>
-              </a:spcAft>
-              <a:buSzPts val="1200"/>
-              <a:buChar char="■"/>
-              <a:defRPr sz="1200"/>
+            <a:lvl3pPr lvl="2">
+              <a:spcBef>
+                <a:spcPts val="0"/>
+              </a:spcBef>
+              <a:spcAft>
+                <a:spcPts val="0"/>
+              </a:spcAft>
+              <a:buSzPts val="3000"/>
+              <a:buNone/>
+              <a:defRPr sz="3000"/>
             </a:lvl3pPr>
-            <a:lvl4pPr indent="-304800" lvl="3" marL="1828800">
-              <a:spcBef>
-                <a:spcPts val="1600"/>
-              </a:spcBef>
-              <a:spcAft>
-                <a:spcPts val="0"/>
-              </a:spcAft>
-              <a:buSzPts val="1200"/>
-              <a:buChar char="●"/>
-              <a:defRPr sz="1200"/>
+            <a:lvl4pPr lvl="3">
+              <a:spcBef>
+                <a:spcPts val="0"/>
+              </a:spcBef>
+              <a:spcAft>
+                <a:spcPts val="0"/>
+              </a:spcAft>
+              <a:buSzPts val="3000"/>
+              <a:buNone/>
+              <a:defRPr sz="3000"/>
             </a:lvl4pPr>
-            <a:lvl5pPr indent="-304800" lvl="4" marL="2286000">
-              <a:spcBef>
-                <a:spcPts val="1600"/>
-              </a:spcBef>
-              <a:spcAft>
-                <a:spcPts val="0"/>
-              </a:spcAft>
-              <a:buSzPts val="1200"/>
-              <a:buChar char="○"/>
-              <a:defRPr sz="1200"/>
+            <a:lvl5pPr lvl="4">
+              <a:spcBef>
+                <a:spcPts val="0"/>
+              </a:spcBef>
+              <a:spcAft>
+                <a:spcPts val="0"/>
+              </a:spcAft>
+              <a:buSzPts val="3000"/>
+              <a:buNone/>
+              <a:defRPr sz="3000"/>
             </a:lvl5pPr>
-            <a:lvl6pPr indent="-304800" lvl="5" marL="2743200">
-              <a:spcBef>
-                <a:spcPts val="1600"/>
-              </a:spcBef>
-              <a:spcAft>
-                <a:spcPts val="0"/>
-              </a:spcAft>
-              <a:buSzPts val="1200"/>
-              <a:buChar char="■"/>
-              <a:defRPr sz="1200"/>
+            <a:lvl6pPr lvl="5">
+              <a:spcBef>
+                <a:spcPts val="0"/>
+              </a:spcBef>
+              <a:spcAft>
+                <a:spcPts val="0"/>
+              </a:spcAft>
+              <a:buSzPts val="3000"/>
+              <a:buNone/>
+              <a:defRPr sz="3000"/>
             </a:lvl6pPr>
-            <a:lvl7pPr indent="-304800" lvl="6" marL="3200400">
-              <a:spcBef>
-                <a:spcPts val="1600"/>
-              </a:spcBef>
-              <a:spcAft>
-                <a:spcPts val="0"/>
-              </a:spcAft>
-              <a:buSzPts val="1200"/>
-              <a:buChar char="●"/>
-              <a:defRPr sz="1200"/>
+            <a:lvl7pPr lvl="6">
+              <a:spcBef>
+                <a:spcPts val="0"/>
+              </a:spcBef>
+              <a:spcAft>
+                <a:spcPts val="0"/>
+              </a:spcAft>
+              <a:buSzPts val="3000"/>
+              <a:buNone/>
+              <a:defRPr sz="3000"/>
             </a:lvl7pPr>
-            <a:lvl8pPr indent="-304800" lvl="7" marL="3657600">
-              <a:spcBef>
-                <a:spcPts val="1600"/>
-              </a:spcBef>
-              <a:spcAft>
-                <a:spcPts val="0"/>
-              </a:spcAft>
-              <a:buSzPts val="1200"/>
-              <a:buChar char="○"/>
-              <a:defRPr sz="1200"/>
+            <a:lvl8pPr lvl="7">
+              <a:spcBef>
+                <a:spcPts val="0"/>
+              </a:spcBef>
+              <a:spcAft>
+                <a:spcPts val="0"/>
+              </a:spcAft>
+              <a:buSzPts val="3000"/>
+              <a:buNone/>
+              <a:defRPr sz="3000"/>
             </a:lvl8pPr>
-            <a:lvl9pPr indent="-304800" lvl="8" marL="4114800">
-              <a:spcBef>
-                <a:spcPts val="1600"/>
-              </a:spcBef>
-              <a:spcAft>
-                <a:spcPts val="1600"/>
-              </a:spcAft>
-              <a:buSzPts val="1200"/>
-              <a:buChar char="■"/>
-              <a:defRPr sz="1200"/>
+            <a:lvl9pPr lvl="8">
+              <a:spcBef>
+                <a:spcPts val="0"/>
+              </a:spcBef>
+              <a:spcAft>
+                <a:spcPts val="0"/>
+              </a:spcAft>
+              <a:buSzPts val="3000"/>
+              <a:buNone/>
+              <a:defRPr sz="3000"/>
             </a:lvl9pPr>
           </a:lstStyle>
           <a:p/>
@@ -3174,7 +5755,132 @@
       </p:sp>
       <p:sp>
         <p:nvSpPr>
-          <p:cNvPr id="31" name="Google Shape;31;p7"/>
+          <p:cNvPr id="75" name="Google Shape;75;p7"/>
+          <p:cNvSpPr txBox="1"/>
+          <p:nvPr>
+            <p:ph idx="1" type="body"/>
+          </p:nvPr>
+        </p:nvSpPr>
+        <p:spPr>
+          <a:xfrm>
+            <a:off x="830700" y="2319050"/>
+            <a:ext cx="3709200" cy="2119800"/>
+          </a:xfrm>
+          <a:prstGeom prst="rect">
+            <a:avLst/>
+          </a:prstGeom>
+        </p:spPr>
+        <p:txBody>
+          <a:bodyPr anchorCtr="0" anchor="t" bIns="91425" lIns="91425" spcFirstLastPara="1" rIns="91425" wrap="square" tIns="91425">
+            <a:noAutofit/>
+          </a:bodyPr>
+          <a:lstStyle>
+            <a:lvl1pPr indent="-311150" lvl="0" marL="457200">
+              <a:spcBef>
+                <a:spcPts val="0"/>
+              </a:spcBef>
+              <a:spcAft>
+                <a:spcPts val="0"/>
+              </a:spcAft>
+              <a:buSzPts val="1300"/>
+              <a:buChar char="●"/>
+              <a:defRPr/>
+            </a:lvl1pPr>
+            <a:lvl2pPr indent="-298450" lvl="1" marL="914400">
+              <a:spcBef>
+                <a:spcPts val="1600"/>
+              </a:spcBef>
+              <a:spcAft>
+                <a:spcPts val="0"/>
+              </a:spcAft>
+              <a:buSzPts val="1100"/>
+              <a:buChar char="○"/>
+              <a:defRPr/>
+            </a:lvl2pPr>
+            <a:lvl3pPr indent="-298450" lvl="2" marL="1371600">
+              <a:spcBef>
+                <a:spcPts val="1600"/>
+              </a:spcBef>
+              <a:spcAft>
+                <a:spcPts val="0"/>
+              </a:spcAft>
+              <a:buSzPts val="1100"/>
+              <a:buChar char="■"/>
+              <a:defRPr/>
+            </a:lvl3pPr>
+            <a:lvl4pPr indent="-298450" lvl="3" marL="1828800">
+              <a:spcBef>
+                <a:spcPts val="1600"/>
+              </a:spcBef>
+              <a:spcAft>
+                <a:spcPts val="0"/>
+              </a:spcAft>
+              <a:buSzPts val="1100"/>
+              <a:buChar char="●"/>
+              <a:defRPr/>
+            </a:lvl4pPr>
+            <a:lvl5pPr indent="-298450" lvl="4" marL="2286000">
+              <a:spcBef>
+                <a:spcPts val="1600"/>
+              </a:spcBef>
+              <a:spcAft>
+                <a:spcPts val="0"/>
+              </a:spcAft>
+              <a:buSzPts val="1100"/>
+              <a:buChar char="○"/>
+              <a:defRPr/>
+            </a:lvl5pPr>
+            <a:lvl6pPr indent="-298450" lvl="5" marL="2743200">
+              <a:spcBef>
+                <a:spcPts val="1600"/>
+              </a:spcBef>
+              <a:spcAft>
+                <a:spcPts val="0"/>
+              </a:spcAft>
+              <a:buSzPts val="1100"/>
+              <a:buChar char="■"/>
+              <a:defRPr/>
+            </a:lvl6pPr>
+            <a:lvl7pPr indent="-298450" lvl="6" marL="3200400">
+              <a:spcBef>
+                <a:spcPts val="1600"/>
+              </a:spcBef>
+              <a:spcAft>
+                <a:spcPts val="0"/>
+              </a:spcAft>
+              <a:buSzPts val="1100"/>
+              <a:buChar char="●"/>
+              <a:defRPr/>
+            </a:lvl7pPr>
+            <a:lvl8pPr indent="-298450" lvl="7" marL="3657600">
+              <a:spcBef>
+                <a:spcPts val="1600"/>
+              </a:spcBef>
+              <a:spcAft>
+                <a:spcPts val="0"/>
+              </a:spcAft>
+              <a:buSzPts val="1100"/>
+              <a:buChar char="○"/>
+              <a:defRPr/>
+            </a:lvl8pPr>
+            <a:lvl9pPr indent="-298450" lvl="8" marL="4114800">
+              <a:spcBef>
+                <a:spcPts val="1600"/>
+              </a:spcBef>
+              <a:spcAft>
+                <a:spcPts val="1600"/>
+              </a:spcAft>
+              <a:buSzPts val="1100"/>
+              <a:buChar char="■"/>
+              <a:defRPr/>
+            </a:lvl9pPr>
+          </a:lstStyle>
+          <a:p/>
+        </p:txBody>
+      </p:sp>
+      <p:sp>
+        <p:nvSpPr>
+          <p:cNvPr id="76" name="Google Shape;76;p7"/>
           <p:cNvSpPr txBox="1"/>
           <p:nvPr>
             <p:ph idx="12" type="sldNum"/>
@@ -3182,7 +5888,7 @@
         </p:nvSpPr>
         <p:spPr>
           <a:xfrm>
-            <a:off x="8472458" y="4663217"/>
+            <a:off x="8390734" y="4543668"/>
             <a:ext cx="548700" cy="393600"/>
           </a:xfrm>
           <a:prstGeom prst="rect">
@@ -3260,9 +5966,16 @@
 <file path=ppt/slideLayouts/slideLayout7.xml><?xml version="1.0" encoding="utf-8"?>
 <p:sldLayout xmlns:a="http://schemas.openxmlformats.org/drawingml/2006/main" xmlns:r="http://schemas.openxmlformats.org/officeDocument/2006/relationships" xmlns:mc="http://schemas.openxmlformats.org/markup-compatibility/2006" xmlns:mv="urn:schemas-microsoft-com:mac:vml" xmlns:p="http://schemas.openxmlformats.org/presentationml/2006/main" xmlns:c="http://schemas.openxmlformats.org/drawingml/2006/chart" xmlns:dgm="http://schemas.openxmlformats.org/drawingml/2006/diagram" xmlns:o="urn:schemas-microsoft-com:office:office" xmlns:v="urn:schemas-microsoft-com:vml" xmlns:pvml="urn:schemas-microsoft-com:office:powerpoint" xmlns:com="http://schemas.openxmlformats.org/drawingml/2006/compatibility" xmlns:p14="http://schemas.microsoft.com/office/powerpoint/2010/main" xmlns:p15="http://schemas.microsoft.com/office/powerpoint/2012/main" xmlns:ahyp="http://schemas.microsoft.com/office/drawing/2018/hyperlinkcolor" matchingName="Main point">
   <p:cSld name="MAIN_POINT">
+    <p:bg>
+      <p:bgPr>
+        <a:solidFill>
+          <a:schemeClr val="accent1"/>
+        </a:solidFill>
+      </p:bgPr>
+    </p:bg>
     <p:spTree>
       <p:nvGrpSpPr>
-        <p:cNvPr id="32" name="Shape 32"/>
+        <p:cNvPr id="77" name="Shape 77"/>
         <p:cNvGrpSpPr/>
         <p:nvPr/>
       </p:nvGrpSpPr>
@@ -3276,7 +5989,593 @@
       </p:grpSpPr>
       <p:sp>
         <p:nvSpPr>
-          <p:cNvPr id="33" name="Google Shape;33;p8"/>
+          <p:cNvPr id="78" name="Google Shape;78;p8"/>
+          <p:cNvSpPr/>
+          <p:nvPr/>
+        </p:nvSpPr>
+        <p:spPr>
+          <a:xfrm>
+            <a:off x="0" y="2823144"/>
+            <a:ext cx="7369200" cy="2316900"/>
+          </a:xfrm>
+          <a:prstGeom prst="rtTriangle">
+            <a:avLst/>
+          </a:prstGeom>
+          <a:solidFill>
+            <a:schemeClr val="accent6"/>
+          </a:solidFill>
+          <a:ln>
+            <a:noFill/>
+          </a:ln>
+        </p:spPr>
+        <p:txBody>
+          <a:bodyPr anchorCtr="0" anchor="ctr" bIns="91425" lIns="91425" spcFirstLastPara="1" rIns="91425" wrap="square" tIns="91425">
+            <a:noAutofit/>
+          </a:bodyPr>
+          <a:lstStyle/>
+          <a:p>
+            <a:pPr indent="0" lvl="0" marL="0" rtl="0" algn="l">
+              <a:spcBef>
+                <a:spcPts val="0"/>
+              </a:spcBef>
+              <a:spcAft>
+                <a:spcPts val="0"/>
+              </a:spcAft>
+              <a:buNone/>
+            </a:pPr>
+            <a:r>
+              <a:t/>
+            </a:r>
+            <a:endParaRPr/>
+          </a:p>
+        </p:txBody>
+      </p:sp>
+      <p:sp>
+        <p:nvSpPr>
+          <p:cNvPr id="79" name="Google Shape;79;p8"/>
+          <p:cNvSpPr/>
+          <p:nvPr/>
+        </p:nvSpPr>
+        <p:spPr>
+          <a:xfrm flipH="1">
+            <a:off x="3583210" y="1554113"/>
+            <a:ext cx="5560500" cy="3589500"/>
+          </a:xfrm>
+          <a:prstGeom prst="rtTriangle">
+            <a:avLst/>
+          </a:prstGeom>
+          <a:solidFill>
+            <a:schemeClr val="lt2"/>
+          </a:solidFill>
+          <a:ln>
+            <a:noFill/>
+          </a:ln>
+        </p:spPr>
+        <p:txBody>
+          <a:bodyPr anchorCtr="0" anchor="ctr" bIns="91425" lIns="91425" spcFirstLastPara="1" rIns="91425" wrap="square" tIns="91425">
+            <a:noAutofit/>
+          </a:bodyPr>
+          <a:lstStyle/>
+          <a:p>
+            <a:pPr indent="0" lvl="0" marL="0" rtl="0" algn="l">
+              <a:spcBef>
+                <a:spcPts val="0"/>
+              </a:spcBef>
+              <a:spcAft>
+                <a:spcPts val="0"/>
+              </a:spcAft>
+              <a:buNone/>
+            </a:pPr>
+            <a:r>
+              <a:t/>
+            </a:r>
+            <a:endParaRPr/>
+          </a:p>
+        </p:txBody>
+      </p:sp>
+      <p:grpSp>
+        <p:nvGrpSpPr>
+          <p:cNvPr id="80" name="Google Shape;80;p8"/>
+          <p:cNvGrpSpPr/>
+          <p:nvPr/>
+        </p:nvGrpSpPr>
+        <p:grpSpPr>
+          <a:xfrm>
+            <a:off x="255991" y="-118"/>
+            <a:ext cx="2251347" cy="1043408"/>
+            <a:chOff x="3961956" y="4383950"/>
+            <a:chExt cx="1160548" cy="548700"/>
+          </a:xfrm>
+        </p:grpSpPr>
+        <p:sp>
+          <p:nvSpPr>
+            <p:cNvPr id="81" name="Google Shape;81;p8"/>
+            <p:cNvSpPr/>
+            <p:nvPr/>
+          </p:nvSpPr>
+          <p:spPr>
+            <a:xfrm>
+              <a:off x="4224904" y="4383950"/>
+              <a:ext cx="897600" cy="548700"/>
+            </a:xfrm>
+            <a:prstGeom prst="parallelogram">
+              <a:avLst>
+                <a:gd fmla="val 153193" name="adj"/>
+              </a:avLst>
+            </a:prstGeom>
+            <a:solidFill>
+              <a:schemeClr val="dk1"/>
+            </a:solidFill>
+            <a:ln>
+              <a:noFill/>
+            </a:ln>
+          </p:spPr>
+          <p:txBody>
+            <a:bodyPr anchorCtr="0" anchor="ctr" bIns="91425" lIns="91425" spcFirstLastPara="1" rIns="91425" wrap="square" tIns="91425">
+              <a:noAutofit/>
+            </a:bodyPr>
+            <a:lstStyle/>
+            <a:p>
+              <a:pPr indent="0" lvl="0" marL="0" rtl="0" algn="l">
+                <a:spcBef>
+                  <a:spcPts val="0"/>
+                </a:spcBef>
+                <a:spcAft>
+                  <a:spcPts val="0"/>
+                </a:spcAft>
+                <a:buNone/>
+              </a:pPr>
+              <a:r>
+                <a:t/>
+              </a:r>
+              <a:endParaRPr/>
+            </a:p>
+          </p:txBody>
+        </p:sp>
+        <p:sp>
+          <p:nvSpPr>
+            <p:cNvPr id="82" name="Google Shape;82;p8"/>
+            <p:cNvSpPr/>
+            <p:nvPr/>
+          </p:nvSpPr>
+          <p:spPr>
+            <a:xfrm>
+              <a:off x="4093430" y="4383950"/>
+              <a:ext cx="897600" cy="548700"/>
+            </a:xfrm>
+            <a:prstGeom prst="parallelogram">
+              <a:avLst>
+                <a:gd fmla="val 153193" name="adj"/>
+              </a:avLst>
+            </a:prstGeom>
+            <a:solidFill>
+              <a:schemeClr val="dk1"/>
+            </a:solidFill>
+            <a:ln>
+              <a:noFill/>
+            </a:ln>
+          </p:spPr>
+          <p:txBody>
+            <a:bodyPr anchorCtr="0" anchor="ctr" bIns="91425" lIns="91425" spcFirstLastPara="1" rIns="91425" wrap="square" tIns="91425">
+              <a:noAutofit/>
+            </a:bodyPr>
+            <a:lstStyle/>
+            <a:p>
+              <a:pPr indent="0" lvl="0" marL="0" rtl="0" algn="l">
+                <a:spcBef>
+                  <a:spcPts val="0"/>
+                </a:spcBef>
+                <a:spcAft>
+                  <a:spcPts val="0"/>
+                </a:spcAft>
+                <a:buNone/>
+              </a:pPr>
+              <a:r>
+                <a:t/>
+              </a:r>
+              <a:endParaRPr/>
+            </a:p>
+          </p:txBody>
+        </p:sp>
+        <p:sp>
+          <p:nvSpPr>
+            <p:cNvPr id="83" name="Google Shape;83;p8"/>
+            <p:cNvSpPr/>
+            <p:nvPr/>
+          </p:nvSpPr>
+          <p:spPr>
+            <a:xfrm>
+              <a:off x="3961956" y="4383950"/>
+              <a:ext cx="897600" cy="548700"/>
+            </a:xfrm>
+            <a:prstGeom prst="parallelogram">
+              <a:avLst>
+                <a:gd fmla="val 153193" name="adj"/>
+              </a:avLst>
+            </a:prstGeom>
+            <a:solidFill>
+              <a:schemeClr val="dk1"/>
+            </a:solidFill>
+            <a:ln>
+              <a:noFill/>
+            </a:ln>
+          </p:spPr>
+          <p:txBody>
+            <a:bodyPr anchorCtr="0" anchor="ctr" bIns="91425" lIns="91425" spcFirstLastPara="1" rIns="91425" wrap="square" tIns="91425">
+              <a:noAutofit/>
+            </a:bodyPr>
+            <a:lstStyle/>
+            <a:p>
+              <a:pPr indent="0" lvl="0" marL="0" rtl="0" algn="l">
+                <a:spcBef>
+                  <a:spcPts val="0"/>
+                </a:spcBef>
+                <a:spcAft>
+                  <a:spcPts val="0"/>
+                </a:spcAft>
+                <a:buNone/>
+              </a:pPr>
+              <a:r>
+                <a:t/>
+              </a:r>
+              <a:endParaRPr/>
+            </a:p>
+          </p:txBody>
+        </p:sp>
+      </p:grpSp>
+      <p:sp>
+        <p:nvSpPr>
+          <p:cNvPr id="84" name="Google Shape;84;p8"/>
+          <p:cNvSpPr/>
+          <p:nvPr/>
+        </p:nvSpPr>
+        <p:spPr>
+          <a:xfrm>
+            <a:off x="203225" y="206250"/>
+            <a:ext cx="8737500" cy="4731000"/>
+          </a:xfrm>
+          <a:prstGeom prst="rect">
+            <a:avLst/>
+          </a:prstGeom>
+          <a:solidFill>
+            <a:schemeClr val="dk1"/>
+          </a:solidFill>
+          <a:ln>
+            <a:noFill/>
+          </a:ln>
+          <a:effectLst>
+            <a:outerShdw blurRad="228600" sx="101000" rotWithShape="0" algn="ctr" sy="101000">
+              <a:srgbClr val="000000">
+                <a:alpha val="40000"/>
+              </a:srgbClr>
+            </a:outerShdw>
+          </a:effectLst>
+        </p:spPr>
+        <p:txBody>
+          <a:bodyPr anchorCtr="0" anchor="ctr" bIns="91425" lIns="91425" spcFirstLastPara="1" rIns="91425" wrap="square" tIns="91425">
+            <a:noAutofit/>
+          </a:bodyPr>
+          <a:lstStyle/>
+          <a:p>
+            <a:pPr indent="0" lvl="0" marL="0" rtl="0" algn="l">
+              <a:spcBef>
+                <a:spcPts val="0"/>
+              </a:spcBef>
+              <a:spcAft>
+                <a:spcPts val="0"/>
+              </a:spcAft>
+              <a:buNone/>
+            </a:pPr>
+            <a:r>
+              <a:t/>
+            </a:r>
+            <a:endParaRPr/>
+          </a:p>
+        </p:txBody>
+      </p:sp>
+      <p:grpSp>
+        <p:nvGrpSpPr>
+          <p:cNvPr id="85" name="Google Shape;85;p8"/>
+          <p:cNvGrpSpPr/>
+          <p:nvPr/>
+        </p:nvGrpSpPr>
+        <p:grpSpPr>
+          <a:xfrm>
+            <a:off x="34934" y="4522125"/>
+            <a:ext cx="1593306" cy="617072"/>
+            <a:chOff x="6917201" y="0"/>
+            <a:chExt cx="2227777" cy="863400"/>
+          </a:xfrm>
+        </p:grpSpPr>
+        <p:sp>
+          <p:nvSpPr>
+            <p:cNvPr id="86" name="Google Shape;86;p8"/>
+            <p:cNvSpPr/>
+            <p:nvPr/>
+          </p:nvSpPr>
+          <p:spPr>
+            <a:xfrm>
+              <a:off x="7641677" y="0"/>
+              <a:ext cx="1503300" cy="863400"/>
+            </a:xfrm>
+            <a:prstGeom prst="parallelogram">
+              <a:avLst>
+                <a:gd fmla="val 158024" name="adj"/>
+              </a:avLst>
+            </a:prstGeom>
+            <a:solidFill>
+              <a:schemeClr val="accent6"/>
+            </a:solidFill>
+            <a:ln>
+              <a:noFill/>
+            </a:ln>
+          </p:spPr>
+          <p:txBody>
+            <a:bodyPr anchorCtr="0" anchor="ctr" bIns="91425" lIns="91425" spcFirstLastPara="1" rIns="91425" wrap="square" tIns="91425">
+              <a:noAutofit/>
+            </a:bodyPr>
+            <a:lstStyle/>
+            <a:p>
+              <a:pPr indent="0" lvl="0" marL="0" rtl="0" algn="l">
+                <a:spcBef>
+                  <a:spcPts val="0"/>
+                </a:spcBef>
+                <a:spcAft>
+                  <a:spcPts val="0"/>
+                </a:spcAft>
+                <a:buNone/>
+              </a:pPr>
+              <a:r>
+                <a:t/>
+              </a:r>
+              <a:endParaRPr/>
+            </a:p>
+          </p:txBody>
+        </p:sp>
+        <p:sp>
+          <p:nvSpPr>
+            <p:cNvPr id="87" name="Google Shape;87;p8"/>
+            <p:cNvSpPr/>
+            <p:nvPr/>
+          </p:nvSpPr>
+          <p:spPr>
+            <a:xfrm>
+              <a:off x="7279439" y="0"/>
+              <a:ext cx="1503300" cy="863400"/>
+            </a:xfrm>
+            <a:prstGeom prst="parallelogram">
+              <a:avLst>
+                <a:gd fmla="val 158024" name="adj"/>
+              </a:avLst>
+            </a:prstGeom>
+            <a:solidFill>
+              <a:schemeClr val="accent6"/>
+            </a:solidFill>
+            <a:ln>
+              <a:noFill/>
+            </a:ln>
+          </p:spPr>
+          <p:txBody>
+            <a:bodyPr anchorCtr="0" anchor="ctr" bIns="91425" lIns="91425" spcFirstLastPara="1" rIns="91425" wrap="square" tIns="91425">
+              <a:noAutofit/>
+            </a:bodyPr>
+            <a:lstStyle/>
+            <a:p>
+              <a:pPr indent="0" lvl="0" marL="0" rtl="0" algn="l">
+                <a:spcBef>
+                  <a:spcPts val="0"/>
+                </a:spcBef>
+                <a:spcAft>
+                  <a:spcPts val="0"/>
+                </a:spcAft>
+                <a:buNone/>
+              </a:pPr>
+              <a:r>
+                <a:t/>
+              </a:r>
+              <a:endParaRPr/>
+            </a:p>
+          </p:txBody>
+        </p:sp>
+        <p:sp>
+          <p:nvSpPr>
+            <p:cNvPr id="88" name="Google Shape;88;p8"/>
+            <p:cNvSpPr/>
+            <p:nvPr/>
+          </p:nvSpPr>
+          <p:spPr>
+            <a:xfrm>
+              <a:off x="6917201" y="0"/>
+              <a:ext cx="1503300" cy="863400"/>
+            </a:xfrm>
+            <a:prstGeom prst="parallelogram">
+              <a:avLst>
+                <a:gd fmla="val 158024" name="adj"/>
+              </a:avLst>
+            </a:prstGeom>
+            <a:solidFill>
+              <a:schemeClr val="accent6"/>
+            </a:solidFill>
+            <a:ln>
+              <a:noFill/>
+            </a:ln>
+          </p:spPr>
+          <p:txBody>
+            <a:bodyPr anchorCtr="0" anchor="ctr" bIns="91425" lIns="91425" spcFirstLastPara="1" rIns="91425" wrap="square" tIns="91425">
+              <a:noAutofit/>
+            </a:bodyPr>
+            <a:lstStyle/>
+            <a:p>
+              <a:pPr indent="0" lvl="0" marL="0" rtl="0" algn="l">
+                <a:spcBef>
+                  <a:spcPts val="0"/>
+                </a:spcBef>
+                <a:spcAft>
+                  <a:spcPts val="0"/>
+                </a:spcAft>
+                <a:buNone/>
+              </a:pPr>
+              <a:r>
+                <a:t/>
+              </a:r>
+              <a:endParaRPr/>
+            </a:p>
+          </p:txBody>
+        </p:sp>
+      </p:grpSp>
+      <p:grpSp>
+        <p:nvGrpSpPr>
+          <p:cNvPr id="89" name="Google Shape;89;p8"/>
+          <p:cNvGrpSpPr/>
+          <p:nvPr/>
+        </p:nvGrpSpPr>
+        <p:grpSpPr>
+          <a:xfrm>
+            <a:off x="5886353" y="1243"/>
+            <a:ext cx="3257455" cy="1261514"/>
+            <a:chOff x="6917201" y="0"/>
+            <a:chExt cx="2227777" cy="863400"/>
+          </a:xfrm>
+        </p:grpSpPr>
+        <p:sp>
+          <p:nvSpPr>
+            <p:cNvPr id="90" name="Google Shape;90;p8"/>
+            <p:cNvSpPr/>
+            <p:nvPr/>
+          </p:nvSpPr>
+          <p:spPr>
+            <a:xfrm>
+              <a:off x="7641677" y="0"/>
+              <a:ext cx="1503300" cy="863400"/>
+            </a:xfrm>
+            <a:prstGeom prst="parallelogram">
+              <a:avLst>
+                <a:gd fmla="val 158024" name="adj"/>
+              </a:avLst>
+            </a:prstGeom>
+            <a:solidFill>
+              <a:schemeClr val="accent1"/>
+            </a:solidFill>
+            <a:ln>
+              <a:noFill/>
+            </a:ln>
+          </p:spPr>
+          <p:txBody>
+            <a:bodyPr anchorCtr="0" anchor="ctr" bIns="91425" lIns="91425" spcFirstLastPara="1" rIns="91425" wrap="square" tIns="91425">
+              <a:noAutofit/>
+            </a:bodyPr>
+            <a:lstStyle/>
+            <a:p>
+              <a:pPr indent="0" lvl="0" marL="0" rtl="0" algn="l">
+                <a:spcBef>
+                  <a:spcPts val="0"/>
+                </a:spcBef>
+                <a:spcAft>
+                  <a:spcPts val="0"/>
+                </a:spcAft>
+                <a:buNone/>
+              </a:pPr>
+              <a:r>
+                <a:t/>
+              </a:r>
+              <a:endParaRPr/>
+            </a:p>
+          </p:txBody>
+        </p:sp>
+        <p:sp>
+          <p:nvSpPr>
+            <p:cNvPr id="91" name="Google Shape;91;p8"/>
+            <p:cNvSpPr/>
+            <p:nvPr/>
+          </p:nvSpPr>
+          <p:spPr>
+            <a:xfrm>
+              <a:off x="7279439" y="0"/>
+              <a:ext cx="1503300" cy="863400"/>
+            </a:xfrm>
+            <a:prstGeom prst="parallelogram">
+              <a:avLst>
+                <a:gd fmla="val 158024" name="adj"/>
+              </a:avLst>
+            </a:prstGeom>
+            <a:solidFill>
+              <a:schemeClr val="accent1"/>
+            </a:solidFill>
+            <a:ln>
+              <a:noFill/>
+            </a:ln>
+          </p:spPr>
+          <p:txBody>
+            <a:bodyPr anchorCtr="0" anchor="ctr" bIns="91425" lIns="91425" spcFirstLastPara="1" rIns="91425" wrap="square" tIns="91425">
+              <a:noAutofit/>
+            </a:bodyPr>
+            <a:lstStyle/>
+            <a:p>
+              <a:pPr indent="0" lvl="0" marL="0" rtl="0" algn="l">
+                <a:spcBef>
+                  <a:spcPts val="0"/>
+                </a:spcBef>
+                <a:spcAft>
+                  <a:spcPts val="0"/>
+                </a:spcAft>
+                <a:buNone/>
+              </a:pPr>
+              <a:r>
+                <a:t/>
+              </a:r>
+              <a:endParaRPr/>
+            </a:p>
+          </p:txBody>
+        </p:sp>
+        <p:sp>
+          <p:nvSpPr>
+            <p:cNvPr id="92" name="Google Shape;92;p8"/>
+            <p:cNvSpPr/>
+            <p:nvPr/>
+          </p:nvSpPr>
+          <p:spPr>
+            <a:xfrm>
+              <a:off x="6917201" y="0"/>
+              <a:ext cx="1503300" cy="863400"/>
+            </a:xfrm>
+            <a:prstGeom prst="parallelogram">
+              <a:avLst>
+                <a:gd fmla="val 158024" name="adj"/>
+              </a:avLst>
+            </a:prstGeom>
+            <a:solidFill>
+              <a:schemeClr val="accent1"/>
+            </a:solidFill>
+            <a:ln>
+              <a:noFill/>
+            </a:ln>
+          </p:spPr>
+          <p:txBody>
+            <a:bodyPr anchorCtr="0" anchor="ctr" bIns="91425" lIns="91425" spcFirstLastPara="1" rIns="91425" wrap="square" tIns="91425">
+              <a:noAutofit/>
+            </a:bodyPr>
+            <a:lstStyle/>
+            <a:p>
+              <a:pPr indent="0" lvl="0" marL="0" rtl="0" algn="l">
+                <a:spcBef>
+                  <a:spcPts val="0"/>
+                </a:spcBef>
+                <a:spcAft>
+                  <a:spcPts val="0"/>
+                </a:spcAft>
+                <a:buNone/>
+              </a:pPr>
+              <a:r>
+                <a:t/>
+              </a:r>
+              <a:endParaRPr/>
+            </a:p>
+          </p:txBody>
+        </p:sp>
+      </p:grpSp>
+      <p:sp>
+        <p:nvSpPr>
+          <p:cNvPr id="93" name="Google Shape;93;p8"/>
           <p:cNvSpPr txBox="1"/>
           <p:nvPr>
             <p:ph type="title"/>
@@ -3284,8 +6583,8 @@
         </p:nvSpPr>
         <p:spPr>
           <a:xfrm>
-            <a:off x="490250" y="450150"/>
-            <a:ext cx="6367800" cy="4090800"/>
+            <a:off x="1393929" y="1301146"/>
+            <a:ext cx="6366900" cy="2539200"/>
           </a:xfrm>
           <a:prstGeom prst="rect">
             <a:avLst/>
@@ -3296,104 +6595,104 @@
             <a:noAutofit/>
           </a:bodyPr>
           <a:lstStyle>
-            <a:lvl1pPr lvl="0">
-              <a:spcBef>
-                <a:spcPts val="0"/>
-              </a:spcBef>
-              <a:spcAft>
-                <a:spcPts val="0"/>
-              </a:spcAft>
-              <a:buSzPts val="4800"/>
-              <a:buNone/>
-              <a:defRPr sz="4800"/>
+            <a:lvl1pPr lvl="0" algn="ctr">
+              <a:spcBef>
+                <a:spcPts val="0"/>
+              </a:spcBef>
+              <a:spcAft>
+                <a:spcPts val="0"/>
+              </a:spcAft>
+              <a:buSzPts val="3200"/>
+              <a:buNone/>
+              <a:defRPr sz="3200"/>
             </a:lvl1pPr>
-            <a:lvl2pPr lvl="1">
-              <a:spcBef>
-                <a:spcPts val="0"/>
-              </a:spcBef>
-              <a:spcAft>
-                <a:spcPts val="0"/>
-              </a:spcAft>
-              <a:buSzPts val="4800"/>
-              <a:buNone/>
-              <a:defRPr sz="4800"/>
+            <a:lvl2pPr lvl="1" algn="ctr">
+              <a:spcBef>
+                <a:spcPts val="0"/>
+              </a:spcBef>
+              <a:spcAft>
+                <a:spcPts val="0"/>
+              </a:spcAft>
+              <a:buSzPts val="3200"/>
+              <a:buNone/>
+              <a:defRPr sz="3200"/>
             </a:lvl2pPr>
-            <a:lvl3pPr lvl="2">
-              <a:spcBef>
-                <a:spcPts val="0"/>
-              </a:spcBef>
-              <a:spcAft>
-                <a:spcPts val="0"/>
-              </a:spcAft>
-              <a:buSzPts val="4800"/>
-              <a:buNone/>
-              <a:defRPr sz="4800"/>
+            <a:lvl3pPr lvl="2" algn="ctr">
+              <a:spcBef>
+                <a:spcPts val="0"/>
+              </a:spcBef>
+              <a:spcAft>
+                <a:spcPts val="0"/>
+              </a:spcAft>
+              <a:buSzPts val="3200"/>
+              <a:buNone/>
+              <a:defRPr sz="3200"/>
             </a:lvl3pPr>
-            <a:lvl4pPr lvl="3">
-              <a:spcBef>
-                <a:spcPts val="0"/>
-              </a:spcBef>
-              <a:spcAft>
-                <a:spcPts val="0"/>
-              </a:spcAft>
-              <a:buSzPts val="4800"/>
-              <a:buNone/>
-              <a:defRPr sz="4800"/>
+            <a:lvl4pPr lvl="3" algn="ctr">
+              <a:spcBef>
+                <a:spcPts val="0"/>
+              </a:spcBef>
+              <a:spcAft>
+                <a:spcPts val="0"/>
+              </a:spcAft>
+              <a:buSzPts val="3200"/>
+              <a:buNone/>
+              <a:defRPr sz="3200"/>
             </a:lvl4pPr>
-            <a:lvl5pPr lvl="4">
-              <a:spcBef>
-                <a:spcPts val="0"/>
-              </a:spcBef>
-              <a:spcAft>
-                <a:spcPts val="0"/>
-              </a:spcAft>
-              <a:buSzPts val="4800"/>
-              <a:buNone/>
-              <a:defRPr sz="4800"/>
+            <a:lvl5pPr lvl="4" algn="ctr">
+              <a:spcBef>
+                <a:spcPts val="0"/>
+              </a:spcBef>
+              <a:spcAft>
+                <a:spcPts val="0"/>
+              </a:spcAft>
+              <a:buSzPts val="3200"/>
+              <a:buNone/>
+              <a:defRPr sz="3200"/>
             </a:lvl5pPr>
-            <a:lvl6pPr lvl="5">
-              <a:spcBef>
-                <a:spcPts val="0"/>
-              </a:spcBef>
-              <a:spcAft>
-                <a:spcPts val="0"/>
-              </a:spcAft>
-              <a:buSzPts val="4800"/>
-              <a:buNone/>
-              <a:defRPr sz="4800"/>
+            <a:lvl6pPr lvl="5" algn="ctr">
+              <a:spcBef>
+                <a:spcPts val="0"/>
+              </a:spcBef>
+              <a:spcAft>
+                <a:spcPts val="0"/>
+              </a:spcAft>
+              <a:buSzPts val="3200"/>
+              <a:buNone/>
+              <a:defRPr sz="3200"/>
             </a:lvl6pPr>
-            <a:lvl7pPr lvl="6">
-              <a:spcBef>
-                <a:spcPts val="0"/>
-              </a:spcBef>
-              <a:spcAft>
-                <a:spcPts val="0"/>
-              </a:spcAft>
-              <a:buSzPts val="4800"/>
-              <a:buNone/>
-              <a:defRPr sz="4800"/>
+            <a:lvl7pPr lvl="6" algn="ctr">
+              <a:spcBef>
+                <a:spcPts val="0"/>
+              </a:spcBef>
+              <a:spcAft>
+                <a:spcPts val="0"/>
+              </a:spcAft>
+              <a:buSzPts val="3200"/>
+              <a:buNone/>
+              <a:defRPr sz="3200"/>
             </a:lvl7pPr>
-            <a:lvl8pPr lvl="7">
-              <a:spcBef>
-                <a:spcPts val="0"/>
-              </a:spcBef>
-              <a:spcAft>
-                <a:spcPts val="0"/>
-              </a:spcAft>
-              <a:buSzPts val="4800"/>
-              <a:buNone/>
-              <a:defRPr sz="4800"/>
+            <a:lvl8pPr lvl="7" algn="ctr">
+              <a:spcBef>
+                <a:spcPts val="0"/>
+              </a:spcBef>
+              <a:spcAft>
+                <a:spcPts val="0"/>
+              </a:spcAft>
+              <a:buSzPts val="3200"/>
+              <a:buNone/>
+              <a:defRPr sz="3200"/>
             </a:lvl8pPr>
-            <a:lvl9pPr lvl="8">
-              <a:spcBef>
-                <a:spcPts val="0"/>
-              </a:spcBef>
-              <a:spcAft>
-                <a:spcPts val="0"/>
-              </a:spcAft>
-              <a:buSzPts val="4800"/>
-              <a:buNone/>
-              <a:defRPr sz="4800"/>
+            <a:lvl9pPr lvl="8" algn="ctr">
+              <a:spcBef>
+                <a:spcPts val="0"/>
+              </a:spcBef>
+              <a:spcAft>
+                <a:spcPts val="0"/>
+              </a:spcAft>
+              <a:buSzPts val="3200"/>
+              <a:buNone/>
+              <a:defRPr sz="3200"/>
             </a:lvl9pPr>
           </a:lstStyle>
           <a:p/>
@@ -3401,7 +6700,7 @@
       </p:sp>
       <p:sp>
         <p:nvSpPr>
-          <p:cNvPr id="34" name="Google Shape;34;p8"/>
+          <p:cNvPr id="94" name="Google Shape;94;p8"/>
           <p:cNvSpPr txBox="1"/>
           <p:nvPr>
             <p:ph idx="12" type="sldNum"/>
@@ -3409,7 +6708,7 @@
         </p:nvSpPr>
         <p:spPr>
           <a:xfrm>
-            <a:off x="8472458" y="4663217"/>
+            <a:off x="8390734" y="4543668"/>
             <a:ext cx="548700" cy="393600"/>
           </a:xfrm>
           <a:prstGeom prst="rect">
@@ -3487,9 +6786,16 @@
 <file path=ppt/slideLayouts/slideLayout8.xml><?xml version="1.0" encoding="utf-8"?>
 <p:sldLayout xmlns:a="http://schemas.openxmlformats.org/drawingml/2006/main" xmlns:r="http://schemas.openxmlformats.org/officeDocument/2006/relationships" xmlns:mc="http://schemas.openxmlformats.org/markup-compatibility/2006" xmlns:mv="urn:schemas-microsoft-com:mac:vml" xmlns:p="http://schemas.openxmlformats.org/presentationml/2006/main" xmlns:c="http://schemas.openxmlformats.org/drawingml/2006/chart" xmlns:dgm="http://schemas.openxmlformats.org/drawingml/2006/diagram" xmlns:o="urn:schemas-microsoft-com:office:office" xmlns:v="urn:schemas-microsoft-com:vml" xmlns:pvml="urn:schemas-microsoft-com:office:powerpoint" xmlns:com="http://schemas.openxmlformats.org/drawingml/2006/compatibility" xmlns:p14="http://schemas.microsoft.com/office/powerpoint/2010/main" xmlns:p15="http://schemas.microsoft.com/office/powerpoint/2012/main" xmlns:ahyp="http://schemas.microsoft.com/office/drawing/2018/hyperlinkcolor" matchingName="Section title and description">
   <p:cSld name="SECTION_TITLE_AND_DESCRIPTION">
+    <p:bg>
+      <p:bgPr>
+        <a:solidFill>
+          <a:schemeClr val="dk2"/>
+        </a:solidFill>
+      </p:bgPr>
+    </p:bg>
     <p:spTree>
       <p:nvGrpSpPr>
-        <p:cNvPr id="35" name="Shape 35"/>
+        <p:cNvPr id="95" name="Shape 95"/>
         <p:cNvGrpSpPr/>
         <p:nvPr/>
       </p:nvGrpSpPr>
@@ -3503,16 +6809,16 @@
       </p:grpSpPr>
       <p:sp>
         <p:nvSpPr>
-          <p:cNvPr id="36" name="Google Shape;36;p9"/>
+          <p:cNvPr id="96" name="Google Shape;96;p9"/>
           <p:cNvSpPr/>
           <p:nvPr/>
         </p:nvSpPr>
         <p:spPr>
-          <a:xfrm>
-            <a:off x="4572000" y="-125"/>
-            <a:ext cx="4572000" cy="5143500"/>
+          <a:xfrm flipH="1">
+            <a:off x="3582600" y="1550700"/>
+            <a:ext cx="5561400" cy="3592800"/>
           </a:xfrm>
-          <a:prstGeom prst="rect">
+          <a:prstGeom prst="rtTriangle">
             <a:avLst/>
           </a:prstGeom>
           <a:solidFill>
@@ -3546,7 +6852,100 @@
       </p:sp>
       <p:sp>
         <p:nvSpPr>
-          <p:cNvPr id="37" name="Google Shape;37;p9"/>
+          <p:cNvPr id="97" name="Google Shape;97;p9"/>
+          <p:cNvSpPr/>
+          <p:nvPr/>
+        </p:nvSpPr>
+        <p:spPr>
+          <a:xfrm>
+            <a:off x="31" y="2824500"/>
+            <a:ext cx="7370400" cy="2319000"/>
+          </a:xfrm>
+          <a:prstGeom prst="rtTriangle">
+            <a:avLst/>
+          </a:prstGeom>
+          <a:solidFill>
+            <a:schemeClr val="accent3"/>
+          </a:solidFill>
+          <a:ln>
+            <a:noFill/>
+          </a:ln>
+        </p:spPr>
+        <p:txBody>
+          <a:bodyPr anchorCtr="0" anchor="ctr" bIns="91425" lIns="91425" spcFirstLastPara="1" rIns="91425" wrap="square" tIns="91425">
+            <a:noAutofit/>
+          </a:bodyPr>
+          <a:lstStyle/>
+          <a:p>
+            <a:pPr indent="0" lvl="0" marL="0" rtl="0" algn="l">
+              <a:spcBef>
+                <a:spcPts val="0"/>
+              </a:spcBef>
+              <a:spcAft>
+                <a:spcPts val="0"/>
+              </a:spcAft>
+              <a:buNone/>
+            </a:pPr>
+            <a:r>
+              <a:t/>
+            </a:r>
+            <a:endParaRPr/>
+          </a:p>
+        </p:txBody>
+      </p:sp>
+      <p:sp>
+        <p:nvSpPr>
+          <p:cNvPr id="98" name="Google Shape;98;p9"/>
+          <p:cNvSpPr/>
+          <p:nvPr/>
+        </p:nvSpPr>
+        <p:spPr>
+          <a:xfrm>
+            <a:off x="203225" y="206250"/>
+            <a:ext cx="8737500" cy="4731000"/>
+          </a:xfrm>
+          <a:prstGeom prst="rect">
+            <a:avLst/>
+          </a:prstGeom>
+          <a:solidFill>
+            <a:schemeClr val="dk1"/>
+          </a:solidFill>
+          <a:ln>
+            <a:noFill/>
+          </a:ln>
+          <a:effectLst>
+            <a:outerShdw blurRad="228600" sx="101000" rotWithShape="0" algn="ctr" sy="101000">
+              <a:srgbClr val="000000">
+                <a:alpha val="40000"/>
+              </a:srgbClr>
+            </a:outerShdw>
+          </a:effectLst>
+        </p:spPr>
+        <p:txBody>
+          <a:bodyPr anchorCtr="0" anchor="ctr" bIns="91425" lIns="91425" spcFirstLastPara="1" rIns="91425" wrap="square" tIns="91425">
+            <a:noAutofit/>
+          </a:bodyPr>
+          <a:lstStyle/>
+          <a:p>
+            <a:pPr indent="0" lvl="0" marL="0" rtl="0" algn="l">
+              <a:spcBef>
+                <a:spcPts val="0"/>
+              </a:spcBef>
+              <a:spcAft>
+                <a:spcPts val="0"/>
+              </a:spcAft>
+              <a:buNone/>
+            </a:pPr>
+            <a:r>
+              <a:t/>
+            </a:r>
+            <a:endParaRPr/>
+          </a:p>
+        </p:txBody>
+      </p:sp>
+      <p:sp>
+        <p:nvSpPr>
+          <p:cNvPr id="99" name="Google Shape;99;p9"/>
           <p:cNvSpPr txBox="1"/>
           <p:nvPr>
             <p:ph type="title"/>
@@ -3554,133 +6953,8 @@
         </p:nvSpPr>
         <p:spPr>
           <a:xfrm>
-            <a:off x="265500" y="1233175"/>
-            <a:ext cx="4045200" cy="1482300"/>
-          </a:xfrm>
-          <a:prstGeom prst="rect">
-            <a:avLst/>
-          </a:prstGeom>
-        </p:spPr>
-        <p:txBody>
-          <a:bodyPr anchorCtr="0" anchor="b" bIns="91425" lIns="91425" spcFirstLastPara="1" rIns="91425" wrap="square" tIns="91425">
-            <a:noAutofit/>
-          </a:bodyPr>
-          <a:lstStyle>
-            <a:lvl1pPr lvl="0" algn="ctr">
-              <a:spcBef>
-                <a:spcPts val="0"/>
-              </a:spcBef>
-              <a:spcAft>
-                <a:spcPts val="0"/>
-              </a:spcAft>
-              <a:buSzPts val="4200"/>
-              <a:buNone/>
-              <a:defRPr sz="4200"/>
-            </a:lvl1pPr>
-            <a:lvl2pPr lvl="1" algn="ctr">
-              <a:spcBef>
-                <a:spcPts val="0"/>
-              </a:spcBef>
-              <a:spcAft>
-                <a:spcPts val="0"/>
-              </a:spcAft>
-              <a:buSzPts val="4200"/>
-              <a:buNone/>
-              <a:defRPr sz="4200"/>
-            </a:lvl2pPr>
-            <a:lvl3pPr lvl="2" algn="ctr">
-              <a:spcBef>
-                <a:spcPts val="0"/>
-              </a:spcBef>
-              <a:spcAft>
-                <a:spcPts val="0"/>
-              </a:spcAft>
-              <a:buSzPts val="4200"/>
-              <a:buNone/>
-              <a:defRPr sz="4200"/>
-            </a:lvl3pPr>
-            <a:lvl4pPr lvl="3" algn="ctr">
-              <a:spcBef>
-                <a:spcPts val="0"/>
-              </a:spcBef>
-              <a:spcAft>
-                <a:spcPts val="0"/>
-              </a:spcAft>
-              <a:buSzPts val="4200"/>
-              <a:buNone/>
-              <a:defRPr sz="4200"/>
-            </a:lvl4pPr>
-            <a:lvl5pPr lvl="4" algn="ctr">
-              <a:spcBef>
-                <a:spcPts val="0"/>
-              </a:spcBef>
-              <a:spcAft>
-                <a:spcPts val="0"/>
-              </a:spcAft>
-              <a:buSzPts val="4200"/>
-              <a:buNone/>
-              <a:defRPr sz="4200"/>
-            </a:lvl5pPr>
-            <a:lvl6pPr lvl="5" algn="ctr">
-              <a:spcBef>
-                <a:spcPts val="0"/>
-              </a:spcBef>
-              <a:spcAft>
-                <a:spcPts val="0"/>
-              </a:spcAft>
-              <a:buSzPts val="4200"/>
-              <a:buNone/>
-              <a:defRPr sz="4200"/>
-            </a:lvl6pPr>
-            <a:lvl7pPr lvl="6" algn="ctr">
-              <a:spcBef>
-                <a:spcPts val="0"/>
-              </a:spcBef>
-              <a:spcAft>
-                <a:spcPts val="0"/>
-              </a:spcAft>
-              <a:buSzPts val="4200"/>
-              <a:buNone/>
-              <a:defRPr sz="4200"/>
-            </a:lvl7pPr>
-            <a:lvl8pPr lvl="7" algn="ctr">
-              <a:spcBef>
-                <a:spcPts val="0"/>
-              </a:spcBef>
-              <a:spcAft>
-                <a:spcPts val="0"/>
-              </a:spcAft>
-              <a:buSzPts val="4200"/>
-              <a:buNone/>
-              <a:defRPr sz="4200"/>
-            </a:lvl8pPr>
-            <a:lvl9pPr lvl="8" algn="ctr">
-              <a:spcBef>
-                <a:spcPts val="0"/>
-              </a:spcBef>
-              <a:spcAft>
-                <a:spcPts val="0"/>
-              </a:spcAft>
-              <a:buSzPts val="4200"/>
-              <a:buNone/>
-              <a:defRPr sz="4200"/>
-            </a:lvl9pPr>
-          </a:lstStyle>
-          <a:p/>
-        </p:txBody>
-      </p:sp>
-      <p:sp>
-        <p:nvSpPr>
-          <p:cNvPr id="38" name="Google Shape;38;p9"/>
-          <p:cNvSpPr txBox="1"/>
-          <p:nvPr>
-            <p:ph idx="1" type="subTitle"/>
-          </p:nvPr>
-        </p:nvSpPr>
-        <p:spPr>
-          <a:xfrm>
-            <a:off x="265500" y="2803075"/>
-            <a:ext cx="4045200" cy="1235100"/>
+            <a:off x="819150" y="845600"/>
+            <a:ext cx="6424200" cy="705000"/>
           </a:xfrm>
           <a:prstGeom prst="rect">
             <a:avLst/>
@@ -3691,131 +6965,104 @@
             <a:noAutofit/>
           </a:bodyPr>
           <a:lstStyle>
-            <a:lvl1pPr lvl="0" algn="ctr">
-              <a:lnSpc>
-                <a:spcPct val="100000"/>
-              </a:lnSpc>
-              <a:spcBef>
-                <a:spcPts val="0"/>
-              </a:spcBef>
-              <a:spcAft>
-                <a:spcPts val="0"/>
-              </a:spcAft>
-              <a:buSzPts val="2100"/>
-              <a:buNone/>
-              <a:defRPr sz="2100"/>
+            <a:lvl1pPr lvl="0">
+              <a:spcBef>
+                <a:spcPts val="0"/>
+              </a:spcBef>
+              <a:spcAft>
+                <a:spcPts val="0"/>
+              </a:spcAft>
+              <a:buSzPts val="3000"/>
+              <a:buNone/>
+              <a:defRPr sz="3000"/>
             </a:lvl1pPr>
-            <a:lvl2pPr lvl="1" algn="ctr">
-              <a:lnSpc>
-                <a:spcPct val="100000"/>
-              </a:lnSpc>
-              <a:spcBef>
-                <a:spcPts val="0"/>
-              </a:spcBef>
-              <a:spcAft>
-                <a:spcPts val="0"/>
-              </a:spcAft>
-              <a:buSzPts val="2100"/>
-              <a:buNone/>
-              <a:defRPr sz="2100"/>
+            <a:lvl2pPr lvl="1">
+              <a:spcBef>
+                <a:spcPts val="0"/>
+              </a:spcBef>
+              <a:spcAft>
+                <a:spcPts val="0"/>
+              </a:spcAft>
+              <a:buSzPts val="3000"/>
+              <a:buNone/>
+              <a:defRPr sz="3000"/>
             </a:lvl2pPr>
-            <a:lvl3pPr lvl="2" algn="ctr">
-              <a:lnSpc>
-                <a:spcPct val="100000"/>
-              </a:lnSpc>
-              <a:spcBef>
-                <a:spcPts val="0"/>
-              </a:spcBef>
-              <a:spcAft>
-                <a:spcPts val="0"/>
-              </a:spcAft>
-              <a:buSzPts val="2100"/>
-              <a:buNone/>
-              <a:defRPr sz="2100"/>
+            <a:lvl3pPr lvl="2">
+              <a:spcBef>
+                <a:spcPts val="0"/>
+              </a:spcBef>
+              <a:spcAft>
+                <a:spcPts val="0"/>
+              </a:spcAft>
+              <a:buSzPts val="3000"/>
+              <a:buNone/>
+              <a:defRPr sz="3000"/>
             </a:lvl3pPr>
-            <a:lvl4pPr lvl="3" algn="ctr">
-              <a:lnSpc>
-                <a:spcPct val="100000"/>
-              </a:lnSpc>
-              <a:spcBef>
-                <a:spcPts val="0"/>
-              </a:spcBef>
-              <a:spcAft>
-                <a:spcPts val="0"/>
-              </a:spcAft>
-              <a:buSzPts val="2100"/>
-              <a:buNone/>
-              <a:defRPr sz="2100"/>
+            <a:lvl4pPr lvl="3">
+              <a:spcBef>
+                <a:spcPts val="0"/>
+              </a:spcBef>
+              <a:spcAft>
+                <a:spcPts val="0"/>
+              </a:spcAft>
+              <a:buSzPts val="3000"/>
+              <a:buNone/>
+              <a:defRPr sz="3000"/>
             </a:lvl4pPr>
-            <a:lvl5pPr lvl="4" algn="ctr">
-              <a:lnSpc>
-                <a:spcPct val="100000"/>
-              </a:lnSpc>
-              <a:spcBef>
-                <a:spcPts val="0"/>
-              </a:spcBef>
-              <a:spcAft>
-                <a:spcPts val="0"/>
-              </a:spcAft>
-              <a:buSzPts val="2100"/>
-              <a:buNone/>
-              <a:defRPr sz="2100"/>
+            <a:lvl5pPr lvl="4">
+              <a:spcBef>
+                <a:spcPts val="0"/>
+              </a:spcBef>
+              <a:spcAft>
+                <a:spcPts val="0"/>
+              </a:spcAft>
+              <a:buSzPts val="3000"/>
+              <a:buNone/>
+              <a:defRPr sz="3000"/>
             </a:lvl5pPr>
-            <a:lvl6pPr lvl="5" algn="ctr">
-              <a:lnSpc>
-                <a:spcPct val="100000"/>
-              </a:lnSpc>
-              <a:spcBef>
-                <a:spcPts val="0"/>
-              </a:spcBef>
-              <a:spcAft>
-                <a:spcPts val="0"/>
-              </a:spcAft>
-              <a:buSzPts val="2100"/>
-              <a:buNone/>
-              <a:defRPr sz="2100"/>
+            <a:lvl6pPr lvl="5">
+              <a:spcBef>
+                <a:spcPts val="0"/>
+              </a:spcBef>
+              <a:spcAft>
+                <a:spcPts val="0"/>
+              </a:spcAft>
+              <a:buSzPts val="3000"/>
+              <a:buNone/>
+              <a:defRPr sz="3000"/>
             </a:lvl6pPr>
-            <a:lvl7pPr lvl="6" algn="ctr">
-              <a:lnSpc>
-                <a:spcPct val="100000"/>
-              </a:lnSpc>
-              <a:spcBef>
-                <a:spcPts val="0"/>
-              </a:spcBef>
-              <a:spcAft>
-                <a:spcPts val="0"/>
-              </a:spcAft>
-              <a:buSzPts val="2100"/>
-              <a:buNone/>
-              <a:defRPr sz="2100"/>
+            <a:lvl7pPr lvl="6">
+              <a:spcBef>
+                <a:spcPts val="0"/>
+              </a:spcBef>
+              <a:spcAft>
+                <a:spcPts val="0"/>
+              </a:spcAft>
+              <a:buSzPts val="3000"/>
+              <a:buNone/>
+              <a:defRPr sz="3000"/>
             </a:lvl7pPr>
-            <a:lvl8pPr lvl="7" algn="ctr">
-              <a:lnSpc>
-                <a:spcPct val="100000"/>
-              </a:lnSpc>
-              <a:spcBef>
-                <a:spcPts val="0"/>
-              </a:spcBef>
-              <a:spcAft>
-                <a:spcPts val="0"/>
-              </a:spcAft>
-              <a:buSzPts val="2100"/>
-              <a:buNone/>
-              <a:defRPr sz="2100"/>
+            <a:lvl8pPr lvl="7">
+              <a:spcBef>
+                <a:spcPts val="0"/>
+              </a:spcBef>
+              <a:spcAft>
+                <a:spcPts val="0"/>
+              </a:spcAft>
+              <a:buSzPts val="3000"/>
+              <a:buNone/>
+              <a:defRPr sz="3000"/>
             </a:lvl8pPr>
-            <a:lvl9pPr lvl="8" algn="ctr">
-              <a:lnSpc>
-                <a:spcPct val="100000"/>
-              </a:lnSpc>
-              <a:spcBef>
-                <a:spcPts val="0"/>
-              </a:spcBef>
-              <a:spcAft>
-                <a:spcPts val="0"/>
-              </a:spcAft>
-              <a:buSzPts val="2100"/>
-              <a:buNone/>
-              <a:defRPr sz="2100"/>
+            <a:lvl9pPr lvl="8">
+              <a:spcBef>
+                <a:spcPts val="0"/>
+              </a:spcBef>
+              <a:spcAft>
+                <a:spcPts val="0"/>
+              </a:spcAft>
+              <a:buSzPts val="3000"/>
+              <a:buNone/>
+              <a:defRPr sz="3000"/>
             </a:lvl9pPr>
           </a:lstStyle>
           <a:p/>
@@ -3823,7 +7070,222 @@
       </p:sp>
       <p:sp>
         <p:nvSpPr>
-          <p:cNvPr id="39" name="Google Shape;39;p9"/>
+          <p:cNvPr id="100" name="Google Shape;100;p9"/>
+          <p:cNvSpPr txBox="1"/>
+          <p:nvPr>
+            <p:ph idx="1" type="subTitle"/>
+          </p:nvPr>
+        </p:nvSpPr>
+        <p:spPr>
+          <a:xfrm>
+            <a:off x="819150" y="1550700"/>
+            <a:ext cx="5859900" cy="393600"/>
+          </a:xfrm>
+          <a:prstGeom prst="rect">
+            <a:avLst/>
+          </a:prstGeom>
+        </p:spPr>
+        <p:txBody>
+          <a:bodyPr anchorCtr="0" anchor="t" bIns="91425" lIns="91425" spcFirstLastPara="1" rIns="91425" wrap="square" tIns="91425">
+            <a:noAutofit/>
+          </a:bodyPr>
+          <a:lstStyle>
+            <a:lvl1pPr lvl="0">
+              <a:lnSpc>
+                <a:spcPct val="100000"/>
+              </a:lnSpc>
+              <a:spcBef>
+                <a:spcPts val="0"/>
+              </a:spcBef>
+              <a:spcAft>
+                <a:spcPts val="0"/>
+              </a:spcAft>
+              <a:buClr>
+                <a:schemeClr val="lt1"/>
+              </a:buClr>
+              <a:buSzPts val="1600"/>
+              <a:buNone/>
+              <a:defRPr sz="1600">
+                <a:solidFill>
+                  <a:schemeClr val="lt1"/>
+                </a:solidFill>
+              </a:defRPr>
+            </a:lvl1pPr>
+            <a:lvl2pPr lvl="1">
+              <a:lnSpc>
+                <a:spcPct val="100000"/>
+              </a:lnSpc>
+              <a:spcBef>
+                <a:spcPts val="0"/>
+              </a:spcBef>
+              <a:spcAft>
+                <a:spcPts val="0"/>
+              </a:spcAft>
+              <a:buClr>
+                <a:schemeClr val="lt1"/>
+              </a:buClr>
+              <a:buSzPts val="1600"/>
+              <a:buNone/>
+              <a:defRPr sz="1600">
+                <a:solidFill>
+                  <a:schemeClr val="lt1"/>
+                </a:solidFill>
+              </a:defRPr>
+            </a:lvl2pPr>
+            <a:lvl3pPr lvl="2">
+              <a:lnSpc>
+                <a:spcPct val="100000"/>
+              </a:lnSpc>
+              <a:spcBef>
+                <a:spcPts val="0"/>
+              </a:spcBef>
+              <a:spcAft>
+                <a:spcPts val="0"/>
+              </a:spcAft>
+              <a:buClr>
+                <a:schemeClr val="lt1"/>
+              </a:buClr>
+              <a:buSzPts val="1600"/>
+              <a:buNone/>
+              <a:defRPr sz="1600">
+                <a:solidFill>
+                  <a:schemeClr val="lt1"/>
+                </a:solidFill>
+              </a:defRPr>
+            </a:lvl3pPr>
+            <a:lvl4pPr lvl="3">
+              <a:lnSpc>
+                <a:spcPct val="100000"/>
+              </a:lnSpc>
+              <a:spcBef>
+                <a:spcPts val="0"/>
+              </a:spcBef>
+              <a:spcAft>
+                <a:spcPts val="0"/>
+              </a:spcAft>
+              <a:buClr>
+                <a:schemeClr val="lt1"/>
+              </a:buClr>
+              <a:buSzPts val="1600"/>
+              <a:buNone/>
+              <a:defRPr sz="1600">
+                <a:solidFill>
+                  <a:schemeClr val="lt1"/>
+                </a:solidFill>
+              </a:defRPr>
+            </a:lvl4pPr>
+            <a:lvl5pPr lvl="4">
+              <a:lnSpc>
+                <a:spcPct val="100000"/>
+              </a:lnSpc>
+              <a:spcBef>
+                <a:spcPts val="0"/>
+              </a:spcBef>
+              <a:spcAft>
+                <a:spcPts val="0"/>
+              </a:spcAft>
+              <a:buClr>
+                <a:schemeClr val="lt1"/>
+              </a:buClr>
+              <a:buSzPts val="1600"/>
+              <a:buNone/>
+              <a:defRPr sz="1600">
+                <a:solidFill>
+                  <a:schemeClr val="lt1"/>
+                </a:solidFill>
+              </a:defRPr>
+            </a:lvl5pPr>
+            <a:lvl6pPr lvl="5">
+              <a:lnSpc>
+                <a:spcPct val="100000"/>
+              </a:lnSpc>
+              <a:spcBef>
+                <a:spcPts val="0"/>
+              </a:spcBef>
+              <a:spcAft>
+                <a:spcPts val="0"/>
+              </a:spcAft>
+              <a:buClr>
+                <a:schemeClr val="lt1"/>
+              </a:buClr>
+              <a:buSzPts val="1600"/>
+              <a:buNone/>
+              <a:defRPr sz="1600">
+                <a:solidFill>
+                  <a:schemeClr val="lt1"/>
+                </a:solidFill>
+              </a:defRPr>
+            </a:lvl6pPr>
+            <a:lvl7pPr lvl="6">
+              <a:lnSpc>
+                <a:spcPct val="100000"/>
+              </a:lnSpc>
+              <a:spcBef>
+                <a:spcPts val="0"/>
+              </a:spcBef>
+              <a:spcAft>
+                <a:spcPts val="0"/>
+              </a:spcAft>
+              <a:buClr>
+                <a:schemeClr val="lt1"/>
+              </a:buClr>
+              <a:buSzPts val="1600"/>
+              <a:buNone/>
+              <a:defRPr sz="1600">
+                <a:solidFill>
+                  <a:schemeClr val="lt1"/>
+                </a:solidFill>
+              </a:defRPr>
+            </a:lvl7pPr>
+            <a:lvl8pPr lvl="7">
+              <a:lnSpc>
+                <a:spcPct val="100000"/>
+              </a:lnSpc>
+              <a:spcBef>
+                <a:spcPts val="0"/>
+              </a:spcBef>
+              <a:spcAft>
+                <a:spcPts val="0"/>
+              </a:spcAft>
+              <a:buClr>
+                <a:schemeClr val="lt1"/>
+              </a:buClr>
+              <a:buSzPts val="1600"/>
+              <a:buNone/>
+              <a:defRPr sz="1600">
+                <a:solidFill>
+                  <a:schemeClr val="lt1"/>
+                </a:solidFill>
+              </a:defRPr>
+            </a:lvl8pPr>
+            <a:lvl9pPr lvl="8">
+              <a:lnSpc>
+                <a:spcPct val="100000"/>
+              </a:lnSpc>
+              <a:spcBef>
+                <a:spcPts val="0"/>
+              </a:spcBef>
+              <a:spcAft>
+                <a:spcPts val="0"/>
+              </a:spcAft>
+              <a:buClr>
+                <a:schemeClr val="lt1"/>
+              </a:buClr>
+              <a:buSzPts val="1600"/>
+              <a:buNone/>
+              <a:defRPr sz="1600">
+                <a:solidFill>
+                  <a:schemeClr val="lt1"/>
+                </a:solidFill>
+              </a:defRPr>
+            </a:lvl9pPr>
+          </a:lstStyle>
+          <a:p/>
+        </p:txBody>
+      </p:sp>
+      <p:sp>
+        <p:nvSpPr>
+          <p:cNvPr id="101" name="Google Shape;101;p9"/>
           <p:cNvSpPr txBox="1"/>
           <p:nvPr>
             <p:ph idx="2" type="body"/>
@@ -3831,114 +7293,114 @@
         </p:nvSpPr>
         <p:spPr>
           <a:xfrm>
-            <a:off x="4939500" y="724075"/>
-            <a:ext cx="3837000" cy="3695100"/>
+            <a:off x="819150" y="2467050"/>
+            <a:ext cx="5859900" cy="2095500"/>
           </a:xfrm>
           <a:prstGeom prst="rect">
             <a:avLst/>
           </a:prstGeom>
         </p:spPr>
         <p:txBody>
-          <a:bodyPr anchorCtr="0" anchor="ctr" bIns="91425" lIns="91425" spcFirstLastPara="1" rIns="91425" wrap="square" tIns="91425">
+          <a:bodyPr anchorCtr="0" anchor="t" bIns="91425" lIns="91425" spcFirstLastPara="1" rIns="91425" wrap="square" tIns="91425">
             <a:noAutofit/>
           </a:bodyPr>
           <a:lstStyle>
-            <a:lvl1pPr indent="-342900" lvl="0" marL="457200">
-              <a:spcBef>
-                <a:spcPts val="0"/>
-              </a:spcBef>
-              <a:spcAft>
-                <a:spcPts val="0"/>
-              </a:spcAft>
-              <a:buSzPts val="1800"/>
+            <a:lvl1pPr indent="-311150" lvl="0" marL="457200">
+              <a:spcBef>
+                <a:spcPts val="0"/>
+              </a:spcBef>
+              <a:spcAft>
+                <a:spcPts val="0"/>
+              </a:spcAft>
+              <a:buSzPts val="1300"/>
               <a:buChar char="●"/>
               <a:defRPr/>
             </a:lvl1pPr>
-            <a:lvl2pPr indent="-317500" lvl="1" marL="914400">
+            <a:lvl2pPr indent="-298450" lvl="1" marL="914400">
               <a:spcBef>
                 <a:spcPts val="1600"/>
               </a:spcBef>
               <a:spcAft>
                 <a:spcPts val="0"/>
               </a:spcAft>
-              <a:buSzPts val="1400"/>
+              <a:buSzPts val="1100"/>
               <a:buChar char="○"/>
               <a:defRPr/>
             </a:lvl2pPr>
-            <a:lvl3pPr indent="-317500" lvl="2" marL="1371600">
+            <a:lvl3pPr indent="-298450" lvl="2" marL="1371600">
               <a:spcBef>
                 <a:spcPts val="1600"/>
               </a:spcBef>
               <a:spcAft>
                 <a:spcPts val="0"/>
               </a:spcAft>
-              <a:buSzPts val="1400"/>
+              <a:buSzPts val="1100"/>
               <a:buChar char="■"/>
               <a:defRPr/>
             </a:lvl3pPr>
-            <a:lvl4pPr indent="-317500" lvl="3" marL="1828800">
+            <a:lvl4pPr indent="-298450" lvl="3" marL="1828800">
               <a:spcBef>
                 <a:spcPts val="1600"/>
               </a:spcBef>
               <a:spcAft>
                 <a:spcPts val="0"/>
               </a:spcAft>
-              <a:buSzPts val="1400"/>
+              <a:buSzPts val="1100"/>
               <a:buChar char="●"/>
               <a:defRPr/>
             </a:lvl4pPr>
-            <a:lvl5pPr indent="-317500" lvl="4" marL="2286000">
+            <a:lvl5pPr indent="-298450" lvl="4" marL="2286000">
               <a:spcBef>
                 <a:spcPts val="1600"/>
               </a:spcBef>
               <a:spcAft>
                 <a:spcPts val="0"/>
               </a:spcAft>
-              <a:buSzPts val="1400"/>
+              <a:buSzPts val="1100"/>
               <a:buChar char="○"/>
               <a:defRPr/>
             </a:lvl5pPr>
-            <a:lvl6pPr indent="-317500" lvl="5" marL="2743200">
+            <a:lvl6pPr indent="-298450" lvl="5" marL="2743200">
               <a:spcBef>
                 <a:spcPts val="1600"/>
               </a:spcBef>
               <a:spcAft>
                 <a:spcPts val="0"/>
               </a:spcAft>
-              <a:buSzPts val="1400"/>
+              <a:buSzPts val="1100"/>
               <a:buChar char="■"/>
               <a:defRPr/>
             </a:lvl6pPr>
-            <a:lvl7pPr indent="-317500" lvl="6" marL="3200400">
+            <a:lvl7pPr indent="-298450" lvl="6" marL="3200400">
               <a:spcBef>
                 <a:spcPts val="1600"/>
               </a:spcBef>
               <a:spcAft>
                 <a:spcPts val="0"/>
               </a:spcAft>
-              <a:buSzPts val="1400"/>
+              <a:buSzPts val="1100"/>
               <a:buChar char="●"/>
               <a:defRPr/>
             </a:lvl7pPr>
-            <a:lvl8pPr indent="-317500" lvl="7" marL="3657600">
+            <a:lvl8pPr indent="-298450" lvl="7" marL="3657600">
               <a:spcBef>
                 <a:spcPts val="1600"/>
               </a:spcBef>
               <a:spcAft>
                 <a:spcPts val="0"/>
               </a:spcAft>
-              <a:buSzPts val="1400"/>
+              <a:buSzPts val="1100"/>
               <a:buChar char="○"/>
               <a:defRPr/>
             </a:lvl8pPr>
-            <a:lvl9pPr indent="-317500" lvl="8" marL="4114800">
+            <a:lvl9pPr indent="-298450" lvl="8" marL="4114800">
               <a:spcBef>
                 <a:spcPts val="1600"/>
               </a:spcBef>
               <a:spcAft>
                 <a:spcPts val="1600"/>
               </a:spcAft>
-              <a:buSzPts val="1400"/>
+              <a:buSzPts val="1100"/>
               <a:buChar char="■"/>
               <a:defRPr/>
             </a:lvl9pPr>
@@ -3948,7 +7410,7 @@
       </p:sp>
       <p:sp>
         <p:nvSpPr>
-          <p:cNvPr id="40" name="Google Shape;40;p9"/>
+          <p:cNvPr id="102" name="Google Shape;102;p9"/>
           <p:cNvSpPr txBox="1"/>
           <p:nvPr>
             <p:ph idx="12" type="sldNum"/>
@@ -3956,7 +7418,7 @@
         </p:nvSpPr>
         <p:spPr>
           <a:xfrm>
-            <a:off x="8472458" y="4663217"/>
+            <a:off x="8390734" y="4543668"/>
             <a:ext cx="548700" cy="393600"/>
           </a:xfrm>
           <a:prstGeom prst="rect">
@@ -4034,9 +7496,16 @@
 <file path=ppt/slideLayouts/slideLayout9.xml><?xml version="1.0" encoding="utf-8"?>
 <p:sldLayout xmlns:a="http://schemas.openxmlformats.org/drawingml/2006/main" xmlns:r="http://schemas.openxmlformats.org/officeDocument/2006/relationships" xmlns:mc="http://schemas.openxmlformats.org/markup-compatibility/2006" xmlns:mv="urn:schemas-microsoft-com:mac:vml" xmlns:p="http://schemas.openxmlformats.org/presentationml/2006/main" xmlns:c="http://schemas.openxmlformats.org/drawingml/2006/chart" xmlns:dgm="http://schemas.openxmlformats.org/drawingml/2006/diagram" xmlns:o="urn:schemas-microsoft-com:office:office" xmlns:v="urn:schemas-microsoft-com:vml" xmlns:pvml="urn:schemas-microsoft-com:office:powerpoint" xmlns:com="http://schemas.openxmlformats.org/drawingml/2006/compatibility" xmlns:p14="http://schemas.microsoft.com/office/powerpoint/2010/main" xmlns:p15="http://schemas.microsoft.com/office/powerpoint/2012/main" xmlns:ahyp="http://schemas.microsoft.com/office/drawing/2018/hyperlinkcolor" matchingName="Caption">
   <p:cSld name="CAPTION_ONLY">
+    <p:bg>
+      <p:bgPr>
+        <a:solidFill>
+          <a:schemeClr val="accent1"/>
+        </a:solidFill>
+      </p:bgPr>
+    </p:bg>
     <p:spTree>
       <p:nvGrpSpPr>
-        <p:cNvPr id="41" name="Shape 41"/>
+        <p:cNvPr id="103" name="Shape 103"/>
         <p:cNvGrpSpPr/>
         <p:nvPr/>
       </p:nvGrpSpPr>
@@ -4050,7 +7519,143 @@
       </p:grpSpPr>
       <p:sp>
         <p:nvSpPr>
-          <p:cNvPr id="42" name="Google Shape;42;p10"/>
+          <p:cNvPr id="104" name="Google Shape;104;p10"/>
+          <p:cNvSpPr/>
+          <p:nvPr/>
+        </p:nvSpPr>
+        <p:spPr>
+          <a:xfrm>
+            <a:off x="31" y="2824500"/>
+            <a:ext cx="7370400" cy="2319000"/>
+          </a:xfrm>
+          <a:prstGeom prst="rtTriangle">
+            <a:avLst/>
+          </a:prstGeom>
+          <a:solidFill>
+            <a:schemeClr val="lt2"/>
+          </a:solidFill>
+          <a:ln>
+            <a:noFill/>
+          </a:ln>
+        </p:spPr>
+        <p:txBody>
+          <a:bodyPr anchorCtr="0" anchor="ctr" bIns="91425" lIns="91425" spcFirstLastPara="1" rIns="91425" wrap="square" tIns="91425">
+            <a:noAutofit/>
+          </a:bodyPr>
+          <a:lstStyle/>
+          <a:p>
+            <a:pPr indent="0" lvl="0" marL="0" rtl="0" algn="l">
+              <a:spcBef>
+                <a:spcPts val="0"/>
+              </a:spcBef>
+              <a:spcAft>
+                <a:spcPts val="0"/>
+              </a:spcAft>
+              <a:buNone/>
+            </a:pPr>
+            <a:r>
+              <a:t/>
+            </a:r>
+            <a:endParaRPr/>
+          </a:p>
+        </p:txBody>
+      </p:sp>
+      <p:sp>
+        <p:nvSpPr>
+          <p:cNvPr id="105" name="Google Shape;105;p10"/>
+          <p:cNvSpPr/>
+          <p:nvPr/>
+        </p:nvSpPr>
+        <p:spPr>
+          <a:xfrm flipH="1">
+            <a:off x="3582600" y="1550700"/>
+            <a:ext cx="5561400" cy="3592800"/>
+          </a:xfrm>
+          <a:prstGeom prst="rtTriangle">
+            <a:avLst/>
+          </a:prstGeom>
+          <a:solidFill>
+            <a:schemeClr val="dk2"/>
+          </a:solidFill>
+          <a:ln>
+            <a:noFill/>
+          </a:ln>
+        </p:spPr>
+        <p:txBody>
+          <a:bodyPr anchorCtr="0" anchor="ctr" bIns="91425" lIns="91425" spcFirstLastPara="1" rIns="91425" wrap="square" tIns="91425">
+            <a:noAutofit/>
+          </a:bodyPr>
+          <a:lstStyle/>
+          <a:p>
+            <a:pPr indent="0" lvl="0" marL="0" rtl="0" algn="l">
+              <a:spcBef>
+                <a:spcPts val="0"/>
+              </a:spcBef>
+              <a:spcAft>
+                <a:spcPts val="0"/>
+              </a:spcAft>
+              <a:buNone/>
+            </a:pPr>
+            <a:r>
+              <a:t/>
+            </a:r>
+            <a:endParaRPr/>
+          </a:p>
+        </p:txBody>
+      </p:sp>
+      <p:sp>
+        <p:nvSpPr>
+          <p:cNvPr id="106" name="Google Shape;106;p10"/>
+          <p:cNvSpPr/>
+          <p:nvPr/>
+        </p:nvSpPr>
+        <p:spPr>
+          <a:xfrm>
+            <a:off x="203225" y="206250"/>
+            <a:ext cx="8737500" cy="4731000"/>
+          </a:xfrm>
+          <a:prstGeom prst="rect">
+            <a:avLst/>
+          </a:prstGeom>
+          <a:solidFill>
+            <a:schemeClr val="dk1"/>
+          </a:solidFill>
+          <a:ln>
+            <a:noFill/>
+          </a:ln>
+          <a:effectLst>
+            <a:outerShdw blurRad="228600" sx="101000" rotWithShape="0" algn="ctr" sy="101000">
+              <a:srgbClr val="000000">
+                <a:alpha val="40000"/>
+              </a:srgbClr>
+            </a:outerShdw>
+          </a:effectLst>
+        </p:spPr>
+        <p:txBody>
+          <a:bodyPr anchorCtr="0" anchor="ctr" bIns="91425" lIns="91425" spcFirstLastPara="1" rIns="91425" wrap="square" tIns="91425">
+            <a:noAutofit/>
+          </a:bodyPr>
+          <a:lstStyle/>
+          <a:p>
+            <a:pPr indent="0" lvl="0" marL="0" rtl="0" algn="l">
+              <a:spcBef>
+                <a:spcPts val="0"/>
+              </a:spcBef>
+              <a:spcAft>
+                <a:spcPts val="0"/>
+              </a:spcAft>
+              <a:buNone/>
+            </a:pPr>
+            <a:r>
+              <a:t/>
+            </a:r>
+            <a:endParaRPr/>
+          </a:p>
+        </p:txBody>
+      </p:sp>
+      <p:sp>
+        <p:nvSpPr>
+          <p:cNvPr id="107" name="Google Shape;107;p10"/>
           <p:cNvSpPr txBox="1"/>
           <p:nvPr>
             <p:ph idx="1" type="body"/>
@@ -4058,15 +7663,15 @@
         </p:nvSpPr>
         <p:spPr>
           <a:xfrm>
-            <a:off x="311700" y="4230575"/>
-            <a:ext cx="5998800" cy="605100"/>
+            <a:off x="328025" y="4163500"/>
+            <a:ext cx="7415100" cy="605100"/>
           </a:xfrm>
           <a:prstGeom prst="rect">
             <a:avLst/>
           </a:prstGeom>
         </p:spPr>
         <p:txBody>
-          <a:bodyPr anchorCtr="0" anchor="ctr" bIns="91425" lIns="91425" spcFirstLastPara="1" rIns="91425" wrap="square" tIns="91425">
+          <a:bodyPr anchorCtr="0" anchor="b" bIns="91425" lIns="91425" spcFirstLastPara="1" rIns="91425" wrap="square" tIns="91425">
             <a:noAutofit/>
           </a:bodyPr>
           <a:lstStyle>
@@ -4080,7 +7685,7 @@
               <a:spcAft>
                 <a:spcPts val="0"/>
               </a:spcAft>
-              <a:buSzPts val="1800"/>
+              <a:buSzPts val="1300"/>
               <a:buNone/>
               <a:defRPr/>
             </a:lvl1pPr>
@@ -4090,7 +7695,7 @@
       </p:sp>
       <p:sp>
         <p:nvSpPr>
-          <p:cNvPr id="43" name="Google Shape;43;p10"/>
+          <p:cNvPr id="108" name="Google Shape;108;p10"/>
           <p:cNvSpPr txBox="1"/>
           <p:nvPr>
             <p:ph idx="12" type="sldNum"/>
@@ -4098,7 +7703,7 @@
         </p:nvSpPr>
         <p:spPr>
           <a:xfrm>
-            <a:off x="8472458" y="4663217"/>
+            <a:off x="8390734" y="4543668"/>
             <a:ext cx="548700" cy="393600"/>
           </a:xfrm>
           <a:prstGeom prst="rect">
@@ -4175,11 +7780,11 @@
 
 <file path=ppt/slideMasters/slideMaster1.xml><?xml version="1.0" encoding="utf-8"?>
 <p:sldMaster xmlns:a="http://schemas.openxmlformats.org/drawingml/2006/main" xmlns:r="http://schemas.openxmlformats.org/officeDocument/2006/relationships" xmlns:mc="http://schemas.openxmlformats.org/markup-compatibility/2006" xmlns:mv="urn:schemas-microsoft-com:mac:vml" xmlns:p="http://schemas.openxmlformats.org/presentationml/2006/main" xmlns:c="http://schemas.openxmlformats.org/drawingml/2006/chart" xmlns:dgm="http://schemas.openxmlformats.org/drawingml/2006/diagram" xmlns:o="urn:schemas-microsoft-com:office:office" xmlns:v="urn:schemas-microsoft-com:vml" xmlns:pvml="urn:schemas-microsoft-com:office:powerpoint" xmlns:com="http://schemas.openxmlformats.org/drawingml/2006/compatibility" xmlns:p14="http://schemas.microsoft.com/office/powerpoint/2010/main" xmlns:p15="http://schemas.microsoft.com/office/powerpoint/2012/main" xmlns:ahyp="http://schemas.microsoft.com/office/drawing/2018/hyperlinkcolor">
-  <p:cSld name="simple-light-2">
+  <p:cSld name="shift">
     <p:bg>
       <p:bgPr>
         <a:solidFill>
-          <a:schemeClr val="lt1"/>
+          <a:schemeClr val="dk1"/>
         </a:solidFill>
       </p:bgPr>
     </p:bg>
@@ -4231,14 +7836,19 @@
                 <a:spcPts val="0"/>
               </a:spcAft>
               <a:buClr>
-                <a:schemeClr val="dk1"/>
+                <a:schemeClr val="lt1"/>
               </a:buClr>
               <a:buSzPts val="2800"/>
+              <a:buFont typeface="Nunito"/>
               <a:buNone/>
               <a:defRPr sz="2800">
                 <a:solidFill>
-                  <a:schemeClr val="dk1"/>
+                  <a:schemeClr val="lt1"/>
                 </a:solidFill>
+                <a:latin typeface="Nunito"/>
+                <a:ea typeface="Nunito"/>
+                <a:cs typeface="Nunito"/>
+                <a:sym typeface="Nunito"/>
               </a:defRPr>
             </a:lvl1pPr>
             <a:lvl2pPr lvl="1">
@@ -4249,14 +7859,19 @@
                 <a:spcPts val="0"/>
               </a:spcAft>
               <a:buClr>
-                <a:schemeClr val="dk1"/>
+                <a:schemeClr val="lt1"/>
               </a:buClr>
               <a:buSzPts val="2800"/>
+              <a:buFont typeface="Nunito"/>
               <a:buNone/>
               <a:defRPr sz="2800">
                 <a:solidFill>
-                  <a:schemeClr val="dk1"/>
+                  <a:schemeClr val="lt1"/>
                 </a:solidFill>
+                <a:latin typeface="Nunito"/>
+                <a:ea typeface="Nunito"/>
+                <a:cs typeface="Nunito"/>
+                <a:sym typeface="Nunito"/>
               </a:defRPr>
             </a:lvl2pPr>
             <a:lvl3pPr lvl="2">
@@ -4267,14 +7882,19 @@
                 <a:spcPts val="0"/>
               </a:spcAft>
               <a:buClr>
-                <a:schemeClr val="dk1"/>
+                <a:schemeClr val="lt1"/>
               </a:buClr>
               <a:buSzPts val="2800"/>
+              <a:buFont typeface="Nunito"/>
               <a:buNone/>
               <a:defRPr sz="2800">
                 <a:solidFill>
-                  <a:schemeClr val="dk1"/>
+                  <a:schemeClr val="lt1"/>
                 </a:solidFill>
+                <a:latin typeface="Nunito"/>
+                <a:ea typeface="Nunito"/>
+                <a:cs typeface="Nunito"/>
+                <a:sym typeface="Nunito"/>
               </a:defRPr>
             </a:lvl3pPr>
             <a:lvl4pPr lvl="3">
@@ -4285,14 +7905,19 @@
                 <a:spcPts val="0"/>
               </a:spcAft>
               <a:buClr>
-                <a:schemeClr val="dk1"/>
+                <a:schemeClr val="lt1"/>
               </a:buClr>
               <a:buSzPts val="2800"/>
+              <a:buFont typeface="Nunito"/>
               <a:buNone/>
               <a:defRPr sz="2800">
                 <a:solidFill>
-                  <a:schemeClr val="dk1"/>
+                  <a:schemeClr val="lt1"/>
                 </a:solidFill>
+                <a:latin typeface="Nunito"/>
+                <a:ea typeface="Nunito"/>
+                <a:cs typeface="Nunito"/>
+                <a:sym typeface="Nunito"/>
               </a:defRPr>
             </a:lvl4pPr>
             <a:lvl5pPr lvl="4">
@@ -4303,14 +7928,19 @@
                 <a:spcPts val="0"/>
               </a:spcAft>
               <a:buClr>
-                <a:schemeClr val="dk1"/>
+                <a:schemeClr val="lt1"/>
               </a:buClr>
               <a:buSzPts val="2800"/>
+              <a:buFont typeface="Nunito"/>
               <a:buNone/>
               <a:defRPr sz="2800">
                 <a:solidFill>
-                  <a:schemeClr val="dk1"/>
+                  <a:schemeClr val="lt1"/>
                 </a:solidFill>
+                <a:latin typeface="Nunito"/>
+                <a:ea typeface="Nunito"/>
+                <a:cs typeface="Nunito"/>
+                <a:sym typeface="Nunito"/>
               </a:defRPr>
             </a:lvl5pPr>
             <a:lvl6pPr lvl="5">
@@ -4321,14 +7951,19 @@
                 <a:spcPts val="0"/>
               </a:spcAft>
               <a:buClr>
-                <a:schemeClr val="dk1"/>
+                <a:schemeClr val="lt1"/>
               </a:buClr>
               <a:buSzPts val="2800"/>
+              <a:buFont typeface="Nunito"/>
               <a:buNone/>
               <a:defRPr sz="2800">
                 <a:solidFill>
-                  <a:schemeClr val="dk1"/>
+                  <a:schemeClr val="lt1"/>
                 </a:solidFill>
+                <a:latin typeface="Nunito"/>
+                <a:ea typeface="Nunito"/>
+                <a:cs typeface="Nunito"/>
+                <a:sym typeface="Nunito"/>
               </a:defRPr>
             </a:lvl6pPr>
             <a:lvl7pPr lvl="6">
@@ -4339,14 +7974,19 @@
                 <a:spcPts val="0"/>
               </a:spcAft>
               <a:buClr>
-                <a:schemeClr val="dk1"/>
+                <a:schemeClr val="lt1"/>
               </a:buClr>
               <a:buSzPts val="2800"/>
+              <a:buFont typeface="Nunito"/>
               <a:buNone/>
               <a:defRPr sz="2800">
                 <a:solidFill>
-                  <a:schemeClr val="dk1"/>
+                  <a:schemeClr val="lt1"/>
                 </a:solidFill>
+                <a:latin typeface="Nunito"/>
+                <a:ea typeface="Nunito"/>
+                <a:cs typeface="Nunito"/>
+                <a:sym typeface="Nunito"/>
               </a:defRPr>
             </a:lvl7pPr>
             <a:lvl8pPr lvl="7">
@@ -4357,14 +7997,19 @@
                 <a:spcPts val="0"/>
               </a:spcAft>
               <a:buClr>
-                <a:schemeClr val="dk1"/>
+                <a:schemeClr val="lt1"/>
               </a:buClr>
               <a:buSzPts val="2800"/>
+              <a:buFont typeface="Nunito"/>
               <a:buNone/>
               <a:defRPr sz="2800">
                 <a:solidFill>
-                  <a:schemeClr val="dk1"/>
+                  <a:schemeClr val="lt1"/>
                 </a:solidFill>
+                <a:latin typeface="Nunito"/>
+                <a:ea typeface="Nunito"/>
+                <a:cs typeface="Nunito"/>
+                <a:sym typeface="Nunito"/>
               </a:defRPr>
             </a:lvl8pPr>
             <a:lvl9pPr lvl="8">
@@ -4375,14 +8020,19 @@
                 <a:spcPts val="0"/>
               </a:spcAft>
               <a:buClr>
-                <a:schemeClr val="dk1"/>
+                <a:schemeClr val="lt1"/>
               </a:buClr>
               <a:buSzPts val="2800"/>
+              <a:buFont typeface="Nunito"/>
               <a:buNone/>
               <a:defRPr sz="2800">
                 <a:solidFill>
-                  <a:schemeClr val="dk1"/>
+                  <a:schemeClr val="lt1"/>
                 </a:solidFill>
+                <a:latin typeface="Nunito"/>
+                <a:ea typeface="Nunito"/>
+                <a:cs typeface="Nunito"/>
+                <a:sym typeface="Nunito"/>
               </a:defRPr>
             </a:lvl9pPr>
           </a:lstStyle>
@@ -4400,7 +8050,7 @@
         <p:spPr>
           <a:xfrm>
             <a:off x="311700" y="1152475"/>
-            <a:ext cx="8520600" cy="3416400"/>
+            <a:ext cx="8520600" cy="3391200"/>
           </a:xfrm>
           <a:prstGeom prst="rect">
             <a:avLst/>
@@ -4415,7 +8065,7 @@
             <a:noAutofit/>
           </a:bodyPr>
           <a:lstStyle>
-            <a:lvl1pPr indent="-342900" lvl="0" marL="457200">
+            <a:lvl1pPr indent="-311150" lvl="0" marL="457200">
               <a:lnSpc>
                 <a:spcPct val="115000"/>
               </a:lnSpc>
@@ -4428,15 +8078,20 @@
               <a:buClr>
                 <a:schemeClr val="dk2"/>
               </a:buClr>
-              <a:buSzPts val="1800"/>
+              <a:buSzPts val="1300"/>
+              <a:buFont typeface="Calibri"/>
               <a:buChar char="●"/>
-              <a:defRPr sz="1800">
+              <a:defRPr sz="1300">
                 <a:solidFill>
                   <a:schemeClr val="dk2"/>
                 </a:solidFill>
+                <a:latin typeface="Calibri"/>
+                <a:ea typeface="Calibri"/>
+                <a:cs typeface="Calibri"/>
+                <a:sym typeface="Calibri"/>
               </a:defRPr>
             </a:lvl1pPr>
-            <a:lvl2pPr indent="-317500" lvl="1" marL="914400">
+            <a:lvl2pPr indent="-298450" lvl="1" marL="914400">
               <a:lnSpc>
                 <a:spcPct val="115000"/>
               </a:lnSpc>
@@ -4449,15 +8104,20 @@
               <a:buClr>
                 <a:schemeClr val="dk2"/>
               </a:buClr>
-              <a:buSzPts val="1400"/>
+              <a:buSzPts val="1100"/>
+              <a:buFont typeface="Calibri"/>
               <a:buChar char="○"/>
-              <a:defRPr>
+              <a:defRPr sz="1100">
                 <a:solidFill>
                   <a:schemeClr val="dk2"/>
                 </a:solidFill>
+                <a:latin typeface="Calibri"/>
+                <a:ea typeface="Calibri"/>
+                <a:cs typeface="Calibri"/>
+                <a:sym typeface="Calibri"/>
               </a:defRPr>
             </a:lvl2pPr>
-            <a:lvl3pPr indent="-317500" lvl="2" marL="1371600">
+            <a:lvl3pPr indent="-298450" lvl="2" marL="1371600">
               <a:lnSpc>
                 <a:spcPct val="115000"/>
               </a:lnSpc>
@@ -4470,15 +8130,20 @@
               <a:buClr>
                 <a:schemeClr val="dk2"/>
               </a:buClr>
-              <a:buSzPts val="1400"/>
+              <a:buSzPts val="1100"/>
+              <a:buFont typeface="Calibri"/>
               <a:buChar char="■"/>
-              <a:defRPr>
+              <a:defRPr sz="1100">
                 <a:solidFill>
                   <a:schemeClr val="dk2"/>
                 </a:solidFill>
+                <a:latin typeface="Calibri"/>
+                <a:ea typeface="Calibri"/>
+                <a:cs typeface="Calibri"/>
+                <a:sym typeface="Calibri"/>
               </a:defRPr>
             </a:lvl3pPr>
-            <a:lvl4pPr indent="-317500" lvl="3" marL="1828800">
+            <a:lvl4pPr indent="-298450" lvl="3" marL="1828800">
               <a:lnSpc>
                 <a:spcPct val="115000"/>
               </a:lnSpc>
@@ -4491,15 +8156,20 @@
               <a:buClr>
                 <a:schemeClr val="dk2"/>
               </a:buClr>
-              <a:buSzPts val="1400"/>
+              <a:buSzPts val="1100"/>
+              <a:buFont typeface="Calibri"/>
               <a:buChar char="●"/>
-              <a:defRPr>
+              <a:defRPr sz="1100">
                 <a:solidFill>
                   <a:schemeClr val="dk2"/>
                 </a:solidFill>
+                <a:latin typeface="Calibri"/>
+                <a:ea typeface="Calibri"/>
+                <a:cs typeface="Calibri"/>
+                <a:sym typeface="Calibri"/>
               </a:defRPr>
             </a:lvl4pPr>
-            <a:lvl5pPr indent="-317500" lvl="4" marL="2286000">
+            <a:lvl5pPr indent="-298450" lvl="4" marL="2286000">
               <a:lnSpc>
                 <a:spcPct val="115000"/>
               </a:lnSpc>
@@ -4512,15 +8182,20 @@
               <a:buClr>
                 <a:schemeClr val="dk2"/>
               </a:buClr>
-              <a:buSzPts val="1400"/>
+              <a:buSzPts val="1100"/>
+              <a:buFont typeface="Calibri"/>
               <a:buChar char="○"/>
-              <a:defRPr>
+              <a:defRPr sz="1100">
                 <a:solidFill>
                   <a:schemeClr val="dk2"/>
                 </a:solidFill>
+                <a:latin typeface="Calibri"/>
+                <a:ea typeface="Calibri"/>
+                <a:cs typeface="Calibri"/>
+                <a:sym typeface="Calibri"/>
               </a:defRPr>
             </a:lvl5pPr>
-            <a:lvl6pPr indent="-317500" lvl="5" marL="2743200">
+            <a:lvl6pPr indent="-298450" lvl="5" marL="2743200">
               <a:lnSpc>
                 <a:spcPct val="115000"/>
               </a:lnSpc>
@@ -4533,15 +8208,20 @@
               <a:buClr>
                 <a:schemeClr val="dk2"/>
               </a:buClr>
-              <a:buSzPts val="1400"/>
+              <a:buSzPts val="1100"/>
+              <a:buFont typeface="Calibri"/>
               <a:buChar char="■"/>
-              <a:defRPr>
+              <a:defRPr sz="1100">
                 <a:solidFill>
                   <a:schemeClr val="dk2"/>
                 </a:solidFill>
+                <a:latin typeface="Calibri"/>
+                <a:ea typeface="Calibri"/>
+                <a:cs typeface="Calibri"/>
+                <a:sym typeface="Calibri"/>
               </a:defRPr>
             </a:lvl6pPr>
-            <a:lvl7pPr indent="-317500" lvl="6" marL="3200400">
+            <a:lvl7pPr indent="-298450" lvl="6" marL="3200400">
               <a:lnSpc>
                 <a:spcPct val="115000"/>
               </a:lnSpc>
@@ -4554,15 +8234,20 @@
               <a:buClr>
                 <a:schemeClr val="dk2"/>
               </a:buClr>
-              <a:buSzPts val="1400"/>
+              <a:buSzPts val="1100"/>
+              <a:buFont typeface="Calibri"/>
               <a:buChar char="●"/>
-              <a:defRPr>
+              <a:defRPr sz="1100">
                 <a:solidFill>
                   <a:schemeClr val="dk2"/>
                 </a:solidFill>
+                <a:latin typeface="Calibri"/>
+                <a:ea typeface="Calibri"/>
+                <a:cs typeface="Calibri"/>
+                <a:sym typeface="Calibri"/>
               </a:defRPr>
             </a:lvl7pPr>
-            <a:lvl8pPr indent="-317500" lvl="7" marL="3657600">
+            <a:lvl8pPr indent="-298450" lvl="7" marL="3657600">
               <a:lnSpc>
                 <a:spcPct val="115000"/>
               </a:lnSpc>
@@ -4575,15 +8260,20 @@
               <a:buClr>
                 <a:schemeClr val="dk2"/>
               </a:buClr>
-              <a:buSzPts val="1400"/>
+              <a:buSzPts val="1100"/>
+              <a:buFont typeface="Calibri"/>
               <a:buChar char="○"/>
-              <a:defRPr>
+              <a:defRPr sz="1100">
                 <a:solidFill>
                   <a:schemeClr val="dk2"/>
                 </a:solidFill>
+                <a:latin typeface="Calibri"/>
+                <a:ea typeface="Calibri"/>
+                <a:cs typeface="Calibri"/>
+                <a:sym typeface="Calibri"/>
               </a:defRPr>
             </a:lvl8pPr>
-            <a:lvl9pPr indent="-317500" lvl="8" marL="4114800">
+            <a:lvl9pPr indent="-298450" lvl="8" marL="4114800">
               <a:lnSpc>
                 <a:spcPct val="115000"/>
               </a:lnSpc>
@@ -4596,12 +8286,17 @@
               <a:buClr>
                 <a:schemeClr val="dk2"/>
               </a:buClr>
-              <a:buSzPts val="1400"/>
+              <a:buSzPts val="1100"/>
+              <a:buFont typeface="Calibri"/>
               <a:buChar char="■"/>
-              <a:defRPr>
+              <a:defRPr sz="1100">
                 <a:solidFill>
                   <a:schemeClr val="dk2"/>
                 </a:solidFill>
+                <a:latin typeface="Calibri"/>
+                <a:ea typeface="Calibri"/>
+                <a:cs typeface="Calibri"/>
+                <a:sym typeface="Calibri"/>
               </a:defRPr>
             </a:lvl9pPr>
           </a:lstStyle>
@@ -4618,7 +8313,7 @@
         </p:nvSpPr>
         <p:spPr>
           <a:xfrm>
-            <a:off x="8472458" y="4663217"/>
+            <a:off x="8390734" y="4543668"/>
             <a:ext cx="548700" cy="393600"/>
           </a:xfrm>
           <a:prstGeom prst="rect">
@@ -4640,6 +8335,10 @@
                 <a:solidFill>
                   <a:schemeClr val="dk2"/>
                 </a:solidFill>
+                <a:latin typeface="Nunito"/>
+                <a:ea typeface="Nunito"/>
+                <a:cs typeface="Nunito"/>
+                <a:sym typeface="Nunito"/>
               </a:defRPr>
             </a:lvl1pPr>
             <a:lvl2pPr lvl="1" algn="r">
@@ -4648,6 +8347,10 @@
                 <a:solidFill>
                   <a:schemeClr val="dk2"/>
                 </a:solidFill>
+                <a:latin typeface="Nunito"/>
+                <a:ea typeface="Nunito"/>
+                <a:cs typeface="Nunito"/>
+                <a:sym typeface="Nunito"/>
               </a:defRPr>
             </a:lvl2pPr>
             <a:lvl3pPr lvl="2" algn="r">
@@ -4656,6 +8359,10 @@
                 <a:solidFill>
                   <a:schemeClr val="dk2"/>
                 </a:solidFill>
+                <a:latin typeface="Nunito"/>
+                <a:ea typeface="Nunito"/>
+                <a:cs typeface="Nunito"/>
+                <a:sym typeface="Nunito"/>
               </a:defRPr>
             </a:lvl3pPr>
             <a:lvl4pPr lvl="3" algn="r">
@@ -4664,6 +8371,10 @@
                 <a:solidFill>
                   <a:schemeClr val="dk2"/>
                 </a:solidFill>
+                <a:latin typeface="Nunito"/>
+                <a:ea typeface="Nunito"/>
+                <a:cs typeface="Nunito"/>
+                <a:sym typeface="Nunito"/>
               </a:defRPr>
             </a:lvl4pPr>
             <a:lvl5pPr lvl="4" algn="r">
@@ -4672,6 +8383,10 @@
                 <a:solidFill>
                   <a:schemeClr val="dk2"/>
                 </a:solidFill>
+                <a:latin typeface="Nunito"/>
+                <a:ea typeface="Nunito"/>
+                <a:cs typeface="Nunito"/>
+                <a:sym typeface="Nunito"/>
               </a:defRPr>
             </a:lvl5pPr>
             <a:lvl6pPr lvl="5" algn="r">
@@ -4680,6 +8395,10 @@
                 <a:solidFill>
                   <a:schemeClr val="dk2"/>
                 </a:solidFill>
+                <a:latin typeface="Nunito"/>
+                <a:ea typeface="Nunito"/>
+                <a:cs typeface="Nunito"/>
+                <a:sym typeface="Nunito"/>
               </a:defRPr>
             </a:lvl6pPr>
             <a:lvl7pPr lvl="6" algn="r">
@@ -4688,6 +8407,10 @@
                 <a:solidFill>
                   <a:schemeClr val="dk2"/>
                 </a:solidFill>
+                <a:latin typeface="Nunito"/>
+                <a:ea typeface="Nunito"/>
+                <a:cs typeface="Nunito"/>
+                <a:sym typeface="Nunito"/>
               </a:defRPr>
             </a:lvl7pPr>
             <a:lvl8pPr lvl="7" algn="r">
@@ -4696,6 +8419,10 @@
                 <a:solidFill>
                   <a:schemeClr val="dk2"/>
                 </a:solidFill>
+                <a:latin typeface="Nunito"/>
+                <a:ea typeface="Nunito"/>
+                <a:cs typeface="Nunito"/>
+                <a:sym typeface="Nunito"/>
               </a:defRPr>
             </a:lvl8pPr>
             <a:lvl9pPr lvl="8" algn="r">
@@ -4704,6 +8431,10 @@
                 <a:solidFill>
                   <a:schemeClr val="dk2"/>
                 </a:solidFill>
+                <a:latin typeface="Nunito"/>
+                <a:ea typeface="Nunito"/>
+                <a:cs typeface="Nunito"/>
+                <a:sym typeface="Nunito"/>
               </a:defRPr>
             </a:lvl9pPr>
           </a:lstStyle>
@@ -5439,7 +9170,7 @@
   <p:cSld>
     <p:spTree>
       <p:nvGrpSpPr>
-        <p:cNvPr id="53" name="Shape 53"/>
+        <p:cNvPr id="127" name="Shape 127"/>
         <p:cNvGrpSpPr/>
         <p:nvPr/>
       </p:nvGrpSpPr>
@@ -5453,7 +9184,7 @@
       </p:grpSpPr>
       <p:sp>
         <p:nvSpPr>
-          <p:cNvPr id="54" name="Google Shape;54;p13"/>
+          <p:cNvPr id="128" name="Google Shape;128;p13"/>
           <p:cNvSpPr txBox="1"/>
           <p:nvPr>
             <p:ph type="ctrTitle"/>
@@ -5461,15 +9192,15 @@
         </p:nvSpPr>
         <p:spPr>
           <a:xfrm>
-            <a:off x="311708" y="744575"/>
-            <a:ext cx="8520600" cy="2052600"/>
+            <a:off x="1858703" y="1822833"/>
+            <a:ext cx="5361300" cy="1448100"/>
           </a:xfrm>
           <a:prstGeom prst="rect">
             <a:avLst/>
           </a:prstGeom>
         </p:spPr>
         <p:txBody>
-          <a:bodyPr anchorCtr="0" anchor="b" bIns="91425" lIns="91425" spcFirstLastPara="1" rIns="91425" wrap="square" tIns="91425">
+          <a:bodyPr anchorCtr="0" anchor="ctr" bIns="91425" lIns="91425" spcFirstLastPara="1" rIns="91425" wrap="square" tIns="91425">
             <a:noAutofit/>
           </a:bodyPr>
           <a:lstStyle/>
@@ -5484,7 +9215,8 @@
               <a:buNone/>
             </a:pPr>
             <a:r>
-              <a:t/>
+              <a:rPr lang="zh-TW"/>
+              <a:t>網頁設計:作業重點</a:t>
             </a:r>
             <a:endParaRPr/>
           </a:p>
@@ -5492,7 +9224,7 @@
       </p:sp>
       <p:sp>
         <p:nvSpPr>
-          <p:cNvPr id="55" name="Google Shape;55;p13"/>
+          <p:cNvPr id="129" name="Google Shape;129;p13"/>
           <p:cNvSpPr txBox="1"/>
           <p:nvPr>
             <p:ph idx="1" type="subTitle"/>
@@ -5500,8 +9232,8 @@
         </p:nvSpPr>
         <p:spPr>
           <a:xfrm>
-            <a:off x="311700" y="2834125"/>
-            <a:ext cx="8520600" cy="792600"/>
+            <a:off x="1858700" y="3413158"/>
+            <a:ext cx="5361300" cy="522600"/>
           </a:xfrm>
           <a:prstGeom prst="rect">
             <a:avLst/>
@@ -5537,45 +9269,489 @@
 </p:sld>
 </file>
 
+<file path=ppt/slides/slide2.xml><?xml version="1.0" encoding="utf-8"?>
+<p:sld xmlns:a="http://schemas.openxmlformats.org/drawingml/2006/main" xmlns:r="http://schemas.openxmlformats.org/officeDocument/2006/relationships" xmlns:mc="http://schemas.openxmlformats.org/markup-compatibility/2006" xmlns:mv="urn:schemas-microsoft-com:mac:vml" xmlns:p="http://schemas.openxmlformats.org/presentationml/2006/main" xmlns:c="http://schemas.openxmlformats.org/drawingml/2006/chart" xmlns:dgm="http://schemas.openxmlformats.org/drawingml/2006/diagram" xmlns:o="urn:schemas-microsoft-com:office:office" xmlns:v="urn:schemas-microsoft-com:vml" xmlns:pvml="urn:schemas-microsoft-com:office:powerpoint" xmlns:com="http://schemas.openxmlformats.org/drawingml/2006/compatibility" xmlns:p14="http://schemas.microsoft.com/office/powerpoint/2010/main" xmlns:p15="http://schemas.microsoft.com/office/powerpoint/2012/main" xmlns:ahyp="http://schemas.microsoft.com/office/drawing/2018/hyperlinkcolor">
+  <p:cSld>
+    <p:spTree>
+      <p:nvGrpSpPr>
+        <p:cNvPr id="133" name="Shape 133"/>
+        <p:cNvGrpSpPr/>
+        <p:nvPr/>
+      </p:nvGrpSpPr>
+      <p:grpSpPr>
+        <a:xfrm>
+          <a:off x="0" y="0"/>
+          <a:ext cx="0" cy="0"/>
+          <a:chOff x="0" y="0"/>
+          <a:chExt cx="0" cy="0"/>
+        </a:xfrm>
+      </p:grpSpPr>
+      <p:sp>
+        <p:nvSpPr>
+          <p:cNvPr id="134" name="Google Shape;134;p14"/>
+          <p:cNvSpPr txBox="1"/>
+          <p:nvPr>
+            <p:ph type="title"/>
+          </p:nvPr>
+        </p:nvSpPr>
+        <p:spPr>
+          <a:xfrm>
+            <a:off x="819150" y="845600"/>
+            <a:ext cx="7505700" cy="954600"/>
+          </a:xfrm>
+          <a:prstGeom prst="rect">
+            <a:avLst/>
+          </a:prstGeom>
+        </p:spPr>
+        <p:txBody>
+          <a:bodyPr anchorCtr="0" anchor="t" bIns="91425" lIns="91425" spcFirstLastPara="1" rIns="91425" wrap="square" tIns="91425">
+            <a:noAutofit/>
+          </a:bodyPr>
+          <a:lstStyle/>
+          <a:p>
+            <a:pPr indent="0" lvl="0" marL="0" rtl="0" algn="l">
+              <a:spcBef>
+                <a:spcPts val="0"/>
+              </a:spcBef>
+              <a:spcAft>
+                <a:spcPts val="0"/>
+              </a:spcAft>
+              <a:buNone/>
+            </a:pPr>
+            <a:r>
+              <a:t/>
+            </a:r>
+            <a:endParaRPr/>
+          </a:p>
+        </p:txBody>
+      </p:sp>
+      <p:sp>
+        <p:nvSpPr>
+          <p:cNvPr id="135" name="Google Shape;135;p14"/>
+          <p:cNvSpPr txBox="1"/>
+          <p:nvPr>
+            <p:ph idx="1" type="body"/>
+          </p:nvPr>
+        </p:nvSpPr>
+        <p:spPr>
+          <a:xfrm>
+            <a:off x="4131100" y="1941800"/>
+            <a:ext cx="4193700" cy="2496900"/>
+          </a:xfrm>
+          <a:prstGeom prst="rect">
+            <a:avLst/>
+          </a:prstGeom>
+        </p:spPr>
+        <p:txBody>
+          <a:bodyPr anchorCtr="0" anchor="t" bIns="91425" lIns="91425" spcFirstLastPara="1" rIns="91425" wrap="square" tIns="91425">
+            <a:noAutofit/>
+          </a:bodyPr>
+          <a:lstStyle/>
+          <a:p>
+            <a:pPr indent="0" lvl="0" marL="0" rtl="0" algn="l">
+              <a:spcBef>
+                <a:spcPts val="0"/>
+              </a:spcBef>
+              <a:spcAft>
+                <a:spcPts val="0"/>
+              </a:spcAft>
+              <a:buNone/>
+            </a:pPr>
+            <a:r>
+              <a:rPr lang="zh-TW" sz="2800"/>
+              <a:t>頁面到哪 項目就閃爍到哪</a:t>
+            </a:r>
+            <a:endParaRPr sz="2800"/>
+          </a:p>
+          <a:p>
+            <a:pPr indent="0" lvl="0" marL="0" rtl="0" algn="l">
+              <a:spcBef>
+                <a:spcPts val="1600"/>
+              </a:spcBef>
+              <a:spcAft>
+                <a:spcPts val="1600"/>
+              </a:spcAft>
+              <a:buNone/>
+            </a:pPr>
+            <a:r>
+              <a:rPr lang="zh-TW" sz="2800"/>
+              <a:t>按鍵反白</a:t>
+            </a:r>
+            <a:endParaRPr sz="2800"/>
+          </a:p>
+        </p:txBody>
+      </p:sp>
+      <p:pic>
+        <p:nvPicPr>
+          <p:cNvPr id="136" name="Google Shape;136;p14"/>
+          <p:cNvPicPr preferRelativeResize="0"/>
+          <p:nvPr/>
+        </p:nvPicPr>
+        <p:blipFill>
+          <a:blip r:embed="rId3">
+            <a:alphaModFix/>
+          </a:blip>
+          <a:stretch>
+            <a:fillRect/>
+          </a:stretch>
+        </p:blipFill>
+        <p:spPr>
+          <a:xfrm>
+            <a:off x="688623" y="490700"/>
+            <a:ext cx="3364401" cy="4162101"/>
+          </a:xfrm>
+          <a:prstGeom prst="rect">
+            <a:avLst/>
+          </a:prstGeom>
+          <a:noFill/>
+          <a:ln>
+            <a:noFill/>
+          </a:ln>
+        </p:spPr>
+      </p:pic>
+    </p:spTree>
+  </p:cSld>
+  <p:clrMapOvr>
+    <a:masterClrMapping/>
+  </p:clrMapOvr>
+</p:sld>
+</file>
+
+<file path=ppt/slides/slide3.xml><?xml version="1.0" encoding="utf-8"?>
+<p:sld xmlns:a="http://schemas.openxmlformats.org/drawingml/2006/main" xmlns:r="http://schemas.openxmlformats.org/officeDocument/2006/relationships" xmlns:mc="http://schemas.openxmlformats.org/markup-compatibility/2006" xmlns:mv="urn:schemas-microsoft-com:mac:vml" xmlns:p="http://schemas.openxmlformats.org/presentationml/2006/main" xmlns:c="http://schemas.openxmlformats.org/drawingml/2006/chart" xmlns:dgm="http://schemas.openxmlformats.org/drawingml/2006/diagram" xmlns:o="urn:schemas-microsoft-com:office:office" xmlns:v="urn:schemas-microsoft-com:vml" xmlns:pvml="urn:schemas-microsoft-com:office:powerpoint" xmlns:com="http://schemas.openxmlformats.org/drawingml/2006/compatibility" xmlns:p14="http://schemas.microsoft.com/office/powerpoint/2010/main" xmlns:p15="http://schemas.microsoft.com/office/powerpoint/2012/main" xmlns:ahyp="http://schemas.microsoft.com/office/drawing/2018/hyperlinkcolor">
+  <p:cSld>
+    <p:spTree>
+      <p:nvGrpSpPr>
+        <p:cNvPr id="140" name="Shape 140"/>
+        <p:cNvGrpSpPr/>
+        <p:nvPr/>
+      </p:nvGrpSpPr>
+      <p:grpSpPr>
+        <a:xfrm>
+          <a:off x="0" y="0"/>
+          <a:ext cx="0" cy="0"/>
+          <a:chOff x="0" y="0"/>
+          <a:chExt cx="0" cy="0"/>
+        </a:xfrm>
+      </p:grpSpPr>
+      <p:sp>
+        <p:nvSpPr>
+          <p:cNvPr id="141" name="Google Shape;141;p15"/>
+          <p:cNvSpPr txBox="1"/>
+          <p:nvPr>
+            <p:ph type="title"/>
+          </p:nvPr>
+        </p:nvSpPr>
+        <p:spPr>
+          <a:xfrm>
+            <a:off x="819150" y="845600"/>
+            <a:ext cx="7505700" cy="954600"/>
+          </a:xfrm>
+          <a:prstGeom prst="rect">
+            <a:avLst/>
+          </a:prstGeom>
+        </p:spPr>
+        <p:txBody>
+          <a:bodyPr anchorCtr="0" anchor="t" bIns="91425" lIns="91425" spcFirstLastPara="1" rIns="91425" wrap="square" tIns="91425">
+            <a:noAutofit/>
+          </a:bodyPr>
+          <a:lstStyle/>
+          <a:p>
+            <a:pPr indent="0" lvl="0" marL="0" rtl="0" algn="l">
+              <a:spcBef>
+                <a:spcPts val="0"/>
+              </a:spcBef>
+              <a:spcAft>
+                <a:spcPts val="0"/>
+              </a:spcAft>
+              <a:buNone/>
+            </a:pPr>
+            <a:r>
+              <a:t/>
+            </a:r>
+            <a:endParaRPr/>
+          </a:p>
+        </p:txBody>
+      </p:sp>
+      <p:sp>
+        <p:nvSpPr>
+          <p:cNvPr id="142" name="Google Shape;142;p15"/>
+          <p:cNvSpPr txBox="1"/>
+          <p:nvPr>
+            <p:ph idx="1" type="body"/>
+          </p:nvPr>
+        </p:nvSpPr>
+        <p:spPr>
+          <a:xfrm>
+            <a:off x="4431150" y="3116225"/>
+            <a:ext cx="4193700" cy="2496900"/>
+          </a:xfrm>
+          <a:prstGeom prst="rect">
+            <a:avLst/>
+          </a:prstGeom>
+        </p:spPr>
+        <p:txBody>
+          <a:bodyPr anchorCtr="0" anchor="t" bIns="91425" lIns="91425" spcFirstLastPara="1" rIns="91425" wrap="square" tIns="91425">
+            <a:noAutofit/>
+          </a:bodyPr>
+          <a:lstStyle/>
+          <a:p>
+            <a:pPr indent="0" lvl="0" marL="0" rtl="0" algn="l">
+              <a:spcBef>
+                <a:spcPts val="0"/>
+              </a:spcBef>
+              <a:spcAft>
+                <a:spcPts val="0"/>
+              </a:spcAft>
+              <a:buNone/>
+            </a:pPr>
+            <a:r>
+              <a:rPr lang="zh-TW" sz="2800"/>
+              <a:t>可寄送聯絡資訊</a:t>
+            </a:r>
+            <a:endParaRPr sz="2800"/>
+          </a:p>
+          <a:p>
+            <a:pPr indent="0" lvl="0" marL="0" rtl="0" algn="l">
+              <a:spcBef>
+                <a:spcPts val="1600"/>
+              </a:spcBef>
+              <a:spcAft>
+                <a:spcPts val="1600"/>
+              </a:spcAft>
+              <a:buNone/>
+            </a:pPr>
+            <a:r>
+              <a:rPr lang="zh-TW" sz="2800"/>
+              <a:t>加上bootstrap樣板</a:t>
+            </a:r>
+            <a:endParaRPr sz="2800"/>
+          </a:p>
+        </p:txBody>
+      </p:sp>
+      <p:pic>
+        <p:nvPicPr>
+          <p:cNvPr id="143" name="Google Shape;143;p15"/>
+          <p:cNvPicPr preferRelativeResize="0"/>
+          <p:nvPr/>
+        </p:nvPicPr>
+        <p:blipFill>
+          <a:blip r:embed="rId3">
+            <a:alphaModFix/>
+          </a:blip>
+          <a:stretch>
+            <a:fillRect/>
+          </a:stretch>
+        </p:blipFill>
+        <p:spPr>
+          <a:xfrm>
+            <a:off x="313949" y="274325"/>
+            <a:ext cx="4331600" cy="2677875"/>
+          </a:xfrm>
+          <a:prstGeom prst="rect">
+            <a:avLst/>
+          </a:prstGeom>
+          <a:noFill/>
+          <a:ln>
+            <a:noFill/>
+          </a:ln>
+        </p:spPr>
+      </p:pic>
+    </p:spTree>
+  </p:cSld>
+  <p:clrMapOvr>
+    <a:masterClrMapping/>
+  </p:clrMapOvr>
+</p:sld>
+</file>
+
+<file path=ppt/slides/slide4.xml><?xml version="1.0" encoding="utf-8"?>
+<p:sld xmlns:a="http://schemas.openxmlformats.org/drawingml/2006/main" xmlns:r="http://schemas.openxmlformats.org/officeDocument/2006/relationships" xmlns:mc="http://schemas.openxmlformats.org/markup-compatibility/2006" xmlns:mv="urn:schemas-microsoft-com:mac:vml" xmlns:p="http://schemas.openxmlformats.org/presentationml/2006/main" xmlns:c="http://schemas.openxmlformats.org/drawingml/2006/chart" xmlns:dgm="http://schemas.openxmlformats.org/drawingml/2006/diagram" xmlns:o="urn:schemas-microsoft-com:office:office" xmlns:v="urn:schemas-microsoft-com:vml" xmlns:pvml="urn:schemas-microsoft-com:office:powerpoint" xmlns:com="http://schemas.openxmlformats.org/drawingml/2006/compatibility" xmlns:p14="http://schemas.microsoft.com/office/powerpoint/2010/main" xmlns:p15="http://schemas.microsoft.com/office/powerpoint/2012/main" xmlns:ahyp="http://schemas.microsoft.com/office/drawing/2018/hyperlinkcolor">
+  <p:cSld>
+    <p:spTree>
+      <p:nvGrpSpPr>
+        <p:cNvPr id="147" name="Shape 147"/>
+        <p:cNvGrpSpPr/>
+        <p:nvPr/>
+      </p:nvGrpSpPr>
+      <p:grpSpPr>
+        <a:xfrm>
+          <a:off x="0" y="0"/>
+          <a:ext cx="0" cy="0"/>
+          <a:chOff x="0" y="0"/>
+          <a:chExt cx="0" cy="0"/>
+        </a:xfrm>
+      </p:grpSpPr>
+      <p:sp>
+        <p:nvSpPr>
+          <p:cNvPr id="148" name="Google Shape;148;p16"/>
+          <p:cNvSpPr txBox="1"/>
+          <p:nvPr>
+            <p:ph type="title"/>
+          </p:nvPr>
+        </p:nvSpPr>
+        <p:spPr>
+          <a:xfrm>
+            <a:off x="819150" y="845600"/>
+            <a:ext cx="7505700" cy="954600"/>
+          </a:xfrm>
+          <a:prstGeom prst="rect">
+            <a:avLst/>
+          </a:prstGeom>
+        </p:spPr>
+        <p:txBody>
+          <a:bodyPr anchorCtr="0" anchor="t" bIns="91425" lIns="91425" spcFirstLastPara="1" rIns="91425" wrap="square" tIns="91425">
+            <a:noAutofit/>
+          </a:bodyPr>
+          <a:lstStyle/>
+          <a:p>
+            <a:pPr indent="0" lvl="0" marL="0" rtl="0" algn="l">
+              <a:spcBef>
+                <a:spcPts val="0"/>
+              </a:spcBef>
+              <a:spcAft>
+                <a:spcPts val="0"/>
+              </a:spcAft>
+              <a:buNone/>
+            </a:pPr>
+            <a:r>
+              <a:t/>
+            </a:r>
+            <a:endParaRPr/>
+          </a:p>
+        </p:txBody>
+      </p:sp>
+      <p:sp>
+        <p:nvSpPr>
+          <p:cNvPr id="149" name="Google Shape;149;p16"/>
+          <p:cNvSpPr txBox="1"/>
+          <p:nvPr>
+            <p:ph idx="1" type="body"/>
+          </p:nvPr>
+        </p:nvSpPr>
+        <p:spPr>
+          <a:xfrm>
+            <a:off x="4439700" y="2970500"/>
+            <a:ext cx="4193700" cy="2496900"/>
+          </a:xfrm>
+          <a:prstGeom prst="rect">
+            <a:avLst/>
+          </a:prstGeom>
+        </p:spPr>
+        <p:txBody>
+          <a:bodyPr anchorCtr="0" anchor="t" bIns="91425" lIns="91425" spcFirstLastPara="1" rIns="91425" wrap="square" tIns="91425">
+            <a:noAutofit/>
+          </a:bodyPr>
+          <a:lstStyle/>
+          <a:p>
+            <a:pPr indent="0" lvl="0" marL="0" rtl="0" algn="l">
+              <a:spcBef>
+                <a:spcPts val="0"/>
+              </a:spcBef>
+              <a:spcAft>
+                <a:spcPts val="0"/>
+              </a:spcAft>
+              <a:buNone/>
+            </a:pPr>
+            <a:r>
+              <a:rPr lang="zh-TW" sz="2800"/>
+              <a:t>漢堡從右邊出來</a:t>
+            </a:r>
+            <a:endParaRPr sz="2800"/>
+          </a:p>
+          <a:p>
+            <a:pPr indent="0" lvl="0" marL="0" rtl="0" algn="l">
+              <a:spcBef>
+                <a:spcPts val="1600"/>
+              </a:spcBef>
+              <a:spcAft>
+                <a:spcPts val="1600"/>
+              </a:spcAft>
+              <a:buNone/>
+            </a:pPr>
+            <a:r>
+              <a:rPr lang="zh-TW" sz="2800"/>
+              <a:t>項目欄改為上排</a:t>
+            </a:r>
+            <a:endParaRPr sz="2800"/>
+          </a:p>
+        </p:txBody>
+      </p:sp>
+      <p:pic>
+        <p:nvPicPr>
+          <p:cNvPr id="150" name="Google Shape;150;p16"/>
+          <p:cNvPicPr preferRelativeResize="0"/>
+          <p:nvPr/>
+        </p:nvPicPr>
+        <p:blipFill>
+          <a:blip r:embed="rId3">
+            <a:alphaModFix/>
+          </a:blip>
+          <a:stretch>
+            <a:fillRect/>
+          </a:stretch>
+        </p:blipFill>
+        <p:spPr>
+          <a:xfrm>
+            <a:off x="246600" y="330150"/>
+            <a:ext cx="5034699" cy="2344400"/>
+          </a:xfrm>
+          <a:prstGeom prst="rect">
+            <a:avLst/>
+          </a:prstGeom>
+          <a:noFill/>
+          <a:ln>
+            <a:noFill/>
+          </a:ln>
+        </p:spPr>
+      </p:pic>
+    </p:spTree>
+  </p:cSld>
+  <p:clrMapOvr>
+    <a:masterClrMapping/>
+  </p:clrMapOvr>
+</p:sld>
+</file>
+
 <file path=ppt/theme/theme1.xml><?xml version="1.0" encoding="utf-8"?>
-<a:theme xmlns:a="http://schemas.openxmlformats.org/drawingml/2006/main" xmlns:r="http://schemas.openxmlformats.org/officeDocument/2006/relationships" name="Simple Light">
+<a:theme xmlns:a="http://schemas.openxmlformats.org/drawingml/2006/main" xmlns:r="http://schemas.openxmlformats.org/officeDocument/2006/relationships" name="Shift">
   <a:themeElements>
-    <a:clrScheme name="Simple Light">
+    <a:clrScheme name="Shift">
       <a:dk1>
-        <a:srgbClr val="000000"/>
+        <a:srgbClr val="FFFFFF"/>
       </a:dk1>
       <a:lt1>
-        <a:srgbClr val="FFFFFF"/>
+        <a:srgbClr val="AF7B51"/>
       </a:lt1>
       <a:dk2>
-        <a:srgbClr val="595959"/>
+        <a:srgbClr val="233A44"/>
       </a:dk2>
       <a:lt2>
-        <a:srgbClr val="EEEEEE"/>
+        <a:srgbClr val="D9D9D9"/>
       </a:lt2>
       <a:accent1>
-        <a:srgbClr val="FFAB40"/>
+        <a:srgbClr val="00796B"/>
       </a:accent1>
       <a:accent2>
-        <a:srgbClr val="212121"/>
+        <a:srgbClr val="D9563F"/>
       </a:accent2>
       <a:accent3>
-        <a:srgbClr val="78909C"/>
+        <a:srgbClr val="C4A15A"/>
       </a:accent3>
       <a:accent4>
-        <a:srgbClr val="FFAB40"/>
+        <a:srgbClr val="14F597"/>
       </a:accent4>
       <a:accent5>
-        <a:srgbClr val="0097A7"/>
+        <a:srgbClr val="3D4594"/>
       </a:accent5>
       <a:accent6>
-        <a:srgbClr val="EEFF41"/>
+        <a:srgbClr val="163EF5"/>
       </a:accent6>
       <a:hlink>
-        <a:srgbClr val="0097A7"/>
+        <a:srgbClr val="3D4594"/>
       </a:hlink>
       <a:folHlink>
-        <a:srgbClr val="0097A7"/>
+        <a:srgbClr val="3D4594"/>
       </a:folHlink>
     </a:clrScheme>
     <a:fontScheme name="Office">
